--- a/LLMWEEK5.pptx
+++ b/LLMWEEK5.pptx
@@ -5,7 +5,7 @@
     <p:sldMasterId id="2147483686" r:id="rId1"/>
   </p:sldMasterIdLst>
   <p:notesMasterIdLst>
-    <p:notesMasterId r:id="rId11"/>
+    <p:notesMasterId r:id="rId25"/>
   </p:notesMasterIdLst>
   <p:sldIdLst>
     <p:sldId id="256" r:id="rId2"/>
@@ -13,10 +13,24 @@
     <p:sldId id="259" r:id="rId4"/>
     <p:sldId id="260" r:id="rId5"/>
     <p:sldId id="261" r:id="rId6"/>
-    <p:sldId id="262" r:id="rId7"/>
-    <p:sldId id="263" r:id="rId8"/>
-    <p:sldId id="264" r:id="rId9"/>
-    <p:sldId id="265" r:id="rId10"/>
+    <p:sldId id="266" r:id="rId7"/>
+    <p:sldId id="262" r:id="rId8"/>
+    <p:sldId id="263" r:id="rId9"/>
+    <p:sldId id="264" r:id="rId10"/>
+    <p:sldId id="265" r:id="rId11"/>
+    <p:sldId id="267" r:id="rId12"/>
+    <p:sldId id="268" r:id="rId13"/>
+    <p:sldId id="269" r:id="rId14"/>
+    <p:sldId id="270" r:id="rId15"/>
+    <p:sldId id="271" r:id="rId16"/>
+    <p:sldId id="272" r:id="rId17"/>
+    <p:sldId id="273" r:id="rId18"/>
+    <p:sldId id="274" r:id="rId19"/>
+    <p:sldId id="275" r:id="rId20"/>
+    <p:sldId id="276" r:id="rId21"/>
+    <p:sldId id="277" r:id="rId22"/>
+    <p:sldId id="278" r:id="rId23"/>
+    <p:sldId id="279" r:id="rId24"/>
   </p:sldIdLst>
   <p:sldSz cx="12192000" cy="6858000"/>
   <p:notesSz cx="12192000" cy="6858000"/>
@@ -216,7 +230,7 @@
           <a:p>
             <a:fld id="{2012E477-B70C-4632-8391-C527C9281309}" type="datetimeFigureOut">
               <a:rPr lang="tr-TR" smtClean="0"/>
-              <a:t>20.10.2025</a:t>
+              <a:t>21.10.2025</a:t>
             </a:fld>
             <a:endParaRPr lang="tr-TR"/>
           </a:p>
@@ -483,6 +497,658 @@
 </p:notesMaster>
 </file>
 
+<file path=ppt/notesSlides/notesSlide1.xml><?xml version="1.0" encoding="utf-8"?>
+<p:notes xmlns:a="http://schemas.openxmlformats.org/drawingml/2006/main" xmlns:r="http://schemas.openxmlformats.org/officeDocument/2006/relationships" xmlns:p="http://schemas.openxmlformats.org/presentationml/2006/main">
+  <p:cSld>
+    <p:spTree>
+      <p:nvGrpSpPr>
+        <p:cNvPr id="1" name=""/>
+        <p:cNvGrpSpPr/>
+        <p:nvPr/>
+      </p:nvGrpSpPr>
+      <p:grpSpPr>
+        <a:xfrm>
+          <a:off x="0" y="0"/>
+          <a:ext cx="0" cy="0"/>
+          <a:chOff x="0" y="0"/>
+          <a:chExt cx="0" cy="0"/>
+        </a:xfrm>
+      </p:grpSpPr>
+      <p:sp>
+        <p:nvSpPr>
+          <p:cNvPr id="2" name="Slayt Görüntüsü Yer Tutucusu 1"/>
+          <p:cNvSpPr>
+            <a:spLocks noGrp="1" noRot="1" noChangeAspect="1"/>
+          </p:cNvSpPr>
+          <p:nvPr>
+            <p:ph type="sldImg"/>
+          </p:nvPr>
+        </p:nvSpPr>
+        <p:spPr/>
+      </p:sp>
+      <p:sp>
+        <p:nvSpPr>
+          <p:cNvPr id="3" name="Not Yer Tutucusu 2"/>
+          <p:cNvSpPr>
+            <a:spLocks noGrp="1"/>
+          </p:cNvSpPr>
+          <p:nvPr>
+            <p:ph type="body" idx="1"/>
+          </p:nvPr>
+        </p:nvSpPr>
+        <p:spPr/>
+        <p:txBody>
+          <a:bodyPr/>
+          <a:lstStyle/>
+          <a:p>
+            <a:pPr marL="0" marR="0" indent="0" algn="l" defTabSz="914400" rtl="0" eaLnBrk="1" fontAlgn="auto" latinLnBrk="0" hangingPunct="1">
+              <a:lnSpc>
+                <a:spcPct val="100000"/>
+              </a:lnSpc>
+              <a:spcBef>
+                <a:spcPts val="0"/>
+              </a:spcBef>
+              <a:spcAft>
+                <a:spcPts val="0"/>
+              </a:spcAft>
+              <a:buClrTx/>
+              <a:buSzTx/>
+              <a:buFontTx/>
+              <a:buNone/>
+              <a:tabLst/>
+              <a:defRPr/>
+            </a:pPr>
+            <a:r>
+              <a:rPr lang="tr-TR" dirty="0" smtClean="0"/>
+              <a:t>Sonuç, her kelime için bir ağırlık (“IDF”) değeridir ve bu değeri, </a:t>
+            </a:r>
+            <a:r>
+              <a:rPr lang="tr-TR" dirty="0" err="1" smtClean="0"/>
+              <a:t>kelimelerinsıklığı</a:t>
+            </a:r>
+            <a:r>
+              <a:rPr lang="tr-TR" dirty="0" smtClean="0"/>
+              <a:t> (“c-TF”) ile çarparak ağırlıklı değerleri (“c-TF-IDF”) elde </a:t>
+            </a:r>
+            <a:r>
+              <a:rPr lang="tr-TR" dirty="0" err="1" smtClean="0"/>
+              <a:t>edebiliriz.Prosedürün</a:t>
+            </a:r>
+            <a:r>
+              <a:rPr lang="tr-TR" dirty="0" smtClean="0"/>
+              <a:t> bu ikinci kısmı, daha önce gördüğümüz </a:t>
+            </a:r>
+            <a:r>
+              <a:rPr lang="tr-TR" dirty="0" err="1" smtClean="0"/>
+              <a:t>gibikelimeler</a:t>
+            </a:r>
+            <a:r>
+              <a:rPr lang="tr-TR" dirty="0" smtClean="0"/>
+              <a:t> üzerinde bir dağılım oluşturmamızı </a:t>
+            </a:r>
+            <a:r>
+              <a:rPr lang="tr-TR" dirty="0" err="1" smtClean="0"/>
+              <a:t>sağlar.scikit-learn'in</a:t>
+            </a:r>
+            <a:r>
+              <a:rPr lang="tr-TR" dirty="0" smtClean="0"/>
+              <a:t> </a:t>
+            </a:r>
+            <a:r>
+              <a:rPr lang="tr-TR" dirty="0" err="1" smtClean="0"/>
+              <a:t>CountVectorizer'ını</a:t>
+            </a:r>
+            <a:r>
+              <a:rPr lang="tr-TR" dirty="0" smtClean="0"/>
+              <a:t> kullanarak kelime torbası (veya </a:t>
+            </a:r>
+            <a:r>
+              <a:rPr lang="tr-TR" dirty="0" err="1" smtClean="0"/>
+              <a:t>terimsıklığı</a:t>
+            </a:r>
+            <a:r>
+              <a:rPr lang="tr-TR" dirty="0" smtClean="0"/>
+              <a:t>) temsilini oluşturabiliriz. Burada, her küme, metin kümesinin kelime </a:t>
+            </a:r>
+            <a:r>
+              <a:rPr lang="tr-TR" dirty="0" err="1" smtClean="0"/>
+              <a:t>dağarcığınınbelirli</a:t>
+            </a:r>
+            <a:r>
+              <a:rPr lang="tr-TR" dirty="0" smtClean="0"/>
+              <a:t> bir sıralamasına sahip bir konu olarak kabul edilir.</a:t>
+            </a:r>
+          </a:p>
+          <a:p>
+            <a:endParaRPr lang="tr-TR" dirty="0"/>
+          </a:p>
+        </p:txBody>
+      </p:sp>
+      <p:sp>
+        <p:nvSpPr>
+          <p:cNvPr id="4" name="Slayt Numarası Yer Tutucusu 3"/>
+          <p:cNvSpPr>
+            <a:spLocks noGrp="1"/>
+          </p:cNvSpPr>
+          <p:nvPr>
+            <p:ph type="sldNum" sz="quarter" idx="10"/>
+          </p:nvPr>
+        </p:nvSpPr>
+        <p:spPr/>
+        <p:txBody>
+          <a:bodyPr/>
+          <a:lstStyle/>
+          <a:p>
+            <a:fld id="{DDC21EC2-CB17-468B-A2FC-B7715AAA317B}" type="slidenum">
+              <a:rPr lang="tr-TR" smtClean="0"/>
+              <a:t>20</a:t>
+            </a:fld>
+            <a:endParaRPr lang="tr-TR"/>
+          </a:p>
+        </p:txBody>
+      </p:sp>
+    </p:spTree>
+    <p:extLst>
+      <p:ext uri="{BB962C8B-B14F-4D97-AF65-F5344CB8AC3E}">
+        <p14:creationId xmlns:p14="http://schemas.microsoft.com/office/powerpoint/2010/main" val="2038740334"/>
+      </p:ext>
+    </p:extLst>
+  </p:cSld>
+  <p:clrMapOvr>
+    <a:masterClrMapping/>
+  </p:clrMapOvr>
+</p:notes>
+</file>
+
+<file path=ppt/notesSlides/notesSlide2.xml><?xml version="1.0" encoding="utf-8"?>
+<p:notes xmlns:a="http://schemas.openxmlformats.org/drawingml/2006/main" xmlns:r="http://schemas.openxmlformats.org/officeDocument/2006/relationships" xmlns:p="http://schemas.openxmlformats.org/presentationml/2006/main">
+  <p:cSld>
+    <p:spTree>
+      <p:nvGrpSpPr>
+        <p:cNvPr id="1" name=""/>
+        <p:cNvGrpSpPr/>
+        <p:nvPr/>
+      </p:nvGrpSpPr>
+      <p:grpSpPr>
+        <a:xfrm>
+          <a:off x="0" y="0"/>
+          <a:ext cx="0" cy="0"/>
+          <a:chOff x="0" y="0"/>
+          <a:chExt cx="0" cy="0"/>
+        </a:xfrm>
+      </p:grpSpPr>
+      <p:sp>
+        <p:nvSpPr>
+          <p:cNvPr id="2" name="Slayt Görüntüsü Yer Tutucusu 1"/>
+          <p:cNvSpPr>
+            <a:spLocks noGrp="1" noRot="1" noChangeAspect="1"/>
+          </p:cNvSpPr>
+          <p:nvPr>
+            <p:ph type="sldImg"/>
+          </p:nvPr>
+        </p:nvSpPr>
+        <p:spPr/>
+      </p:sp>
+      <p:sp>
+        <p:nvSpPr>
+          <p:cNvPr id="3" name="Not Yer Tutucusu 2"/>
+          <p:cNvSpPr>
+            <a:spLocks noGrp="1"/>
+          </p:cNvSpPr>
+          <p:nvPr>
+            <p:ph type="body" idx="1"/>
+          </p:nvPr>
+        </p:nvSpPr>
+        <p:spPr/>
+        <p:txBody>
+          <a:bodyPr/>
+          <a:lstStyle/>
+          <a:p>
+            <a:pPr marL="0" marR="0" indent="0" algn="l" defTabSz="914400" rtl="0" eaLnBrk="1" fontAlgn="auto" latinLnBrk="0" hangingPunct="1">
+              <a:lnSpc>
+                <a:spcPct val="100000"/>
+              </a:lnSpc>
+              <a:spcBef>
+                <a:spcPts val="0"/>
+              </a:spcBef>
+              <a:spcAft>
+                <a:spcPts val="0"/>
+              </a:spcAft>
+              <a:buClrTx/>
+              <a:buSzTx/>
+              <a:buFontTx/>
+              <a:buNone/>
+              <a:tabLst/>
+              <a:defRPr/>
+            </a:pPr>
+            <a:r>
+              <a:rPr lang="tr-TR" dirty="0" smtClean="0"/>
+              <a:t>Sonuç, her kelime için bir ağırlık (“IDF”) değeridir ve bu değeri, </a:t>
+            </a:r>
+            <a:r>
+              <a:rPr lang="tr-TR" dirty="0" err="1" smtClean="0"/>
+              <a:t>kelimelerinsıklığı</a:t>
+            </a:r>
+            <a:r>
+              <a:rPr lang="tr-TR" dirty="0" smtClean="0"/>
+              <a:t> (“c-TF”) ile çarparak ağırlıklı değerleri (“c-TF-IDF”) elde </a:t>
+            </a:r>
+            <a:r>
+              <a:rPr lang="tr-TR" dirty="0" err="1" smtClean="0"/>
+              <a:t>edebiliriz.Prosedürün</a:t>
+            </a:r>
+            <a:r>
+              <a:rPr lang="tr-TR" dirty="0" smtClean="0"/>
+              <a:t> bu ikinci kısmı, daha önce gördüğümüz </a:t>
+            </a:r>
+            <a:r>
+              <a:rPr lang="tr-TR" dirty="0" err="1" smtClean="0"/>
+              <a:t>gibikelimeler</a:t>
+            </a:r>
+            <a:r>
+              <a:rPr lang="tr-TR" dirty="0" smtClean="0"/>
+              <a:t> üzerinde bir dağılım oluşturmamızı </a:t>
+            </a:r>
+            <a:r>
+              <a:rPr lang="tr-TR" dirty="0" err="1" smtClean="0"/>
+              <a:t>sağlar.scikit-learn'in</a:t>
+            </a:r>
+            <a:r>
+              <a:rPr lang="tr-TR" dirty="0" smtClean="0"/>
+              <a:t> </a:t>
+            </a:r>
+            <a:r>
+              <a:rPr lang="tr-TR" dirty="0" err="1" smtClean="0"/>
+              <a:t>CountVectorizer'ını</a:t>
+            </a:r>
+            <a:r>
+              <a:rPr lang="tr-TR" dirty="0" smtClean="0"/>
+              <a:t> kullanarak kelime torbası (veya </a:t>
+            </a:r>
+            <a:r>
+              <a:rPr lang="tr-TR" dirty="0" err="1" smtClean="0"/>
+              <a:t>terimsıklığı</a:t>
+            </a:r>
+            <a:r>
+              <a:rPr lang="tr-TR" dirty="0" smtClean="0"/>
+              <a:t>) temsilini oluşturabiliriz. Burada, her küme, metin kümesinin kelime </a:t>
+            </a:r>
+            <a:r>
+              <a:rPr lang="tr-TR" dirty="0" err="1" smtClean="0"/>
+              <a:t>dağarcığınınbelirli</a:t>
+            </a:r>
+            <a:r>
+              <a:rPr lang="tr-TR" dirty="0" smtClean="0"/>
+              <a:t> bir sıralamasına sahip bir konu olarak kabul edilir.</a:t>
+            </a:r>
+          </a:p>
+          <a:p>
+            <a:endParaRPr lang="tr-TR" dirty="0"/>
+          </a:p>
+        </p:txBody>
+      </p:sp>
+      <p:sp>
+        <p:nvSpPr>
+          <p:cNvPr id="4" name="Slayt Numarası Yer Tutucusu 3"/>
+          <p:cNvSpPr>
+            <a:spLocks noGrp="1"/>
+          </p:cNvSpPr>
+          <p:nvPr>
+            <p:ph type="sldNum" sz="quarter" idx="10"/>
+          </p:nvPr>
+        </p:nvSpPr>
+        <p:spPr/>
+        <p:txBody>
+          <a:bodyPr/>
+          <a:lstStyle/>
+          <a:p>
+            <a:fld id="{DDC21EC2-CB17-468B-A2FC-B7715AAA317B}" type="slidenum">
+              <a:rPr lang="tr-TR" smtClean="0"/>
+              <a:t>21</a:t>
+            </a:fld>
+            <a:endParaRPr lang="tr-TR"/>
+          </a:p>
+        </p:txBody>
+      </p:sp>
+    </p:spTree>
+    <p:extLst>
+      <p:ext uri="{BB962C8B-B14F-4D97-AF65-F5344CB8AC3E}">
+        <p14:creationId xmlns:p14="http://schemas.microsoft.com/office/powerpoint/2010/main" val="3611309062"/>
+      </p:ext>
+    </p:extLst>
+  </p:cSld>
+  <p:clrMapOvr>
+    <a:masterClrMapping/>
+  </p:clrMapOvr>
+</p:notes>
+</file>
+
+<file path=ppt/notesSlides/notesSlide3.xml><?xml version="1.0" encoding="utf-8"?>
+<p:notes xmlns:a="http://schemas.openxmlformats.org/drawingml/2006/main" xmlns:r="http://schemas.openxmlformats.org/officeDocument/2006/relationships" xmlns:p="http://schemas.openxmlformats.org/presentationml/2006/main">
+  <p:cSld>
+    <p:spTree>
+      <p:nvGrpSpPr>
+        <p:cNvPr id="1" name=""/>
+        <p:cNvGrpSpPr/>
+        <p:nvPr/>
+      </p:nvGrpSpPr>
+      <p:grpSpPr>
+        <a:xfrm>
+          <a:off x="0" y="0"/>
+          <a:ext cx="0" cy="0"/>
+          <a:chOff x="0" y="0"/>
+          <a:chExt cx="0" cy="0"/>
+        </a:xfrm>
+      </p:grpSpPr>
+      <p:sp>
+        <p:nvSpPr>
+          <p:cNvPr id="2" name="Slayt Görüntüsü Yer Tutucusu 1"/>
+          <p:cNvSpPr>
+            <a:spLocks noGrp="1" noRot="1" noChangeAspect="1"/>
+          </p:cNvSpPr>
+          <p:nvPr>
+            <p:ph type="sldImg"/>
+          </p:nvPr>
+        </p:nvSpPr>
+        <p:spPr/>
+      </p:sp>
+      <p:sp>
+        <p:nvSpPr>
+          <p:cNvPr id="3" name="Not Yer Tutucusu 2"/>
+          <p:cNvSpPr>
+            <a:spLocks noGrp="1"/>
+          </p:cNvSpPr>
+          <p:nvPr>
+            <p:ph type="body" idx="1"/>
+          </p:nvPr>
+        </p:nvSpPr>
+        <p:spPr/>
+        <p:txBody>
+          <a:bodyPr/>
+          <a:lstStyle/>
+          <a:p>
+            <a:pPr marL="0" marR="0" indent="0" algn="l" defTabSz="914400" rtl="0" eaLnBrk="1" fontAlgn="auto" latinLnBrk="0" hangingPunct="1">
+              <a:lnSpc>
+                <a:spcPct val="100000"/>
+              </a:lnSpc>
+              <a:spcBef>
+                <a:spcPts val="0"/>
+              </a:spcBef>
+              <a:spcAft>
+                <a:spcPts val="0"/>
+              </a:spcAft>
+              <a:buClrTx/>
+              <a:buSzTx/>
+              <a:buFontTx/>
+              <a:buNone/>
+              <a:tabLst/>
+              <a:defRPr/>
+            </a:pPr>
+            <a:r>
+              <a:rPr lang="tr-TR" dirty="0" smtClean="0"/>
+              <a:t>Sonuç, her kelime için bir ağırlık (“IDF”) değeridir ve bu değeri, </a:t>
+            </a:r>
+            <a:r>
+              <a:rPr lang="tr-TR" dirty="0" err="1" smtClean="0"/>
+              <a:t>kelimelerinsıklığı</a:t>
+            </a:r>
+            <a:r>
+              <a:rPr lang="tr-TR" dirty="0" smtClean="0"/>
+              <a:t> (“c-TF”) ile çarparak ağırlıklı değerleri (“c-TF-IDF”) elde </a:t>
+            </a:r>
+            <a:r>
+              <a:rPr lang="tr-TR" dirty="0" err="1" smtClean="0"/>
+              <a:t>edebiliriz.Prosedürün</a:t>
+            </a:r>
+            <a:r>
+              <a:rPr lang="tr-TR" dirty="0" smtClean="0"/>
+              <a:t> bu ikinci kısmı, daha önce gördüğümüz </a:t>
+            </a:r>
+            <a:r>
+              <a:rPr lang="tr-TR" dirty="0" err="1" smtClean="0"/>
+              <a:t>gibikelimeler</a:t>
+            </a:r>
+            <a:r>
+              <a:rPr lang="tr-TR" dirty="0" smtClean="0"/>
+              <a:t> üzerinde bir dağılım oluşturmamızı </a:t>
+            </a:r>
+            <a:r>
+              <a:rPr lang="tr-TR" dirty="0" err="1" smtClean="0"/>
+              <a:t>sağlar.scikit-learn'in</a:t>
+            </a:r>
+            <a:r>
+              <a:rPr lang="tr-TR" dirty="0" smtClean="0"/>
+              <a:t> </a:t>
+            </a:r>
+            <a:r>
+              <a:rPr lang="tr-TR" dirty="0" err="1" smtClean="0"/>
+              <a:t>CountVectorizer'ını</a:t>
+            </a:r>
+            <a:r>
+              <a:rPr lang="tr-TR" dirty="0" smtClean="0"/>
+              <a:t> kullanarak kelime torbası (veya </a:t>
+            </a:r>
+            <a:r>
+              <a:rPr lang="tr-TR" dirty="0" err="1" smtClean="0"/>
+              <a:t>terimsıklığı</a:t>
+            </a:r>
+            <a:r>
+              <a:rPr lang="tr-TR" dirty="0" smtClean="0"/>
+              <a:t>) temsilini oluşturabiliriz. Burada, her küme, metin kümesinin kelime </a:t>
+            </a:r>
+            <a:r>
+              <a:rPr lang="tr-TR" dirty="0" err="1" smtClean="0"/>
+              <a:t>dağarcığınınbelirli</a:t>
+            </a:r>
+            <a:r>
+              <a:rPr lang="tr-TR" dirty="0" smtClean="0"/>
+              <a:t> bir sıralamasına sahip bir konu olarak kabul edilir.</a:t>
+            </a:r>
+          </a:p>
+          <a:p>
+            <a:endParaRPr lang="tr-TR" dirty="0"/>
+          </a:p>
+        </p:txBody>
+      </p:sp>
+      <p:sp>
+        <p:nvSpPr>
+          <p:cNvPr id="4" name="Slayt Numarası Yer Tutucusu 3"/>
+          <p:cNvSpPr>
+            <a:spLocks noGrp="1"/>
+          </p:cNvSpPr>
+          <p:nvPr>
+            <p:ph type="sldNum" sz="quarter" idx="10"/>
+          </p:nvPr>
+        </p:nvSpPr>
+        <p:spPr/>
+        <p:txBody>
+          <a:bodyPr/>
+          <a:lstStyle/>
+          <a:p>
+            <a:fld id="{DDC21EC2-CB17-468B-A2FC-B7715AAA317B}" type="slidenum">
+              <a:rPr lang="tr-TR" smtClean="0"/>
+              <a:t>22</a:t>
+            </a:fld>
+            <a:endParaRPr lang="tr-TR"/>
+          </a:p>
+        </p:txBody>
+      </p:sp>
+    </p:spTree>
+    <p:extLst>
+      <p:ext uri="{BB962C8B-B14F-4D97-AF65-F5344CB8AC3E}">
+        <p14:creationId xmlns:p14="http://schemas.microsoft.com/office/powerpoint/2010/main" val="2299638557"/>
+      </p:ext>
+    </p:extLst>
+  </p:cSld>
+  <p:clrMapOvr>
+    <a:masterClrMapping/>
+  </p:clrMapOvr>
+</p:notes>
+</file>
+
+<file path=ppt/notesSlides/notesSlide4.xml><?xml version="1.0" encoding="utf-8"?>
+<p:notes xmlns:a="http://schemas.openxmlformats.org/drawingml/2006/main" xmlns:r="http://schemas.openxmlformats.org/officeDocument/2006/relationships" xmlns:p="http://schemas.openxmlformats.org/presentationml/2006/main">
+  <p:cSld>
+    <p:spTree>
+      <p:nvGrpSpPr>
+        <p:cNvPr id="1" name=""/>
+        <p:cNvGrpSpPr/>
+        <p:nvPr/>
+      </p:nvGrpSpPr>
+      <p:grpSpPr>
+        <a:xfrm>
+          <a:off x="0" y="0"/>
+          <a:ext cx="0" cy="0"/>
+          <a:chOff x="0" y="0"/>
+          <a:chExt cx="0" cy="0"/>
+        </a:xfrm>
+      </p:grpSpPr>
+      <p:sp>
+        <p:nvSpPr>
+          <p:cNvPr id="2" name="Slayt Görüntüsü Yer Tutucusu 1"/>
+          <p:cNvSpPr>
+            <a:spLocks noGrp="1" noRot="1" noChangeAspect="1"/>
+          </p:cNvSpPr>
+          <p:nvPr>
+            <p:ph type="sldImg"/>
+          </p:nvPr>
+        </p:nvSpPr>
+        <p:spPr/>
+      </p:sp>
+      <p:sp>
+        <p:nvSpPr>
+          <p:cNvPr id="3" name="Not Yer Tutucusu 2"/>
+          <p:cNvSpPr>
+            <a:spLocks noGrp="1"/>
+          </p:cNvSpPr>
+          <p:nvPr>
+            <p:ph type="body" idx="1"/>
+          </p:nvPr>
+        </p:nvSpPr>
+        <p:spPr/>
+        <p:txBody>
+          <a:bodyPr/>
+          <a:lstStyle/>
+          <a:p>
+            <a:pPr marL="0" marR="0" indent="0" algn="l" defTabSz="914400" rtl="0" eaLnBrk="1" fontAlgn="auto" latinLnBrk="0" hangingPunct="1">
+              <a:lnSpc>
+                <a:spcPct val="100000"/>
+              </a:lnSpc>
+              <a:spcBef>
+                <a:spcPts val="0"/>
+              </a:spcBef>
+              <a:spcAft>
+                <a:spcPts val="0"/>
+              </a:spcAft>
+              <a:buClrTx/>
+              <a:buSzTx/>
+              <a:buFontTx/>
+              <a:buNone/>
+              <a:tabLst/>
+              <a:defRPr/>
+            </a:pPr>
+            <a:r>
+              <a:rPr lang="tr-TR" dirty="0" smtClean="0"/>
+              <a:t>Sonuç, her kelime için bir ağırlık (“IDF”) değeridir ve bu değeri, </a:t>
+            </a:r>
+            <a:r>
+              <a:rPr lang="tr-TR" dirty="0" err="1" smtClean="0"/>
+              <a:t>kelimelerinsıklığı</a:t>
+            </a:r>
+            <a:r>
+              <a:rPr lang="tr-TR" dirty="0" smtClean="0"/>
+              <a:t> (“c-TF”) ile çarparak ağırlıklı değerleri (“c-TF-IDF”) elde </a:t>
+            </a:r>
+            <a:r>
+              <a:rPr lang="tr-TR" dirty="0" err="1" smtClean="0"/>
+              <a:t>edebiliriz.Prosedürün</a:t>
+            </a:r>
+            <a:r>
+              <a:rPr lang="tr-TR" dirty="0" smtClean="0"/>
+              <a:t> bu ikinci kısmı, daha önce gördüğümüz </a:t>
+            </a:r>
+            <a:r>
+              <a:rPr lang="tr-TR" dirty="0" err="1" smtClean="0"/>
+              <a:t>gibikelimeler</a:t>
+            </a:r>
+            <a:r>
+              <a:rPr lang="tr-TR" dirty="0" smtClean="0"/>
+              <a:t> üzerinde bir dağılım oluşturmamızı </a:t>
+            </a:r>
+            <a:r>
+              <a:rPr lang="tr-TR" dirty="0" err="1" smtClean="0"/>
+              <a:t>sağlar.scikit-learn'in</a:t>
+            </a:r>
+            <a:r>
+              <a:rPr lang="tr-TR" dirty="0" smtClean="0"/>
+              <a:t> </a:t>
+            </a:r>
+            <a:r>
+              <a:rPr lang="tr-TR" dirty="0" err="1" smtClean="0"/>
+              <a:t>CountVectorizer'ını</a:t>
+            </a:r>
+            <a:r>
+              <a:rPr lang="tr-TR" dirty="0" smtClean="0"/>
+              <a:t> kullanarak kelime torbası (veya </a:t>
+            </a:r>
+            <a:r>
+              <a:rPr lang="tr-TR" dirty="0" err="1" smtClean="0"/>
+              <a:t>terimsıklığı</a:t>
+            </a:r>
+            <a:r>
+              <a:rPr lang="tr-TR" dirty="0" smtClean="0"/>
+              <a:t>) temsilini oluşturabiliriz. Burada, her küme, metin kümesinin kelime </a:t>
+            </a:r>
+            <a:r>
+              <a:rPr lang="tr-TR" dirty="0" err="1" smtClean="0"/>
+              <a:t>dağarcığınınbelirli</a:t>
+            </a:r>
+            <a:r>
+              <a:rPr lang="tr-TR" dirty="0" smtClean="0"/>
+              <a:t> bir sıralamasına sahip bir konu olarak kabul edilir.</a:t>
+            </a:r>
+          </a:p>
+          <a:p>
+            <a:endParaRPr lang="tr-TR" dirty="0"/>
+          </a:p>
+        </p:txBody>
+      </p:sp>
+      <p:sp>
+        <p:nvSpPr>
+          <p:cNvPr id="4" name="Slayt Numarası Yer Tutucusu 3"/>
+          <p:cNvSpPr>
+            <a:spLocks noGrp="1"/>
+          </p:cNvSpPr>
+          <p:nvPr>
+            <p:ph type="sldNum" sz="quarter" idx="10"/>
+          </p:nvPr>
+        </p:nvSpPr>
+        <p:spPr/>
+        <p:txBody>
+          <a:bodyPr/>
+          <a:lstStyle/>
+          <a:p>
+            <a:fld id="{DDC21EC2-CB17-468B-A2FC-B7715AAA317B}" type="slidenum">
+              <a:rPr lang="tr-TR" smtClean="0"/>
+              <a:t>23</a:t>
+            </a:fld>
+            <a:endParaRPr lang="tr-TR"/>
+          </a:p>
+        </p:txBody>
+      </p:sp>
+    </p:spTree>
+    <p:extLst>
+      <p:ext uri="{BB962C8B-B14F-4D97-AF65-F5344CB8AC3E}">
+        <p14:creationId xmlns:p14="http://schemas.microsoft.com/office/powerpoint/2010/main" val="3528161886"/>
+      </p:ext>
+    </p:extLst>
+  </p:cSld>
+  <p:clrMapOvr>
+    <a:masterClrMapping/>
+  </p:clrMapOvr>
+</p:notes>
+</file>
+
 <file path=ppt/slideLayouts/slideLayout1.xml><?xml version="1.0" encoding="utf-8"?>
 <p:sldLayout xmlns:a="http://schemas.openxmlformats.org/drawingml/2006/main" xmlns:r="http://schemas.openxmlformats.org/officeDocument/2006/relationships" xmlns:p="http://schemas.openxmlformats.org/presentationml/2006/main" showMasterSp="0" type="title" preserve="1">
   <p:cSld name="Başlık Slaydı">
@@ -672,7 +1338,7 @@
           <a:p>
             <a:fld id="{1D8BD707-D9CF-40AE-B4C6-C98DA3205C09}" type="datetimeFigureOut">
               <a:rPr lang="en-US" smtClean="0"/>
-              <a:t>10/20/2025</a:t>
+              <a:t>10/21/2025</a:t>
             </a:fld>
             <a:endParaRPr lang="en-US"/>
           </a:p>
@@ -1097,7 +1763,7 @@
           <a:p>
             <a:fld id="{1D8BD707-D9CF-40AE-B4C6-C98DA3205C09}" type="datetimeFigureOut">
               <a:rPr lang="en-US" smtClean="0"/>
-              <a:t>10/20/2025</a:t>
+              <a:t>10/21/2025</a:t>
             </a:fld>
             <a:endParaRPr lang="en-US"/>
           </a:p>
@@ -1361,7 +2027,7 @@
           <a:p>
             <a:fld id="{1D8BD707-D9CF-40AE-B4C6-C98DA3205C09}" type="datetimeFigureOut">
               <a:rPr lang="en-US" smtClean="0"/>
-              <a:t>10/20/2025</a:t>
+              <a:t>10/21/2025</a:t>
             </a:fld>
             <a:endParaRPr lang="en-US"/>
           </a:p>
@@ -1683,7 +2349,7 @@
           <a:p>
             <a:fld id="{1D8BD707-D9CF-40AE-B4C6-C98DA3205C09}" type="datetimeFigureOut">
               <a:rPr lang="en-US" smtClean="0"/>
-              <a:t>10/20/2025</a:t>
+              <a:t>10/21/2025</a:t>
             </a:fld>
             <a:endParaRPr lang="en-US"/>
           </a:p>
@@ -2015,7 +2681,7 @@
           <a:p>
             <a:fld id="{1D8BD707-D9CF-40AE-B4C6-C98DA3205C09}" type="datetimeFigureOut">
               <a:rPr lang="en-US" smtClean="0"/>
-              <a:t>10/20/2025</a:t>
+              <a:t>10/21/2025</a:t>
             </a:fld>
             <a:endParaRPr lang="en-US"/>
           </a:p>
@@ -2331,7 +2997,7 @@
           <a:p>
             <a:fld id="{1D8BD707-D9CF-40AE-B4C6-C98DA3205C09}" type="datetimeFigureOut">
               <a:rPr lang="en-US" smtClean="0"/>
-              <a:t>10/20/2025</a:t>
+              <a:t>10/21/2025</a:t>
             </a:fld>
             <a:endParaRPr lang="en-US"/>
           </a:p>
@@ -2712,7 +3378,7 @@
           <a:p>
             <a:fld id="{1D8BD707-D9CF-40AE-B4C6-C98DA3205C09}" type="datetimeFigureOut">
               <a:rPr lang="en-US" smtClean="0"/>
-              <a:t>10/20/2025</a:t>
+              <a:t>10/21/2025</a:t>
             </a:fld>
             <a:endParaRPr lang="en-US"/>
           </a:p>
@@ -2902,7 +3568,7 @@
           <a:p>
             <a:fld id="{1D8BD707-D9CF-40AE-B4C6-C98DA3205C09}" type="datetimeFigureOut">
               <a:rPr lang="en-US" smtClean="0"/>
-              <a:t>10/20/2025</a:t>
+              <a:t>10/21/2025</a:t>
             </a:fld>
             <a:endParaRPr lang="en-US"/>
           </a:p>
@@ -3098,7 +3764,7 @@
           <a:p>
             <a:fld id="{1D8BD707-D9CF-40AE-B4C6-C98DA3205C09}" type="datetimeFigureOut">
               <a:rPr lang="en-US" smtClean="0"/>
-              <a:t>10/20/2025</a:t>
+              <a:t>10/21/2025</a:t>
             </a:fld>
             <a:endParaRPr lang="en-US"/>
           </a:p>
@@ -3284,7 +3950,7 @@
           <a:p>
             <a:fld id="{1D8BD707-D9CF-40AE-B4C6-C98DA3205C09}" type="datetimeFigureOut">
               <a:rPr lang="en-US" smtClean="0"/>
-              <a:t>10/20/2025</a:t>
+              <a:t>10/21/2025</a:t>
             </a:fld>
             <a:endParaRPr lang="en-US"/>
           </a:p>
@@ -3548,7 +4214,7 @@
           <a:p>
             <a:fld id="{1D8BD707-D9CF-40AE-B4C6-C98DA3205C09}" type="datetimeFigureOut">
               <a:rPr lang="en-US" smtClean="0"/>
-              <a:t>10/20/2025</a:t>
+              <a:t>10/21/2025</a:t>
             </a:fld>
             <a:endParaRPr lang="en-US"/>
           </a:p>
@@ -3773,7 +4439,7 @@
           <a:p>
             <a:fld id="{1D8BD707-D9CF-40AE-B4C6-C98DA3205C09}" type="datetimeFigureOut">
               <a:rPr lang="en-US" smtClean="0"/>
-              <a:t>10/20/2025</a:t>
+              <a:t>10/21/2025</a:t>
             </a:fld>
             <a:endParaRPr lang="en-US"/>
           </a:p>
@@ -4171,7 +4837,7 @@
           <a:p>
             <a:fld id="{1D8BD707-D9CF-40AE-B4C6-C98DA3205C09}" type="datetimeFigureOut">
               <a:rPr lang="en-US" smtClean="0"/>
-              <a:t>10/20/2025</a:t>
+              <a:t>10/21/2025</a:t>
             </a:fld>
             <a:endParaRPr lang="en-US"/>
           </a:p>
@@ -4305,7 +4971,7 @@
           <a:p>
             <a:fld id="{1D8BD707-D9CF-40AE-B4C6-C98DA3205C09}" type="datetimeFigureOut">
               <a:rPr lang="en-US" smtClean="0"/>
-              <a:t>10/20/2025</a:t>
+              <a:t>10/21/2025</a:t>
             </a:fld>
             <a:endParaRPr lang="en-US"/>
           </a:p>
@@ -4416,7 +5082,7 @@
           <a:p>
             <a:fld id="{1D8BD707-D9CF-40AE-B4C6-C98DA3205C09}" type="datetimeFigureOut">
               <a:rPr lang="en-US" smtClean="0"/>
-              <a:t>10/20/2025</a:t>
+              <a:t>10/21/2025</a:t>
             </a:fld>
             <a:endParaRPr lang="en-US"/>
           </a:p>
@@ -4687,7 +5353,7 @@
           <a:p>
             <a:fld id="{1D8BD707-D9CF-40AE-B4C6-C98DA3205C09}" type="datetimeFigureOut">
               <a:rPr lang="en-US" smtClean="0"/>
-              <a:t>10/20/2025</a:t>
+              <a:t>10/21/2025</a:t>
             </a:fld>
             <a:endParaRPr lang="en-US"/>
           </a:p>
@@ -4986,7 +5652,7 @@
           <a:p>
             <a:fld id="{1D8BD707-D9CF-40AE-B4C6-C98DA3205C09}" type="datetimeFigureOut">
               <a:rPr lang="en-US" smtClean="0"/>
-              <a:t>10/20/2025</a:t>
+              <a:t>10/21/2025</a:t>
             </a:fld>
             <a:endParaRPr lang="en-US"/>
           </a:p>
@@ -5408,7 +6074,7 @@
           <a:p>
             <a:fld id="{1D8BD707-D9CF-40AE-B4C6-C98DA3205C09}" type="datetimeFigureOut">
               <a:rPr lang="en-US" smtClean="0"/>
-              <a:t>10/20/2025</a:t>
+              <a:t>10/21/2025</a:t>
             </a:fld>
             <a:endParaRPr lang="en-US"/>
           </a:p>
@@ -6142,12 +6808,18 @@
 </p:sld>
 </file>
 
-<file path=ppt/slides/slide2.xml><?xml version="1.0" encoding="utf-8"?>
+<file path=ppt/slides/slide10.xml><?xml version="1.0" encoding="utf-8"?>
 <p:sld xmlns:a="http://schemas.openxmlformats.org/drawingml/2006/main" xmlns:r="http://schemas.openxmlformats.org/officeDocument/2006/relationships" xmlns:p="http://schemas.openxmlformats.org/presentationml/2006/main">
   <p:cSld>
     <p:spTree>
       <p:nvGrpSpPr>
-        <p:cNvPr id="1" name=""/>
+        <p:cNvPr id="1" name="">
+          <a:extLst>
+            <a:ext uri="{FF2B5EF4-FFF2-40B4-BE49-F238E27FC236}">
+              <a16:creationId xmlns:a16="http://schemas.microsoft.com/office/drawing/2014/main" id="{AB38F33D-2DE5-9F44-2A41-05AD0E046359}"/>
+            </a:ext>
+          </a:extLst>
+        </p:cNvPr>
         <p:cNvGrpSpPr/>
         <p:nvPr/>
       </p:nvGrpSpPr>
@@ -6161,7 +6833,13 @@
       </p:grpSpPr>
       <p:sp>
         <p:nvSpPr>
-          <p:cNvPr id="3" name="object 3"/>
+          <p:cNvPr id="3" name="object 3">
+            <a:extLst>
+              <a:ext uri="{FF2B5EF4-FFF2-40B4-BE49-F238E27FC236}">
+                <a16:creationId xmlns:a16="http://schemas.microsoft.com/office/drawing/2014/main" id="{BF5A55FE-7AC1-3F2A-5ED6-2B0C39ECCE83}"/>
+              </a:ext>
+            </a:extLst>
+          </p:cNvPr>
           <p:cNvSpPr txBox="1">
             <a:spLocks noGrp="1"/>
           </p:cNvSpPr>
@@ -6193,8 +6871,8 @@
               </a:spcBef>
             </a:pPr>
             <a:r>
-              <a:rPr lang="tr-TR" spc="-5" dirty="0"/>
-              <a:t>Büyük dil modelleri</a:t>
+              <a:rPr lang="tr-TR" spc="-10" dirty="0"/>
+              <a:t>Metin Kümeleme  ve  Konu Modelleme</a:t>
             </a:r>
             <a:endParaRPr dirty="0"/>
           </a:p>
@@ -6202,7 +6880,13 @@
       </p:sp>
       <p:sp>
         <p:nvSpPr>
-          <p:cNvPr id="4" name="object 4"/>
+          <p:cNvPr id="4" name="object 4">
+            <a:extLst>
+              <a:ext uri="{FF2B5EF4-FFF2-40B4-BE49-F238E27FC236}">
+                <a16:creationId xmlns:a16="http://schemas.microsoft.com/office/drawing/2014/main" id="{68B54CF0-A6EF-A9F0-19CD-AF8AF23D69BF}"/>
+              </a:ext>
+            </a:extLst>
+          </p:cNvPr>
           <p:cNvSpPr txBox="1"/>
           <p:nvPr/>
         </p:nvSpPr>
@@ -6248,7 +6932,13 @@
       </p:sp>
       <p:sp>
         <p:nvSpPr>
-          <p:cNvPr id="6" name="object 6"/>
+          <p:cNvPr id="6" name="object 6">
+            <a:extLst>
+              <a:ext uri="{FF2B5EF4-FFF2-40B4-BE49-F238E27FC236}">
+                <a16:creationId xmlns:a16="http://schemas.microsoft.com/office/drawing/2014/main" id="{6B3EEE69-44D1-0AC7-897F-6AA98EA6C688}"/>
+              </a:ext>
+            </a:extLst>
+          </p:cNvPr>
           <p:cNvSpPr/>
           <p:nvPr/>
         </p:nvSpPr>
@@ -6290,6 +6980,2661 @@
       </p:sp>
       <p:pic>
         <p:nvPicPr>
+          <p:cNvPr id="7" name="Picture 6">
+            <a:extLst>
+              <a:ext uri="{FF2B5EF4-FFF2-40B4-BE49-F238E27FC236}">
+                <a16:creationId xmlns:a16="http://schemas.microsoft.com/office/drawing/2014/main" id="{78332795-8AED-229D-643C-1F7B756D976A}"/>
+              </a:ext>
+            </a:extLst>
+          </p:cNvPr>
+          <p:cNvPicPr>
+            <a:picLocks noChangeAspect="1"/>
+          </p:cNvPicPr>
+          <p:nvPr/>
+        </p:nvPicPr>
+        <p:blipFill>
+          <a:blip r:embed="rId2"/>
+          <a:stretch>
+            <a:fillRect/>
+          </a:stretch>
+        </p:blipFill>
+        <p:spPr>
+          <a:xfrm>
+            <a:off x="1447800" y="1690031"/>
+            <a:ext cx="6773333" cy="3917244"/>
+          </a:xfrm>
+          <a:prstGeom prst="rect">
+            <a:avLst/>
+          </a:prstGeom>
+        </p:spPr>
+      </p:pic>
+      <p:sp>
+        <p:nvSpPr>
+          <p:cNvPr id="8" name="Rectangle 1">
+            <a:extLst>
+              <a:ext uri="{FF2B5EF4-FFF2-40B4-BE49-F238E27FC236}">
+                <a16:creationId xmlns:a16="http://schemas.microsoft.com/office/drawing/2014/main" id="{364F4818-574A-F466-81B9-AEC02DCA5A7F}"/>
+              </a:ext>
+            </a:extLst>
+          </p:cNvPr>
+          <p:cNvSpPr>
+            <a:spLocks noChangeArrowheads="1"/>
+          </p:cNvSpPr>
+          <p:nvPr/>
+        </p:nvSpPr>
+        <p:spPr bwMode="auto">
+          <a:xfrm>
+            <a:off x="762000" y="5923100"/>
+            <a:ext cx="12192000" cy="457200"/>
+          </a:xfrm>
+          <a:prstGeom prst="rect">
+            <a:avLst/>
+          </a:prstGeom>
+          <a:noFill/>
+          <a:ln>
+            <a:noFill/>
+          </a:ln>
+          <a:effectLst/>
+          <a:extLst>
+            <a:ext uri="{909E8E84-426E-40DD-AFC4-6F175D3DCCD1}">
+              <a14:hiddenFill xmlns:a14="http://schemas.microsoft.com/office/drawing/2010/main">
+                <a:solidFill>
+                  <a:schemeClr val="accent1"/>
+                </a:solidFill>
+              </a14:hiddenFill>
+            </a:ext>
+            <a:ext uri="{91240B29-F687-4F45-9708-019B960494DF}">
+              <a14:hiddenLine xmlns:a14="http://schemas.microsoft.com/office/drawing/2010/main" w="9525">
+                <a:solidFill>
+                  <a:schemeClr val="tx1"/>
+                </a:solidFill>
+                <a:miter lim="800000"/>
+                <a:headEnd/>
+                <a:tailEnd/>
+              </a14:hiddenLine>
+            </a:ext>
+            <a:ext uri="{AF507438-7753-43E0-B8FC-AC1667EBCBE1}">
+              <a14:hiddenEffects xmlns:a14="http://schemas.microsoft.com/office/drawing/2010/main">
+                <a:effectLst>
+                  <a:outerShdw dist="35921" dir="2700000" algn="ctr" rotWithShape="0">
+                    <a:schemeClr val="bg2"/>
+                  </a:outerShdw>
+                </a:effectLst>
+              </a14:hiddenEffects>
+            </a:ext>
+          </a:extLst>
+        </p:spPr>
+        <p:txBody>
+          <a:bodyPr vert="horz" wrap="none" lIns="91440" tIns="45720" rIns="91440" bIns="45720" numCol="1" anchor="ctr" anchorCtr="0" compatLnSpc="1">
+            <a:prstTxWarp prst="textNoShape">
+              <a:avLst/>
+            </a:prstTxWarp>
+            <a:spAutoFit/>
+          </a:bodyPr>
+          <a:lstStyle/>
+          <a:p>
+            <a:pPr marL="0" marR="0" lvl="0" indent="0" algn="l" defTabSz="914400" rtl="0" eaLnBrk="0" fontAlgn="base" latinLnBrk="0" hangingPunct="0">
+              <a:lnSpc>
+                <a:spcPct val="100000"/>
+              </a:lnSpc>
+              <a:spcBef>
+                <a:spcPct val="0"/>
+              </a:spcBef>
+              <a:spcAft>
+                <a:spcPct val="0"/>
+              </a:spcAft>
+              <a:buClrTx/>
+              <a:buSzTx/>
+              <a:buFontTx/>
+              <a:buNone/>
+              <a:tabLst/>
+            </a:pPr>
+            <a:r>
+              <a:rPr kumimoji="0" lang="tr-TR" altLang="tr-TR" sz="1800" b="0" i="0" u="none" strike="noStrike" cap="none" normalizeH="0" baseline="0" dirty="0">
+                <a:ln>
+                  <a:noFill/>
+                </a:ln>
+                <a:solidFill>
+                  <a:schemeClr val="tx1"/>
+                </a:solidFill>
+                <a:effectLst/>
+                <a:latin typeface="Arial" panose="020B0604020202020204" pitchFamily="34" charset="0"/>
+              </a:rPr>
+              <a:t>Kümeleme algoritması, kümelerin nasıl oluşturulduğunu değil, aynı zamanda nasıl</a:t>
+            </a:r>
+          </a:p>
+          <a:p>
+            <a:pPr marL="0" marR="0" lvl="0" indent="0" algn="l" defTabSz="914400" rtl="0" eaLnBrk="0" fontAlgn="base" latinLnBrk="0" hangingPunct="0">
+              <a:lnSpc>
+                <a:spcPct val="100000"/>
+              </a:lnSpc>
+              <a:spcBef>
+                <a:spcPct val="0"/>
+              </a:spcBef>
+              <a:spcAft>
+                <a:spcPct val="0"/>
+              </a:spcAft>
+              <a:buClrTx/>
+              <a:buSzTx/>
+              <a:buFontTx/>
+              <a:buNone/>
+              <a:tabLst/>
+            </a:pPr>
+            <a:r>
+              <a:rPr kumimoji="0" lang="tr-TR" altLang="tr-TR" sz="1800" b="0" i="0" u="none" strike="noStrike" cap="none" normalizeH="0" baseline="0" dirty="0">
+                <a:ln>
+                  <a:noFill/>
+                </a:ln>
+                <a:solidFill>
+                  <a:schemeClr val="tx1"/>
+                </a:solidFill>
+                <a:effectLst/>
+                <a:latin typeface="Arial" panose="020B0604020202020204" pitchFamily="34" charset="0"/>
+              </a:rPr>
+              <a:t>görüntülendiğini de etkiler.</a:t>
+            </a:r>
+          </a:p>
+        </p:txBody>
+      </p:sp>
+    </p:spTree>
+    <p:extLst>
+      <p:ext uri="{BB962C8B-B14F-4D97-AF65-F5344CB8AC3E}">
+        <p14:creationId xmlns:p14="http://schemas.microsoft.com/office/powerpoint/2010/main" val="1211267873"/>
+      </p:ext>
+    </p:extLst>
+  </p:cSld>
+  <p:clrMapOvr>
+    <a:masterClrMapping/>
+  </p:clrMapOvr>
+</p:sld>
+</file>
+
+<file path=ppt/slides/slide11.xml><?xml version="1.0" encoding="utf-8"?>
+<p:sld xmlns:a="http://schemas.openxmlformats.org/drawingml/2006/main" xmlns:r="http://schemas.openxmlformats.org/officeDocument/2006/relationships" xmlns:p="http://schemas.openxmlformats.org/presentationml/2006/main">
+  <p:cSld>
+    <p:spTree>
+      <p:nvGrpSpPr>
+        <p:cNvPr id="1" name="">
+          <a:extLst>
+            <a:ext uri="{FF2B5EF4-FFF2-40B4-BE49-F238E27FC236}">
+              <a16:creationId xmlns:a16="http://schemas.microsoft.com/office/drawing/2014/main" id="{AB38F33D-2DE5-9F44-2A41-05AD0E046359}"/>
+            </a:ext>
+          </a:extLst>
+        </p:cNvPr>
+        <p:cNvGrpSpPr/>
+        <p:nvPr/>
+      </p:nvGrpSpPr>
+      <p:grpSpPr>
+        <a:xfrm>
+          <a:off x="0" y="0"/>
+          <a:ext cx="0" cy="0"/>
+          <a:chOff x="0" y="0"/>
+          <a:chExt cx="0" cy="0"/>
+        </a:xfrm>
+      </p:grpSpPr>
+      <p:sp>
+        <p:nvSpPr>
+          <p:cNvPr id="3" name="object 3">
+            <a:extLst>
+              <a:ext uri="{FF2B5EF4-FFF2-40B4-BE49-F238E27FC236}">
+                <a16:creationId xmlns:a16="http://schemas.microsoft.com/office/drawing/2014/main" id="{BF5A55FE-7AC1-3F2A-5ED6-2B0C39ECCE83}"/>
+              </a:ext>
+            </a:extLst>
+          </p:cNvPr>
+          <p:cNvSpPr txBox="1">
+            <a:spLocks noGrp="1"/>
+          </p:cNvSpPr>
+          <p:nvPr>
+            <p:ph type="title"/>
+          </p:nvPr>
+        </p:nvSpPr>
+        <p:spPr>
+          <a:xfrm>
+            <a:off x="245465" y="123512"/>
+            <a:ext cx="11696700" cy="566181"/>
+          </a:xfrm>
+          <a:prstGeom prst="rect">
+            <a:avLst/>
+          </a:prstGeom>
+        </p:spPr>
+        <p:txBody>
+          <a:bodyPr vert="horz" wrap="square" lIns="0" tIns="12065" rIns="0" bIns="0" rtlCol="0">
+            <a:spAutoFit/>
+          </a:bodyPr>
+          <a:lstStyle/>
+          <a:p>
+            <a:pPr marL="12700">
+              <a:lnSpc>
+                <a:spcPct val="100000"/>
+              </a:lnSpc>
+              <a:spcBef>
+                <a:spcPts val="95"/>
+              </a:spcBef>
+            </a:pPr>
+            <a:r>
+              <a:rPr lang="tr-TR" spc="-10" dirty="0"/>
+              <a:t>Metin Kümeleme  ve  Konu Modelleme</a:t>
+            </a:r>
+            <a:endParaRPr dirty="0"/>
+          </a:p>
+        </p:txBody>
+      </p:sp>
+      <p:sp>
+        <p:nvSpPr>
+          <p:cNvPr id="4" name="object 4">
+            <a:extLst>
+              <a:ext uri="{FF2B5EF4-FFF2-40B4-BE49-F238E27FC236}">
+                <a16:creationId xmlns:a16="http://schemas.microsoft.com/office/drawing/2014/main" id="{68B54CF0-A6EF-A9F0-19CD-AF8AF23D69BF}"/>
+              </a:ext>
+            </a:extLst>
+          </p:cNvPr>
+          <p:cNvSpPr txBox="1"/>
+          <p:nvPr/>
+        </p:nvSpPr>
+        <p:spPr>
+          <a:xfrm>
+            <a:off x="12010135" y="6495389"/>
+            <a:ext cx="102870" cy="208279"/>
+          </a:xfrm>
+          <a:prstGeom prst="rect">
+            <a:avLst/>
+          </a:prstGeom>
+        </p:spPr>
+        <p:txBody>
+          <a:bodyPr vert="horz" wrap="square" lIns="0" tIns="12700" rIns="0" bIns="0" rtlCol="0">
+            <a:spAutoFit/>
+          </a:bodyPr>
+          <a:lstStyle/>
+          <a:p>
+            <a:pPr marL="12700">
+              <a:lnSpc>
+                <a:spcPct val="100000"/>
+              </a:lnSpc>
+              <a:spcBef>
+                <a:spcPts val="100"/>
+              </a:spcBef>
+            </a:pPr>
+            <a:r>
+              <a:rPr sz="1200" dirty="0">
+                <a:solidFill>
+                  <a:srgbClr val="FFFFFF"/>
+                </a:solidFill>
+                <a:latin typeface="Calibri"/>
+                <a:cs typeface="Calibri"/>
+              </a:rPr>
+              <a:t>3</a:t>
+            </a:r>
+            <a:endParaRPr sz="1200">
+              <a:latin typeface="Calibri"/>
+              <a:cs typeface="Calibri"/>
+            </a:endParaRPr>
+          </a:p>
+        </p:txBody>
+      </p:sp>
+      <p:sp>
+        <p:nvSpPr>
+          <p:cNvPr id="6" name="object 6">
+            <a:extLst>
+              <a:ext uri="{FF2B5EF4-FFF2-40B4-BE49-F238E27FC236}">
+                <a16:creationId xmlns:a16="http://schemas.microsoft.com/office/drawing/2014/main" id="{6B3EEE69-44D1-0AC7-897F-6AA98EA6C688}"/>
+              </a:ext>
+            </a:extLst>
+          </p:cNvPr>
+          <p:cNvSpPr/>
+          <p:nvPr/>
+        </p:nvSpPr>
+        <p:spPr>
+          <a:xfrm>
+            <a:off x="761" y="869441"/>
+            <a:ext cx="12192000" cy="0"/>
+          </a:xfrm>
+          <a:custGeom>
+            <a:avLst/>
+            <a:gdLst/>
+            <a:ahLst/>
+            <a:cxnLst/>
+            <a:rect l="l" t="t" r="r" b="b"/>
+            <a:pathLst>
+              <a:path w="12192000">
+                <a:moveTo>
+                  <a:pt x="0" y="0"/>
+                </a:moveTo>
+                <a:lnTo>
+                  <a:pt x="12192000" y="0"/>
+                </a:lnTo>
+              </a:path>
+            </a:pathLst>
+          </a:custGeom>
+          <a:ln w="25400">
+            <a:solidFill>
+              <a:srgbClr val="FFFFFF"/>
+            </a:solidFill>
+          </a:ln>
+        </p:spPr>
+        <p:txBody>
+          <a:bodyPr wrap="square" lIns="0" tIns="0" rIns="0" bIns="0" rtlCol="0"/>
+          <a:lstStyle/>
+          <a:p>
+            <a:endParaRPr/>
+          </a:p>
+        </p:txBody>
+      </p:sp>
+      <p:pic>
+        <p:nvPicPr>
+          <p:cNvPr id="7" name="Picture 6">
+            <a:extLst>
+              <a:ext uri="{FF2B5EF4-FFF2-40B4-BE49-F238E27FC236}">
+                <a16:creationId xmlns:a16="http://schemas.microsoft.com/office/drawing/2014/main" id="{78332795-8AED-229D-643C-1F7B756D976A}"/>
+              </a:ext>
+            </a:extLst>
+          </p:cNvPr>
+          <p:cNvPicPr>
+            <a:picLocks noChangeAspect="1"/>
+          </p:cNvPicPr>
+          <p:nvPr/>
+        </p:nvPicPr>
+        <p:blipFill>
+          <a:blip r:embed="rId2"/>
+          <a:stretch>
+            <a:fillRect/>
+          </a:stretch>
+        </p:blipFill>
+        <p:spPr>
+          <a:xfrm>
+            <a:off x="1447800" y="1690031"/>
+            <a:ext cx="6773333" cy="3917244"/>
+          </a:xfrm>
+          <a:prstGeom prst="rect">
+            <a:avLst/>
+          </a:prstGeom>
+        </p:spPr>
+      </p:pic>
+      <p:sp>
+        <p:nvSpPr>
+          <p:cNvPr id="8" name="Rectangle 1">
+            <a:extLst>
+              <a:ext uri="{FF2B5EF4-FFF2-40B4-BE49-F238E27FC236}">
+                <a16:creationId xmlns:a16="http://schemas.microsoft.com/office/drawing/2014/main" id="{364F4818-574A-F466-81B9-AEC02DCA5A7F}"/>
+              </a:ext>
+            </a:extLst>
+          </p:cNvPr>
+          <p:cNvSpPr>
+            <a:spLocks noChangeArrowheads="1"/>
+          </p:cNvSpPr>
+          <p:nvPr/>
+        </p:nvSpPr>
+        <p:spPr bwMode="auto">
+          <a:xfrm>
+            <a:off x="762000" y="5923100"/>
+            <a:ext cx="12192000" cy="457200"/>
+          </a:xfrm>
+          <a:prstGeom prst="rect">
+            <a:avLst/>
+          </a:prstGeom>
+          <a:noFill/>
+          <a:ln>
+            <a:noFill/>
+          </a:ln>
+          <a:effectLst/>
+          <a:extLst>
+            <a:ext uri="{909E8E84-426E-40DD-AFC4-6F175D3DCCD1}">
+              <a14:hiddenFill xmlns:a14="http://schemas.microsoft.com/office/drawing/2010/main">
+                <a:solidFill>
+                  <a:schemeClr val="accent1"/>
+                </a:solidFill>
+              </a14:hiddenFill>
+            </a:ext>
+            <a:ext uri="{91240B29-F687-4F45-9708-019B960494DF}">
+              <a14:hiddenLine xmlns:a14="http://schemas.microsoft.com/office/drawing/2010/main" w="9525">
+                <a:solidFill>
+                  <a:schemeClr val="tx1"/>
+                </a:solidFill>
+                <a:miter lim="800000"/>
+                <a:headEnd/>
+                <a:tailEnd/>
+              </a14:hiddenLine>
+            </a:ext>
+            <a:ext uri="{AF507438-7753-43E0-B8FC-AC1667EBCBE1}">
+              <a14:hiddenEffects xmlns:a14="http://schemas.microsoft.com/office/drawing/2010/main">
+                <a:effectLst>
+                  <a:outerShdw dist="35921" dir="2700000" algn="ctr" rotWithShape="0">
+                    <a:schemeClr val="bg2"/>
+                  </a:outerShdw>
+                </a:effectLst>
+              </a14:hiddenEffects>
+            </a:ext>
+          </a:extLst>
+        </p:spPr>
+        <p:txBody>
+          <a:bodyPr vert="horz" wrap="none" lIns="91440" tIns="45720" rIns="91440" bIns="45720" numCol="1" anchor="ctr" anchorCtr="0" compatLnSpc="1">
+            <a:prstTxWarp prst="textNoShape">
+              <a:avLst/>
+            </a:prstTxWarp>
+            <a:spAutoFit/>
+          </a:bodyPr>
+          <a:lstStyle/>
+          <a:p>
+            <a:pPr marL="0" marR="0" lvl="0" indent="0" algn="l" defTabSz="914400" rtl="0" eaLnBrk="0" fontAlgn="base" latinLnBrk="0" hangingPunct="0">
+              <a:lnSpc>
+                <a:spcPct val="100000"/>
+              </a:lnSpc>
+              <a:spcBef>
+                <a:spcPct val="0"/>
+              </a:spcBef>
+              <a:spcAft>
+                <a:spcPct val="0"/>
+              </a:spcAft>
+              <a:buClrTx/>
+              <a:buSzTx/>
+              <a:buFontTx/>
+              <a:buNone/>
+              <a:tabLst/>
+            </a:pPr>
+            <a:r>
+              <a:rPr kumimoji="0" lang="tr-TR" altLang="tr-TR" sz="1800" b="0" i="0" u="none" strike="noStrike" cap="none" normalizeH="0" baseline="0" dirty="0">
+                <a:ln>
+                  <a:noFill/>
+                </a:ln>
+                <a:solidFill>
+                  <a:schemeClr val="tx1"/>
+                </a:solidFill>
+                <a:effectLst/>
+                <a:latin typeface="Arial" panose="020B0604020202020204" pitchFamily="34" charset="0"/>
+              </a:rPr>
+              <a:t>Kümeleme algoritması, kümelerin nasıl oluşturulduğunu değil, aynı zamanda nasıl</a:t>
+            </a:r>
+          </a:p>
+          <a:p>
+            <a:pPr marL="0" marR="0" lvl="0" indent="0" algn="l" defTabSz="914400" rtl="0" eaLnBrk="0" fontAlgn="base" latinLnBrk="0" hangingPunct="0">
+              <a:lnSpc>
+                <a:spcPct val="100000"/>
+              </a:lnSpc>
+              <a:spcBef>
+                <a:spcPct val="0"/>
+              </a:spcBef>
+              <a:spcAft>
+                <a:spcPct val="0"/>
+              </a:spcAft>
+              <a:buClrTx/>
+              <a:buSzTx/>
+              <a:buFontTx/>
+              <a:buNone/>
+              <a:tabLst/>
+            </a:pPr>
+            <a:r>
+              <a:rPr kumimoji="0" lang="tr-TR" altLang="tr-TR" sz="1800" b="0" i="0" u="none" strike="noStrike" cap="none" normalizeH="0" baseline="0" dirty="0">
+                <a:ln>
+                  <a:noFill/>
+                </a:ln>
+                <a:solidFill>
+                  <a:schemeClr val="tx1"/>
+                </a:solidFill>
+                <a:effectLst/>
+                <a:latin typeface="Arial" panose="020B0604020202020204" pitchFamily="34" charset="0"/>
+              </a:rPr>
+              <a:t>görüntülendiğini de etkiler.</a:t>
+            </a:r>
+          </a:p>
+        </p:txBody>
+      </p:sp>
+    </p:spTree>
+    <p:extLst>
+      <p:ext uri="{BB962C8B-B14F-4D97-AF65-F5344CB8AC3E}">
+        <p14:creationId xmlns:p14="http://schemas.microsoft.com/office/powerpoint/2010/main" val="41876426"/>
+      </p:ext>
+    </p:extLst>
+  </p:cSld>
+  <p:clrMapOvr>
+    <a:masterClrMapping/>
+  </p:clrMapOvr>
+</p:sld>
+</file>
+
+<file path=ppt/slides/slide12.xml><?xml version="1.0" encoding="utf-8"?>
+<p:sld xmlns:a="http://schemas.openxmlformats.org/drawingml/2006/main" xmlns:r="http://schemas.openxmlformats.org/officeDocument/2006/relationships" xmlns:p="http://schemas.openxmlformats.org/presentationml/2006/main">
+  <p:cSld>
+    <p:spTree>
+      <p:nvGrpSpPr>
+        <p:cNvPr id="1" name="">
+          <a:extLst>
+            <a:ext uri="{FF2B5EF4-FFF2-40B4-BE49-F238E27FC236}">
+              <a16:creationId xmlns:a16="http://schemas.microsoft.com/office/drawing/2014/main" id="{AB38F33D-2DE5-9F44-2A41-05AD0E046359}"/>
+            </a:ext>
+          </a:extLst>
+        </p:cNvPr>
+        <p:cNvGrpSpPr/>
+        <p:nvPr/>
+      </p:nvGrpSpPr>
+      <p:grpSpPr>
+        <a:xfrm>
+          <a:off x="0" y="0"/>
+          <a:ext cx="0" cy="0"/>
+          <a:chOff x="0" y="0"/>
+          <a:chExt cx="0" cy="0"/>
+        </a:xfrm>
+      </p:grpSpPr>
+      <p:sp>
+        <p:nvSpPr>
+          <p:cNvPr id="3" name="object 3">
+            <a:extLst>
+              <a:ext uri="{FF2B5EF4-FFF2-40B4-BE49-F238E27FC236}">
+                <a16:creationId xmlns:a16="http://schemas.microsoft.com/office/drawing/2014/main" id="{BF5A55FE-7AC1-3F2A-5ED6-2B0C39ECCE83}"/>
+              </a:ext>
+            </a:extLst>
+          </p:cNvPr>
+          <p:cNvSpPr txBox="1">
+            <a:spLocks noGrp="1"/>
+          </p:cNvSpPr>
+          <p:nvPr>
+            <p:ph type="title"/>
+          </p:nvPr>
+        </p:nvSpPr>
+        <p:spPr>
+          <a:xfrm>
+            <a:off x="245465" y="123512"/>
+            <a:ext cx="11696700" cy="566181"/>
+          </a:xfrm>
+          <a:prstGeom prst="rect">
+            <a:avLst/>
+          </a:prstGeom>
+        </p:spPr>
+        <p:txBody>
+          <a:bodyPr vert="horz" wrap="square" lIns="0" tIns="12065" rIns="0" bIns="0" rtlCol="0">
+            <a:spAutoFit/>
+          </a:bodyPr>
+          <a:lstStyle/>
+          <a:p>
+            <a:pPr marL="12700">
+              <a:lnSpc>
+                <a:spcPct val="100000"/>
+              </a:lnSpc>
+              <a:spcBef>
+                <a:spcPts val="95"/>
+              </a:spcBef>
+            </a:pPr>
+            <a:r>
+              <a:rPr lang="tr-TR" spc="-10" dirty="0"/>
+              <a:t>Metin Kümeleme  ve  Konu Modelleme</a:t>
+            </a:r>
+            <a:endParaRPr dirty="0"/>
+          </a:p>
+        </p:txBody>
+      </p:sp>
+      <p:sp>
+        <p:nvSpPr>
+          <p:cNvPr id="4" name="object 4">
+            <a:extLst>
+              <a:ext uri="{FF2B5EF4-FFF2-40B4-BE49-F238E27FC236}">
+                <a16:creationId xmlns:a16="http://schemas.microsoft.com/office/drawing/2014/main" id="{68B54CF0-A6EF-A9F0-19CD-AF8AF23D69BF}"/>
+              </a:ext>
+            </a:extLst>
+          </p:cNvPr>
+          <p:cNvSpPr txBox="1"/>
+          <p:nvPr/>
+        </p:nvSpPr>
+        <p:spPr>
+          <a:xfrm>
+            <a:off x="12010135" y="6495389"/>
+            <a:ext cx="102870" cy="208279"/>
+          </a:xfrm>
+          <a:prstGeom prst="rect">
+            <a:avLst/>
+          </a:prstGeom>
+        </p:spPr>
+        <p:txBody>
+          <a:bodyPr vert="horz" wrap="square" lIns="0" tIns="12700" rIns="0" bIns="0" rtlCol="0">
+            <a:spAutoFit/>
+          </a:bodyPr>
+          <a:lstStyle/>
+          <a:p>
+            <a:pPr marL="12700">
+              <a:lnSpc>
+                <a:spcPct val="100000"/>
+              </a:lnSpc>
+              <a:spcBef>
+                <a:spcPts val="100"/>
+              </a:spcBef>
+            </a:pPr>
+            <a:r>
+              <a:rPr sz="1200" dirty="0">
+                <a:solidFill>
+                  <a:srgbClr val="FFFFFF"/>
+                </a:solidFill>
+                <a:latin typeface="Calibri"/>
+                <a:cs typeface="Calibri"/>
+              </a:rPr>
+              <a:t>3</a:t>
+            </a:r>
+            <a:endParaRPr sz="1200">
+              <a:latin typeface="Calibri"/>
+              <a:cs typeface="Calibri"/>
+            </a:endParaRPr>
+          </a:p>
+        </p:txBody>
+      </p:sp>
+      <p:sp>
+        <p:nvSpPr>
+          <p:cNvPr id="6" name="object 6">
+            <a:extLst>
+              <a:ext uri="{FF2B5EF4-FFF2-40B4-BE49-F238E27FC236}">
+                <a16:creationId xmlns:a16="http://schemas.microsoft.com/office/drawing/2014/main" id="{6B3EEE69-44D1-0AC7-897F-6AA98EA6C688}"/>
+              </a:ext>
+            </a:extLst>
+          </p:cNvPr>
+          <p:cNvSpPr/>
+          <p:nvPr/>
+        </p:nvSpPr>
+        <p:spPr>
+          <a:xfrm>
+            <a:off x="761" y="869441"/>
+            <a:ext cx="12192000" cy="0"/>
+          </a:xfrm>
+          <a:custGeom>
+            <a:avLst/>
+            <a:gdLst/>
+            <a:ahLst/>
+            <a:cxnLst/>
+            <a:rect l="l" t="t" r="r" b="b"/>
+            <a:pathLst>
+              <a:path w="12192000">
+                <a:moveTo>
+                  <a:pt x="0" y="0"/>
+                </a:moveTo>
+                <a:lnTo>
+                  <a:pt x="12192000" y="0"/>
+                </a:lnTo>
+              </a:path>
+            </a:pathLst>
+          </a:custGeom>
+          <a:ln w="25400">
+            <a:solidFill>
+              <a:srgbClr val="FFFFFF"/>
+            </a:solidFill>
+          </a:ln>
+        </p:spPr>
+        <p:txBody>
+          <a:bodyPr wrap="square" lIns="0" tIns="0" rIns="0" bIns="0" rtlCol="0"/>
+          <a:lstStyle/>
+          <a:p>
+            <a:endParaRPr/>
+          </a:p>
+        </p:txBody>
+      </p:sp>
+      <p:pic>
+        <p:nvPicPr>
+          <p:cNvPr id="2" name="Resim 1"/>
+          <p:cNvPicPr>
+            <a:picLocks noChangeAspect="1"/>
+          </p:cNvPicPr>
+          <p:nvPr/>
+        </p:nvPicPr>
+        <p:blipFill>
+          <a:blip r:embed="rId2"/>
+          <a:stretch>
+            <a:fillRect/>
+          </a:stretch>
+        </p:blipFill>
+        <p:spPr>
+          <a:xfrm>
+            <a:off x="245465" y="1371600"/>
+            <a:ext cx="6324600" cy="4678625"/>
+          </a:xfrm>
+          <a:prstGeom prst="rect">
+            <a:avLst/>
+          </a:prstGeom>
+        </p:spPr>
+      </p:pic>
+      <p:sp>
+        <p:nvSpPr>
+          <p:cNvPr id="5" name="Rectangle 1"/>
+          <p:cNvSpPr>
+            <a:spLocks noChangeArrowheads="1"/>
+          </p:cNvSpPr>
+          <p:nvPr/>
+        </p:nvSpPr>
+        <p:spPr bwMode="auto">
+          <a:xfrm>
+            <a:off x="6781800" y="1524000"/>
+            <a:ext cx="4876800" cy="923330"/>
+          </a:xfrm>
+          <a:prstGeom prst="rect">
+            <a:avLst/>
+          </a:prstGeom>
+          <a:noFill/>
+          <a:ln>
+            <a:noFill/>
+          </a:ln>
+          <a:effectLst/>
+          <a:extLst>
+            <a:ext uri="{909E8E84-426E-40DD-AFC4-6F175D3DCCD1}">
+              <a14:hiddenFill xmlns:a14="http://schemas.microsoft.com/office/drawing/2010/main">
+                <a:solidFill>
+                  <a:schemeClr val="accent1"/>
+                </a:solidFill>
+              </a14:hiddenFill>
+            </a:ext>
+            <a:ext uri="{91240B29-F687-4F45-9708-019B960494DF}">
+              <a14:hiddenLine xmlns:a14="http://schemas.microsoft.com/office/drawing/2010/main" w="9525">
+                <a:solidFill>
+                  <a:schemeClr val="tx1"/>
+                </a:solidFill>
+                <a:miter lim="800000"/>
+                <a:headEnd/>
+                <a:tailEnd/>
+              </a14:hiddenLine>
+            </a:ext>
+            <a:ext uri="{AF507438-7753-43E0-B8FC-AC1667EBCBE1}">
+              <a14:hiddenEffects xmlns:a14="http://schemas.microsoft.com/office/drawing/2010/main">
+                <a:effectLst>
+                  <a:outerShdw dist="35921" dir="2700000" algn="ctr" rotWithShape="0">
+                    <a:schemeClr val="bg2"/>
+                  </a:outerShdw>
+                </a:effectLst>
+              </a14:hiddenEffects>
+            </a:ext>
+          </a:extLst>
+        </p:spPr>
+        <p:txBody>
+          <a:bodyPr vert="horz" wrap="square" lIns="91440" tIns="45720" rIns="91440" bIns="45720" numCol="1" anchor="ctr" anchorCtr="0" compatLnSpc="1">
+            <a:prstTxWarp prst="textNoShape">
+              <a:avLst/>
+            </a:prstTxWarp>
+            <a:spAutoFit/>
+          </a:bodyPr>
+          <a:lstStyle/>
+          <a:p>
+            <a:pPr marL="0" marR="0" lvl="0" indent="0" algn="l" defTabSz="914400" rtl="0" eaLnBrk="0" fontAlgn="base" latinLnBrk="0" hangingPunct="0">
+              <a:lnSpc>
+                <a:spcPct val="100000"/>
+              </a:lnSpc>
+              <a:spcBef>
+                <a:spcPct val="0"/>
+              </a:spcBef>
+              <a:spcAft>
+                <a:spcPct val="0"/>
+              </a:spcAft>
+              <a:buClrTx/>
+              <a:buSzTx/>
+              <a:buFontTx/>
+              <a:buNone/>
+              <a:tabLst/>
+            </a:pPr>
+            <a:r>
+              <a:rPr kumimoji="0" lang="tr-TR" altLang="tr-TR" sz="1800" b="0" i="0" u="none" strike="noStrike" cap="none" normalizeH="0" baseline="0" smtClean="0">
+                <a:ln>
+                  <a:noFill/>
+                </a:ln>
+                <a:solidFill>
+                  <a:schemeClr val="tx1"/>
+                </a:solidFill>
+                <a:effectLst/>
+                <a:latin typeface="Arial" panose="020B0604020202020204" pitchFamily="34" charset="0"/>
+              </a:rPr>
+              <a:t>Oluşturulan kümeler (renkli) ve aykırı değerler (gri) 2 boyutlu bir görselleştirme olarak gösterilmektedir.</a:t>
+            </a:r>
+          </a:p>
+        </p:txBody>
+      </p:sp>
+    </p:spTree>
+    <p:extLst>
+      <p:ext uri="{BB962C8B-B14F-4D97-AF65-F5344CB8AC3E}">
+        <p14:creationId xmlns:p14="http://schemas.microsoft.com/office/powerpoint/2010/main" val="3406166516"/>
+      </p:ext>
+    </p:extLst>
+  </p:cSld>
+  <p:clrMapOvr>
+    <a:masterClrMapping/>
+  </p:clrMapOvr>
+</p:sld>
+</file>
+
+<file path=ppt/slides/slide13.xml><?xml version="1.0" encoding="utf-8"?>
+<p:sld xmlns:a="http://schemas.openxmlformats.org/drawingml/2006/main" xmlns:r="http://schemas.openxmlformats.org/officeDocument/2006/relationships" xmlns:p="http://schemas.openxmlformats.org/presentationml/2006/main">
+  <p:cSld>
+    <p:spTree>
+      <p:nvGrpSpPr>
+        <p:cNvPr id="1" name="">
+          <a:extLst>
+            <a:ext uri="{FF2B5EF4-FFF2-40B4-BE49-F238E27FC236}">
+              <a16:creationId xmlns:a16="http://schemas.microsoft.com/office/drawing/2014/main" id="{AB38F33D-2DE5-9F44-2A41-05AD0E046359}"/>
+            </a:ext>
+          </a:extLst>
+        </p:cNvPr>
+        <p:cNvGrpSpPr/>
+        <p:nvPr/>
+      </p:nvGrpSpPr>
+      <p:grpSpPr>
+        <a:xfrm>
+          <a:off x="0" y="0"/>
+          <a:ext cx="0" cy="0"/>
+          <a:chOff x="0" y="0"/>
+          <a:chExt cx="0" cy="0"/>
+        </a:xfrm>
+      </p:grpSpPr>
+      <p:sp>
+        <p:nvSpPr>
+          <p:cNvPr id="3" name="object 3">
+            <a:extLst>
+              <a:ext uri="{FF2B5EF4-FFF2-40B4-BE49-F238E27FC236}">
+                <a16:creationId xmlns:a16="http://schemas.microsoft.com/office/drawing/2014/main" id="{BF5A55FE-7AC1-3F2A-5ED6-2B0C39ECCE83}"/>
+              </a:ext>
+            </a:extLst>
+          </p:cNvPr>
+          <p:cNvSpPr txBox="1">
+            <a:spLocks noGrp="1"/>
+          </p:cNvSpPr>
+          <p:nvPr>
+            <p:ph type="title"/>
+          </p:nvPr>
+        </p:nvSpPr>
+        <p:spPr>
+          <a:xfrm>
+            <a:off x="245465" y="123512"/>
+            <a:ext cx="11696700" cy="566181"/>
+          </a:xfrm>
+          <a:prstGeom prst="rect">
+            <a:avLst/>
+          </a:prstGeom>
+        </p:spPr>
+        <p:txBody>
+          <a:bodyPr vert="horz" wrap="square" lIns="0" tIns="12065" rIns="0" bIns="0" rtlCol="0">
+            <a:spAutoFit/>
+          </a:bodyPr>
+          <a:lstStyle/>
+          <a:p>
+            <a:pPr marL="12700">
+              <a:lnSpc>
+                <a:spcPct val="100000"/>
+              </a:lnSpc>
+              <a:spcBef>
+                <a:spcPts val="95"/>
+              </a:spcBef>
+            </a:pPr>
+            <a:r>
+              <a:rPr lang="tr-TR" dirty="0"/>
+              <a:t>Metin Kümelemeden Konu Modellemeye</a:t>
+            </a:r>
+            <a:endParaRPr dirty="0"/>
+          </a:p>
+        </p:txBody>
+      </p:sp>
+      <p:sp>
+        <p:nvSpPr>
+          <p:cNvPr id="6" name="object 6">
+            <a:extLst>
+              <a:ext uri="{FF2B5EF4-FFF2-40B4-BE49-F238E27FC236}">
+                <a16:creationId xmlns:a16="http://schemas.microsoft.com/office/drawing/2014/main" id="{6B3EEE69-44D1-0AC7-897F-6AA98EA6C688}"/>
+              </a:ext>
+            </a:extLst>
+          </p:cNvPr>
+          <p:cNvSpPr/>
+          <p:nvPr/>
+        </p:nvSpPr>
+        <p:spPr>
+          <a:xfrm>
+            <a:off x="761" y="869441"/>
+            <a:ext cx="12192000" cy="0"/>
+          </a:xfrm>
+          <a:custGeom>
+            <a:avLst/>
+            <a:gdLst/>
+            <a:ahLst/>
+            <a:cxnLst/>
+            <a:rect l="l" t="t" r="r" b="b"/>
+            <a:pathLst>
+              <a:path w="12192000">
+                <a:moveTo>
+                  <a:pt x="0" y="0"/>
+                </a:moveTo>
+                <a:lnTo>
+                  <a:pt x="12192000" y="0"/>
+                </a:lnTo>
+              </a:path>
+            </a:pathLst>
+          </a:custGeom>
+          <a:ln w="25400">
+            <a:solidFill>
+              <a:srgbClr val="FFFFFF"/>
+            </a:solidFill>
+          </a:ln>
+        </p:spPr>
+        <p:txBody>
+          <a:bodyPr wrap="square" lIns="0" tIns="0" rIns="0" bIns="0" rtlCol="0"/>
+          <a:lstStyle/>
+          <a:p>
+            <a:endParaRPr/>
+          </a:p>
+        </p:txBody>
+      </p:sp>
+      <p:pic>
+        <p:nvPicPr>
+          <p:cNvPr id="9" name="Resim 8"/>
+          <p:cNvPicPr>
+            <a:picLocks noChangeAspect="1"/>
+          </p:cNvPicPr>
+          <p:nvPr/>
+        </p:nvPicPr>
+        <p:blipFill>
+          <a:blip r:embed="rId2"/>
+          <a:stretch>
+            <a:fillRect/>
+          </a:stretch>
+        </p:blipFill>
+        <p:spPr>
+          <a:xfrm>
+            <a:off x="1143000" y="1049190"/>
+            <a:ext cx="9753601" cy="4847986"/>
+          </a:xfrm>
+          <a:prstGeom prst="rect">
+            <a:avLst/>
+          </a:prstGeom>
+        </p:spPr>
+      </p:pic>
+      <p:sp>
+        <p:nvSpPr>
+          <p:cNvPr id="10" name="Rectangle 3"/>
+          <p:cNvSpPr>
+            <a:spLocks noChangeArrowheads="1"/>
+          </p:cNvSpPr>
+          <p:nvPr/>
+        </p:nvSpPr>
+        <p:spPr bwMode="auto">
+          <a:xfrm>
+            <a:off x="914400" y="6211314"/>
+            <a:ext cx="10515600" cy="369332"/>
+          </a:xfrm>
+          <a:prstGeom prst="rect">
+            <a:avLst/>
+          </a:prstGeom>
+          <a:noFill/>
+          <a:ln>
+            <a:noFill/>
+          </a:ln>
+          <a:effectLst/>
+          <a:extLst>
+            <a:ext uri="{909E8E84-426E-40DD-AFC4-6F175D3DCCD1}">
+              <a14:hiddenFill xmlns:a14="http://schemas.microsoft.com/office/drawing/2010/main">
+                <a:solidFill>
+                  <a:schemeClr val="accent1"/>
+                </a:solidFill>
+              </a14:hiddenFill>
+            </a:ext>
+            <a:ext uri="{91240B29-F687-4F45-9708-019B960494DF}">
+              <a14:hiddenLine xmlns:a14="http://schemas.microsoft.com/office/drawing/2010/main" w="9525">
+                <a:solidFill>
+                  <a:schemeClr val="tx1"/>
+                </a:solidFill>
+                <a:miter lim="800000"/>
+                <a:headEnd/>
+                <a:tailEnd/>
+              </a14:hiddenLine>
+            </a:ext>
+            <a:ext uri="{AF507438-7753-43E0-B8FC-AC1667EBCBE1}">
+              <a14:hiddenEffects xmlns:a14="http://schemas.microsoft.com/office/drawing/2010/main">
+                <a:effectLst>
+                  <a:outerShdw dist="35921" dir="2700000" algn="ctr" rotWithShape="0">
+                    <a:schemeClr val="bg2"/>
+                  </a:outerShdw>
+                </a:effectLst>
+              </a14:hiddenEffects>
+            </a:ext>
+          </a:extLst>
+        </p:spPr>
+        <p:txBody>
+          <a:bodyPr vert="horz" wrap="square" lIns="91440" tIns="45720" rIns="91440" bIns="45720" numCol="1" anchor="ctr" anchorCtr="0" compatLnSpc="1">
+            <a:prstTxWarp prst="textNoShape">
+              <a:avLst/>
+            </a:prstTxWarp>
+            <a:spAutoFit/>
+          </a:bodyPr>
+          <a:lstStyle/>
+          <a:p>
+            <a:pPr marL="0" marR="0" lvl="0" indent="0" algn="l" defTabSz="914400" rtl="0" eaLnBrk="0" fontAlgn="base" latinLnBrk="0" hangingPunct="0">
+              <a:lnSpc>
+                <a:spcPct val="100000"/>
+              </a:lnSpc>
+              <a:spcBef>
+                <a:spcPct val="0"/>
+              </a:spcBef>
+              <a:spcAft>
+                <a:spcPct val="0"/>
+              </a:spcAft>
+              <a:buClrTx/>
+              <a:buSzTx/>
+              <a:buFontTx/>
+              <a:buNone/>
+              <a:tabLst/>
+            </a:pPr>
+            <a:r>
+              <a:rPr kumimoji="0" lang="tr-TR" altLang="tr-TR" sz="1800" b="0" i="0" u="none" strike="noStrike" cap="none" normalizeH="0" baseline="0" smtClean="0">
+                <a:ln>
+                  <a:noFill/>
+                </a:ln>
+                <a:solidFill>
+                  <a:schemeClr val="tx1"/>
+                </a:solidFill>
+                <a:effectLst/>
+                <a:latin typeface="Arial" panose="020B0604020202020204" pitchFamily="34" charset="0"/>
+              </a:rPr>
+              <a:t>Geleneksel olarak, konular bir dizi anahtar kelimeyle temsil edilir, ancak başka biçimler de alabilir.</a:t>
+            </a:r>
+          </a:p>
+        </p:txBody>
+      </p:sp>
+    </p:spTree>
+    <p:extLst>
+      <p:ext uri="{BB962C8B-B14F-4D97-AF65-F5344CB8AC3E}">
+        <p14:creationId xmlns:p14="http://schemas.microsoft.com/office/powerpoint/2010/main" val="3819733650"/>
+      </p:ext>
+    </p:extLst>
+  </p:cSld>
+  <p:clrMapOvr>
+    <a:masterClrMapping/>
+  </p:clrMapOvr>
+</p:sld>
+</file>
+
+<file path=ppt/slides/slide14.xml><?xml version="1.0" encoding="utf-8"?>
+<p:sld xmlns:a="http://schemas.openxmlformats.org/drawingml/2006/main" xmlns:r="http://schemas.openxmlformats.org/officeDocument/2006/relationships" xmlns:p="http://schemas.openxmlformats.org/presentationml/2006/main">
+  <p:cSld>
+    <p:spTree>
+      <p:nvGrpSpPr>
+        <p:cNvPr id="1" name="">
+          <a:extLst>
+            <a:ext uri="{FF2B5EF4-FFF2-40B4-BE49-F238E27FC236}">
+              <a16:creationId xmlns:a16="http://schemas.microsoft.com/office/drawing/2014/main" id="{AB38F33D-2DE5-9F44-2A41-05AD0E046359}"/>
+            </a:ext>
+          </a:extLst>
+        </p:cNvPr>
+        <p:cNvGrpSpPr/>
+        <p:nvPr/>
+      </p:nvGrpSpPr>
+      <p:grpSpPr>
+        <a:xfrm>
+          <a:off x="0" y="0"/>
+          <a:ext cx="0" cy="0"/>
+          <a:chOff x="0" y="0"/>
+          <a:chExt cx="0" cy="0"/>
+        </a:xfrm>
+      </p:grpSpPr>
+      <p:sp>
+        <p:nvSpPr>
+          <p:cNvPr id="3" name="object 3">
+            <a:extLst>
+              <a:ext uri="{FF2B5EF4-FFF2-40B4-BE49-F238E27FC236}">
+                <a16:creationId xmlns:a16="http://schemas.microsoft.com/office/drawing/2014/main" id="{BF5A55FE-7AC1-3F2A-5ED6-2B0C39ECCE83}"/>
+              </a:ext>
+            </a:extLst>
+          </p:cNvPr>
+          <p:cNvSpPr txBox="1">
+            <a:spLocks noGrp="1"/>
+          </p:cNvSpPr>
+          <p:nvPr>
+            <p:ph type="title"/>
+          </p:nvPr>
+        </p:nvSpPr>
+        <p:spPr>
+          <a:xfrm>
+            <a:off x="245465" y="123512"/>
+            <a:ext cx="11696700" cy="566181"/>
+          </a:xfrm>
+          <a:prstGeom prst="rect">
+            <a:avLst/>
+          </a:prstGeom>
+        </p:spPr>
+        <p:txBody>
+          <a:bodyPr vert="horz" wrap="square" lIns="0" tIns="12065" rIns="0" bIns="0" rtlCol="0">
+            <a:spAutoFit/>
+          </a:bodyPr>
+          <a:lstStyle/>
+          <a:p>
+            <a:pPr marL="12700">
+              <a:lnSpc>
+                <a:spcPct val="100000"/>
+              </a:lnSpc>
+              <a:spcBef>
+                <a:spcPts val="95"/>
+              </a:spcBef>
+            </a:pPr>
+            <a:r>
+              <a:rPr lang="tr-TR" dirty="0"/>
+              <a:t>Metin Kümelemeden Konu Modellemeye</a:t>
+            </a:r>
+            <a:endParaRPr dirty="0"/>
+          </a:p>
+        </p:txBody>
+      </p:sp>
+      <p:sp>
+        <p:nvSpPr>
+          <p:cNvPr id="6" name="object 6">
+            <a:extLst>
+              <a:ext uri="{FF2B5EF4-FFF2-40B4-BE49-F238E27FC236}">
+                <a16:creationId xmlns:a16="http://schemas.microsoft.com/office/drawing/2014/main" id="{6B3EEE69-44D1-0AC7-897F-6AA98EA6C688}"/>
+              </a:ext>
+            </a:extLst>
+          </p:cNvPr>
+          <p:cNvSpPr/>
+          <p:nvPr/>
+        </p:nvSpPr>
+        <p:spPr>
+          <a:xfrm>
+            <a:off x="761" y="869441"/>
+            <a:ext cx="12192000" cy="0"/>
+          </a:xfrm>
+          <a:custGeom>
+            <a:avLst/>
+            <a:gdLst/>
+            <a:ahLst/>
+            <a:cxnLst/>
+            <a:rect l="l" t="t" r="r" b="b"/>
+            <a:pathLst>
+              <a:path w="12192000">
+                <a:moveTo>
+                  <a:pt x="0" y="0"/>
+                </a:moveTo>
+                <a:lnTo>
+                  <a:pt x="12192000" y="0"/>
+                </a:lnTo>
+              </a:path>
+            </a:pathLst>
+          </a:custGeom>
+          <a:ln w="25400">
+            <a:solidFill>
+              <a:srgbClr val="FFFFFF"/>
+            </a:solidFill>
+          </a:ln>
+        </p:spPr>
+        <p:txBody>
+          <a:bodyPr wrap="square" lIns="0" tIns="0" rIns="0" bIns="0" rtlCol="0"/>
+          <a:lstStyle/>
+          <a:p>
+            <a:endParaRPr/>
+          </a:p>
+        </p:txBody>
+      </p:sp>
+      <p:pic>
+        <p:nvPicPr>
+          <p:cNvPr id="2" name="Resim 1"/>
+          <p:cNvPicPr>
+            <a:picLocks noChangeAspect="1"/>
+          </p:cNvPicPr>
+          <p:nvPr/>
+        </p:nvPicPr>
+        <p:blipFill>
+          <a:blip r:embed="rId2"/>
+          <a:stretch>
+            <a:fillRect/>
+          </a:stretch>
+        </p:blipFill>
+        <p:spPr>
+          <a:xfrm>
+            <a:off x="457199" y="1049190"/>
+            <a:ext cx="8942249" cy="4742010"/>
+          </a:xfrm>
+          <a:prstGeom prst="rect">
+            <a:avLst/>
+          </a:prstGeom>
+        </p:spPr>
+      </p:pic>
+      <p:sp>
+        <p:nvSpPr>
+          <p:cNvPr id="5" name="Rectangle 1"/>
+          <p:cNvSpPr>
+            <a:spLocks noChangeArrowheads="1"/>
+          </p:cNvSpPr>
+          <p:nvPr/>
+        </p:nvSpPr>
+        <p:spPr bwMode="auto">
+          <a:xfrm>
+            <a:off x="685800" y="6168851"/>
+            <a:ext cx="9372600" cy="369332"/>
+          </a:xfrm>
+          <a:prstGeom prst="rect">
+            <a:avLst/>
+          </a:prstGeom>
+          <a:noFill/>
+          <a:ln>
+            <a:noFill/>
+          </a:ln>
+          <a:effectLst/>
+          <a:extLst>
+            <a:ext uri="{909E8E84-426E-40DD-AFC4-6F175D3DCCD1}">
+              <a14:hiddenFill xmlns:a14="http://schemas.microsoft.com/office/drawing/2010/main">
+                <a:solidFill>
+                  <a:schemeClr val="accent1"/>
+                </a:solidFill>
+              </a14:hiddenFill>
+            </a:ext>
+            <a:ext uri="{91240B29-F687-4F45-9708-019B960494DF}">
+              <a14:hiddenLine xmlns:a14="http://schemas.microsoft.com/office/drawing/2010/main" w="9525">
+                <a:solidFill>
+                  <a:schemeClr val="tx1"/>
+                </a:solidFill>
+                <a:miter lim="800000"/>
+                <a:headEnd/>
+                <a:tailEnd/>
+              </a14:hiddenLine>
+            </a:ext>
+            <a:ext uri="{AF507438-7753-43E0-B8FC-AC1667EBCBE1}">
+              <a14:hiddenEffects xmlns:a14="http://schemas.microsoft.com/office/drawing/2010/main">
+                <a:effectLst>
+                  <a:outerShdw dist="35921" dir="2700000" algn="ctr" rotWithShape="0">
+                    <a:schemeClr val="bg2"/>
+                  </a:outerShdw>
+                </a:effectLst>
+              </a14:hiddenEffects>
+            </a:ext>
+          </a:extLst>
+        </p:spPr>
+        <p:txBody>
+          <a:bodyPr vert="horz" wrap="square" lIns="91440" tIns="45720" rIns="91440" bIns="45720" numCol="1" anchor="ctr" anchorCtr="0" compatLnSpc="1">
+            <a:prstTxWarp prst="textNoShape">
+              <a:avLst/>
+            </a:prstTxWarp>
+            <a:spAutoFit/>
+          </a:bodyPr>
+          <a:lstStyle/>
+          <a:p>
+            <a:pPr marL="0" marR="0" lvl="0" indent="0" algn="l" defTabSz="914400" rtl="0" eaLnBrk="0" fontAlgn="base" latinLnBrk="0" hangingPunct="0">
+              <a:lnSpc>
+                <a:spcPct val="100000"/>
+              </a:lnSpc>
+              <a:spcBef>
+                <a:spcPct val="0"/>
+              </a:spcBef>
+              <a:spcAft>
+                <a:spcPct val="0"/>
+              </a:spcAft>
+              <a:buClrTx/>
+              <a:buSzTx/>
+              <a:buFontTx/>
+              <a:buNone/>
+              <a:tabLst/>
+            </a:pPr>
+            <a:r>
+              <a:rPr kumimoji="0" lang="tr-TR" altLang="tr-TR" sz="1800" b="0" i="0" u="none" strike="noStrike" cap="none" normalizeH="0" baseline="0" smtClean="0">
+                <a:ln>
+                  <a:noFill/>
+                </a:ln>
+                <a:solidFill>
+                  <a:schemeClr val="tx1"/>
+                </a:solidFill>
+                <a:effectLst/>
+                <a:latin typeface="Arial" panose="020B0604020202020204" pitchFamily="34" charset="0"/>
+              </a:rPr>
+              <a:t>Anahtar kelimeler, tek bir konu üzerindeki dağılımlarına göre çıkarılır.</a:t>
+            </a:r>
+          </a:p>
+        </p:txBody>
+      </p:sp>
+    </p:spTree>
+    <p:extLst>
+      <p:ext uri="{BB962C8B-B14F-4D97-AF65-F5344CB8AC3E}">
+        <p14:creationId xmlns:p14="http://schemas.microsoft.com/office/powerpoint/2010/main" val="3118517737"/>
+      </p:ext>
+    </p:extLst>
+  </p:cSld>
+  <p:clrMapOvr>
+    <a:masterClrMapping/>
+  </p:clrMapOvr>
+</p:sld>
+</file>
+
+<file path=ppt/slides/slide15.xml><?xml version="1.0" encoding="utf-8"?>
+<p:sld xmlns:a="http://schemas.openxmlformats.org/drawingml/2006/main" xmlns:r="http://schemas.openxmlformats.org/officeDocument/2006/relationships" xmlns:p="http://schemas.openxmlformats.org/presentationml/2006/main">
+  <p:cSld>
+    <p:spTree>
+      <p:nvGrpSpPr>
+        <p:cNvPr id="1" name="">
+          <a:extLst>
+            <a:ext uri="{FF2B5EF4-FFF2-40B4-BE49-F238E27FC236}">
+              <a16:creationId xmlns:a16="http://schemas.microsoft.com/office/drawing/2014/main" id="{AB38F33D-2DE5-9F44-2A41-05AD0E046359}"/>
+            </a:ext>
+          </a:extLst>
+        </p:cNvPr>
+        <p:cNvGrpSpPr/>
+        <p:nvPr/>
+      </p:nvGrpSpPr>
+      <p:grpSpPr>
+        <a:xfrm>
+          <a:off x="0" y="0"/>
+          <a:ext cx="0" cy="0"/>
+          <a:chOff x="0" y="0"/>
+          <a:chExt cx="0" cy="0"/>
+        </a:xfrm>
+      </p:grpSpPr>
+      <p:sp>
+        <p:nvSpPr>
+          <p:cNvPr id="3" name="object 3">
+            <a:extLst>
+              <a:ext uri="{FF2B5EF4-FFF2-40B4-BE49-F238E27FC236}">
+                <a16:creationId xmlns:a16="http://schemas.microsoft.com/office/drawing/2014/main" id="{BF5A55FE-7AC1-3F2A-5ED6-2B0C39ECCE83}"/>
+              </a:ext>
+            </a:extLst>
+          </p:cNvPr>
+          <p:cNvSpPr txBox="1">
+            <a:spLocks noGrp="1"/>
+          </p:cNvSpPr>
+          <p:nvPr>
+            <p:ph type="title"/>
+          </p:nvPr>
+        </p:nvSpPr>
+        <p:spPr>
+          <a:xfrm>
+            <a:off x="245465" y="123512"/>
+            <a:ext cx="11696700" cy="566181"/>
+          </a:xfrm>
+          <a:prstGeom prst="rect">
+            <a:avLst/>
+          </a:prstGeom>
+        </p:spPr>
+        <p:txBody>
+          <a:bodyPr vert="horz" wrap="square" lIns="0" tIns="12065" rIns="0" bIns="0" rtlCol="0">
+            <a:spAutoFit/>
+          </a:bodyPr>
+          <a:lstStyle/>
+          <a:p>
+            <a:pPr marL="12700">
+              <a:lnSpc>
+                <a:spcPct val="100000"/>
+              </a:lnSpc>
+              <a:spcBef>
+                <a:spcPts val="95"/>
+              </a:spcBef>
+            </a:pPr>
+            <a:r>
+              <a:rPr lang="tr-TR" dirty="0" smtClean="0"/>
+              <a:t> </a:t>
+            </a:r>
+            <a:r>
+              <a:rPr lang="tr-TR" dirty="0" err="1"/>
+              <a:t>BERTopic</a:t>
+            </a:r>
+            <a:r>
+              <a:rPr lang="tr-TR" dirty="0"/>
+              <a:t>: Modüler Konu Modelleme Çerçevesi</a:t>
+            </a:r>
+            <a:endParaRPr dirty="0"/>
+          </a:p>
+        </p:txBody>
+      </p:sp>
+      <p:sp>
+        <p:nvSpPr>
+          <p:cNvPr id="6" name="object 6">
+            <a:extLst>
+              <a:ext uri="{FF2B5EF4-FFF2-40B4-BE49-F238E27FC236}">
+                <a16:creationId xmlns:a16="http://schemas.microsoft.com/office/drawing/2014/main" id="{6B3EEE69-44D1-0AC7-897F-6AA98EA6C688}"/>
+              </a:ext>
+            </a:extLst>
+          </p:cNvPr>
+          <p:cNvSpPr/>
+          <p:nvPr/>
+        </p:nvSpPr>
+        <p:spPr>
+          <a:xfrm>
+            <a:off x="761" y="869441"/>
+            <a:ext cx="12192000" cy="0"/>
+          </a:xfrm>
+          <a:custGeom>
+            <a:avLst/>
+            <a:gdLst/>
+            <a:ahLst/>
+            <a:cxnLst/>
+            <a:rect l="l" t="t" r="r" b="b"/>
+            <a:pathLst>
+              <a:path w="12192000">
+                <a:moveTo>
+                  <a:pt x="0" y="0"/>
+                </a:moveTo>
+                <a:lnTo>
+                  <a:pt x="12192000" y="0"/>
+                </a:lnTo>
+              </a:path>
+            </a:pathLst>
+          </a:custGeom>
+          <a:ln w="25400">
+            <a:solidFill>
+              <a:srgbClr val="FFFFFF"/>
+            </a:solidFill>
+          </a:ln>
+        </p:spPr>
+        <p:txBody>
+          <a:bodyPr wrap="square" lIns="0" tIns="0" rIns="0" bIns="0" rtlCol="0"/>
+          <a:lstStyle/>
+          <a:p>
+            <a:endParaRPr/>
+          </a:p>
+        </p:txBody>
+      </p:sp>
+      <p:pic>
+        <p:nvPicPr>
+          <p:cNvPr id="8" name="Resim 7"/>
+          <p:cNvPicPr>
+            <a:picLocks noChangeAspect="1"/>
+          </p:cNvPicPr>
+          <p:nvPr/>
+        </p:nvPicPr>
+        <p:blipFill>
+          <a:blip r:embed="rId2"/>
+          <a:stretch>
+            <a:fillRect/>
+          </a:stretch>
+        </p:blipFill>
+        <p:spPr>
+          <a:xfrm>
+            <a:off x="1524000" y="1049190"/>
+            <a:ext cx="9067800" cy="4914108"/>
+          </a:xfrm>
+          <a:prstGeom prst="rect">
+            <a:avLst/>
+          </a:prstGeom>
+        </p:spPr>
+      </p:pic>
+      <p:sp>
+        <p:nvSpPr>
+          <p:cNvPr id="9" name="Rectangle 2"/>
+          <p:cNvSpPr>
+            <a:spLocks noChangeArrowheads="1"/>
+          </p:cNvSpPr>
+          <p:nvPr/>
+        </p:nvSpPr>
+        <p:spPr bwMode="auto">
+          <a:xfrm>
+            <a:off x="533400" y="6048481"/>
+            <a:ext cx="9559797" cy="646331"/>
+          </a:xfrm>
+          <a:prstGeom prst="rect">
+            <a:avLst/>
+          </a:prstGeom>
+          <a:noFill/>
+          <a:ln>
+            <a:noFill/>
+          </a:ln>
+          <a:effectLst/>
+          <a:extLst>
+            <a:ext uri="{909E8E84-426E-40DD-AFC4-6F175D3DCCD1}">
+              <a14:hiddenFill xmlns:a14="http://schemas.microsoft.com/office/drawing/2010/main">
+                <a:solidFill>
+                  <a:schemeClr val="accent1"/>
+                </a:solidFill>
+              </a14:hiddenFill>
+            </a:ext>
+            <a:ext uri="{91240B29-F687-4F45-9708-019B960494DF}">
+              <a14:hiddenLine xmlns:a14="http://schemas.microsoft.com/office/drawing/2010/main" w="9525">
+                <a:solidFill>
+                  <a:schemeClr val="tx1"/>
+                </a:solidFill>
+                <a:miter lim="800000"/>
+                <a:headEnd/>
+                <a:tailEnd/>
+              </a14:hiddenLine>
+            </a:ext>
+            <a:ext uri="{AF507438-7753-43E0-B8FC-AC1667EBCBE1}">
+              <a14:hiddenEffects xmlns:a14="http://schemas.microsoft.com/office/drawing/2010/main">
+                <a:effectLst>
+                  <a:outerShdw dist="35921" dir="2700000" algn="ctr" rotWithShape="0">
+                    <a:schemeClr val="bg2"/>
+                  </a:outerShdw>
+                </a:effectLst>
+              </a14:hiddenEffects>
+            </a:ext>
+          </a:extLst>
+        </p:spPr>
+        <p:txBody>
+          <a:bodyPr vert="horz" wrap="none" lIns="91440" tIns="45720" rIns="91440" bIns="45720" numCol="1" anchor="ctr" anchorCtr="0" compatLnSpc="1">
+            <a:prstTxWarp prst="textNoShape">
+              <a:avLst/>
+            </a:prstTxWarp>
+            <a:spAutoFit/>
+          </a:bodyPr>
+          <a:lstStyle/>
+          <a:p>
+            <a:pPr marL="0" marR="0" lvl="0" indent="0" algn="l" defTabSz="914400" rtl="0" eaLnBrk="0" fontAlgn="base" latinLnBrk="0" hangingPunct="0">
+              <a:lnSpc>
+                <a:spcPct val="100000"/>
+              </a:lnSpc>
+              <a:spcBef>
+                <a:spcPct val="0"/>
+              </a:spcBef>
+              <a:spcAft>
+                <a:spcPct val="0"/>
+              </a:spcAft>
+              <a:buClrTx/>
+              <a:buSzTx/>
+              <a:buFontTx/>
+              <a:buNone/>
+              <a:tabLst/>
+            </a:pPr>
+            <a:r>
+              <a:rPr kumimoji="0" lang="tr-TR" altLang="tr-TR" sz="1800" b="0" i="0" u="none" strike="noStrike" cap="none" normalizeH="0" baseline="0" dirty="0" err="1" smtClean="0">
+                <a:ln>
+                  <a:noFill/>
+                </a:ln>
+                <a:solidFill>
+                  <a:schemeClr val="tx1"/>
+                </a:solidFill>
+                <a:effectLst/>
+                <a:latin typeface="Arial" panose="020B0604020202020204" pitchFamily="34" charset="0"/>
+              </a:rPr>
+              <a:t>BERTopic'in</a:t>
+            </a:r>
+            <a:r>
+              <a:rPr kumimoji="0" lang="tr-TR" altLang="tr-TR" sz="1800" b="0" i="0" u="none" strike="noStrike" cap="none" normalizeH="0" baseline="0" dirty="0" smtClean="0">
+                <a:ln>
+                  <a:noFill/>
+                </a:ln>
+                <a:solidFill>
+                  <a:schemeClr val="tx1"/>
+                </a:solidFill>
+                <a:effectLst/>
+                <a:latin typeface="Arial" panose="020B0604020202020204" pitchFamily="34" charset="0"/>
+              </a:rPr>
+              <a:t> iş akışının ilk kısmı, anlamsal olarak benzer belgelerin kümelerini oluşturmaktır.</a:t>
+            </a:r>
+          </a:p>
+          <a:p>
+            <a:pPr marL="0" marR="0" lvl="0" indent="0" algn="l" defTabSz="914400" rtl="0" eaLnBrk="0" fontAlgn="base" latinLnBrk="0" hangingPunct="0">
+              <a:lnSpc>
+                <a:spcPct val="100000"/>
+              </a:lnSpc>
+              <a:spcBef>
+                <a:spcPct val="0"/>
+              </a:spcBef>
+              <a:spcAft>
+                <a:spcPct val="0"/>
+              </a:spcAft>
+              <a:buClrTx/>
+              <a:buSzTx/>
+              <a:buFontTx/>
+              <a:buNone/>
+              <a:tabLst/>
+            </a:pPr>
+            <a:endParaRPr kumimoji="0" lang="tr-TR" altLang="tr-TR" sz="1800" b="0" i="0" u="none" strike="noStrike" cap="none" normalizeH="0" baseline="0" dirty="0" smtClean="0">
+              <a:ln>
+                <a:noFill/>
+              </a:ln>
+              <a:solidFill>
+                <a:schemeClr val="tx1"/>
+              </a:solidFill>
+              <a:effectLst/>
+              <a:latin typeface="Arial" panose="020B0604020202020204" pitchFamily="34" charset="0"/>
+            </a:endParaRPr>
+          </a:p>
+        </p:txBody>
+      </p:sp>
+    </p:spTree>
+    <p:extLst>
+      <p:ext uri="{BB962C8B-B14F-4D97-AF65-F5344CB8AC3E}">
+        <p14:creationId xmlns:p14="http://schemas.microsoft.com/office/powerpoint/2010/main" val="1912013938"/>
+      </p:ext>
+    </p:extLst>
+  </p:cSld>
+  <p:clrMapOvr>
+    <a:masterClrMapping/>
+  </p:clrMapOvr>
+</p:sld>
+</file>
+
+<file path=ppt/slides/slide16.xml><?xml version="1.0" encoding="utf-8"?>
+<p:sld xmlns:a="http://schemas.openxmlformats.org/drawingml/2006/main" xmlns:r="http://schemas.openxmlformats.org/officeDocument/2006/relationships" xmlns:p="http://schemas.openxmlformats.org/presentationml/2006/main">
+  <p:cSld>
+    <p:spTree>
+      <p:nvGrpSpPr>
+        <p:cNvPr id="1" name="">
+          <a:extLst>
+            <a:ext uri="{FF2B5EF4-FFF2-40B4-BE49-F238E27FC236}">
+              <a16:creationId xmlns:a16="http://schemas.microsoft.com/office/drawing/2014/main" id="{AB38F33D-2DE5-9F44-2A41-05AD0E046359}"/>
+            </a:ext>
+          </a:extLst>
+        </p:cNvPr>
+        <p:cNvGrpSpPr/>
+        <p:nvPr/>
+      </p:nvGrpSpPr>
+      <p:grpSpPr>
+        <a:xfrm>
+          <a:off x="0" y="0"/>
+          <a:ext cx="0" cy="0"/>
+          <a:chOff x="0" y="0"/>
+          <a:chExt cx="0" cy="0"/>
+        </a:xfrm>
+      </p:grpSpPr>
+      <p:sp>
+        <p:nvSpPr>
+          <p:cNvPr id="3" name="object 3">
+            <a:extLst>
+              <a:ext uri="{FF2B5EF4-FFF2-40B4-BE49-F238E27FC236}">
+                <a16:creationId xmlns:a16="http://schemas.microsoft.com/office/drawing/2014/main" id="{BF5A55FE-7AC1-3F2A-5ED6-2B0C39ECCE83}"/>
+              </a:ext>
+            </a:extLst>
+          </p:cNvPr>
+          <p:cNvSpPr txBox="1">
+            <a:spLocks noGrp="1"/>
+          </p:cNvSpPr>
+          <p:nvPr>
+            <p:ph type="title"/>
+          </p:nvPr>
+        </p:nvSpPr>
+        <p:spPr>
+          <a:xfrm>
+            <a:off x="245465" y="123512"/>
+            <a:ext cx="11696700" cy="566181"/>
+          </a:xfrm>
+          <a:prstGeom prst="rect">
+            <a:avLst/>
+          </a:prstGeom>
+        </p:spPr>
+        <p:txBody>
+          <a:bodyPr vert="horz" wrap="square" lIns="0" tIns="12065" rIns="0" bIns="0" rtlCol="0">
+            <a:spAutoFit/>
+          </a:bodyPr>
+          <a:lstStyle/>
+          <a:p>
+            <a:pPr marL="12700">
+              <a:lnSpc>
+                <a:spcPct val="100000"/>
+              </a:lnSpc>
+              <a:spcBef>
+                <a:spcPts val="95"/>
+              </a:spcBef>
+            </a:pPr>
+            <a:r>
+              <a:rPr lang="tr-TR" dirty="0" smtClean="0"/>
+              <a:t> </a:t>
+            </a:r>
+            <a:r>
+              <a:rPr lang="tr-TR" dirty="0" err="1"/>
+              <a:t>BERTopic</a:t>
+            </a:r>
+            <a:r>
+              <a:rPr lang="tr-TR" dirty="0"/>
+              <a:t>: Modüler Konu Modelleme Çerçevesi</a:t>
+            </a:r>
+            <a:endParaRPr dirty="0"/>
+          </a:p>
+        </p:txBody>
+      </p:sp>
+      <p:sp>
+        <p:nvSpPr>
+          <p:cNvPr id="6" name="object 6">
+            <a:extLst>
+              <a:ext uri="{FF2B5EF4-FFF2-40B4-BE49-F238E27FC236}">
+                <a16:creationId xmlns:a16="http://schemas.microsoft.com/office/drawing/2014/main" id="{6B3EEE69-44D1-0AC7-897F-6AA98EA6C688}"/>
+              </a:ext>
+            </a:extLst>
+          </p:cNvPr>
+          <p:cNvSpPr/>
+          <p:nvPr/>
+        </p:nvSpPr>
+        <p:spPr>
+          <a:xfrm>
+            <a:off x="761" y="869441"/>
+            <a:ext cx="12192000" cy="0"/>
+          </a:xfrm>
+          <a:custGeom>
+            <a:avLst/>
+            <a:gdLst/>
+            <a:ahLst/>
+            <a:cxnLst/>
+            <a:rect l="l" t="t" r="r" b="b"/>
+            <a:pathLst>
+              <a:path w="12192000">
+                <a:moveTo>
+                  <a:pt x="0" y="0"/>
+                </a:moveTo>
+                <a:lnTo>
+                  <a:pt x="12192000" y="0"/>
+                </a:lnTo>
+              </a:path>
+            </a:pathLst>
+          </a:custGeom>
+          <a:ln w="25400">
+            <a:solidFill>
+              <a:srgbClr val="FFFFFF"/>
+            </a:solidFill>
+          </a:ln>
+        </p:spPr>
+        <p:txBody>
+          <a:bodyPr wrap="square" lIns="0" tIns="0" rIns="0" bIns="0" rtlCol="0"/>
+          <a:lstStyle/>
+          <a:p>
+            <a:endParaRPr/>
+          </a:p>
+        </p:txBody>
+      </p:sp>
+      <p:pic>
+        <p:nvPicPr>
+          <p:cNvPr id="2" name="Resim 1"/>
+          <p:cNvPicPr>
+            <a:picLocks noChangeAspect="1"/>
+          </p:cNvPicPr>
+          <p:nvPr/>
+        </p:nvPicPr>
+        <p:blipFill>
+          <a:blip r:embed="rId2"/>
+          <a:stretch>
+            <a:fillRect/>
+          </a:stretch>
+        </p:blipFill>
+        <p:spPr>
+          <a:xfrm>
+            <a:off x="533400" y="1143000"/>
+            <a:ext cx="10896600" cy="4709660"/>
+          </a:xfrm>
+          <a:prstGeom prst="rect">
+            <a:avLst/>
+          </a:prstGeom>
+        </p:spPr>
+      </p:pic>
+    </p:spTree>
+    <p:extLst>
+      <p:ext uri="{BB962C8B-B14F-4D97-AF65-F5344CB8AC3E}">
+        <p14:creationId xmlns:p14="http://schemas.microsoft.com/office/powerpoint/2010/main" val="3436626462"/>
+      </p:ext>
+    </p:extLst>
+  </p:cSld>
+  <p:clrMapOvr>
+    <a:masterClrMapping/>
+  </p:clrMapOvr>
+</p:sld>
+</file>
+
+<file path=ppt/slides/slide17.xml><?xml version="1.0" encoding="utf-8"?>
+<p:sld xmlns:a="http://schemas.openxmlformats.org/drawingml/2006/main" xmlns:r="http://schemas.openxmlformats.org/officeDocument/2006/relationships" xmlns:p="http://schemas.openxmlformats.org/presentationml/2006/main">
+  <p:cSld>
+    <p:spTree>
+      <p:nvGrpSpPr>
+        <p:cNvPr id="1" name="">
+          <a:extLst>
+            <a:ext uri="{FF2B5EF4-FFF2-40B4-BE49-F238E27FC236}">
+              <a16:creationId xmlns:a16="http://schemas.microsoft.com/office/drawing/2014/main" id="{AB38F33D-2DE5-9F44-2A41-05AD0E046359}"/>
+            </a:ext>
+          </a:extLst>
+        </p:cNvPr>
+        <p:cNvGrpSpPr/>
+        <p:nvPr/>
+      </p:nvGrpSpPr>
+      <p:grpSpPr>
+        <a:xfrm>
+          <a:off x="0" y="0"/>
+          <a:ext cx="0" cy="0"/>
+          <a:chOff x="0" y="0"/>
+          <a:chExt cx="0" cy="0"/>
+        </a:xfrm>
+      </p:grpSpPr>
+      <p:sp>
+        <p:nvSpPr>
+          <p:cNvPr id="3" name="object 3">
+            <a:extLst>
+              <a:ext uri="{FF2B5EF4-FFF2-40B4-BE49-F238E27FC236}">
+                <a16:creationId xmlns:a16="http://schemas.microsoft.com/office/drawing/2014/main" id="{BF5A55FE-7AC1-3F2A-5ED6-2B0C39ECCE83}"/>
+              </a:ext>
+            </a:extLst>
+          </p:cNvPr>
+          <p:cNvSpPr txBox="1">
+            <a:spLocks noGrp="1"/>
+          </p:cNvSpPr>
+          <p:nvPr>
+            <p:ph type="title"/>
+          </p:nvPr>
+        </p:nvSpPr>
+        <p:spPr>
+          <a:xfrm>
+            <a:off x="245465" y="123512"/>
+            <a:ext cx="11696700" cy="566181"/>
+          </a:xfrm>
+          <a:prstGeom prst="rect">
+            <a:avLst/>
+          </a:prstGeom>
+        </p:spPr>
+        <p:txBody>
+          <a:bodyPr vert="horz" wrap="square" lIns="0" tIns="12065" rIns="0" bIns="0" rtlCol="0">
+            <a:spAutoFit/>
+          </a:bodyPr>
+          <a:lstStyle/>
+          <a:p>
+            <a:pPr marL="12700">
+              <a:lnSpc>
+                <a:spcPct val="100000"/>
+              </a:lnSpc>
+              <a:spcBef>
+                <a:spcPts val="95"/>
+              </a:spcBef>
+            </a:pPr>
+            <a:r>
+              <a:rPr lang="tr-TR" dirty="0" smtClean="0"/>
+              <a:t> </a:t>
+            </a:r>
+            <a:r>
+              <a:rPr lang="tr-TR" dirty="0" err="1"/>
+              <a:t>BERTopic</a:t>
+            </a:r>
+            <a:r>
+              <a:rPr lang="tr-TR" dirty="0"/>
+              <a:t>: Modüler Konu Modelleme Çerçevesi</a:t>
+            </a:r>
+            <a:endParaRPr dirty="0"/>
+          </a:p>
+        </p:txBody>
+      </p:sp>
+      <p:sp>
+        <p:nvSpPr>
+          <p:cNvPr id="6" name="object 6">
+            <a:extLst>
+              <a:ext uri="{FF2B5EF4-FFF2-40B4-BE49-F238E27FC236}">
+                <a16:creationId xmlns:a16="http://schemas.microsoft.com/office/drawing/2014/main" id="{6B3EEE69-44D1-0AC7-897F-6AA98EA6C688}"/>
+              </a:ext>
+            </a:extLst>
+          </p:cNvPr>
+          <p:cNvSpPr/>
+          <p:nvPr/>
+        </p:nvSpPr>
+        <p:spPr>
+          <a:xfrm>
+            <a:off x="761" y="869441"/>
+            <a:ext cx="12192000" cy="0"/>
+          </a:xfrm>
+          <a:custGeom>
+            <a:avLst/>
+            <a:gdLst/>
+            <a:ahLst/>
+            <a:cxnLst/>
+            <a:rect l="l" t="t" r="r" b="b"/>
+            <a:pathLst>
+              <a:path w="12192000">
+                <a:moveTo>
+                  <a:pt x="0" y="0"/>
+                </a:moveTo>
+                <a:lnTo>
+                  <a:pt x="12192000" y="0"/>
+                </a:lnTo>
+              </a:path>
+            </a:pathLst>
+          </a:custGeom>
+          <a:ln w="25400">
+            <a:solidFill>
+              <a:srgbClr val="FFFFFF"/>
+            </a:solidFill>
+          </a:ln>
+        </p:spPr>
+        <p:txBody>
+          <a:bodyPr wrap="square" lIns="0" tIns="0" rIns="0" bIns="0" rtlCol="0"/>
+          <a:lstStyle/>
+          <a:p>
+            <a:endParaRPr/>
+          </a:p>
+        </p:txBody>
+      </p:sp>
+      <p:pic>
+        <p:nvPicPr>
+          <p:cNvPr id="4" name="Resim 3"/>
+          <p:cNvPicPr>
+            <a:picLocks noChangeAspect="1"/>
+          </p:cNvPicPr>
+          <p:nvPr/>
+        </p:nvPicPr>
+        <p:blipFill>
+          <a:blip r:embed="rId2"/>
+          <a:stretch>
+            <a:fillRect/>
+          </a:stretch>
+        </p:blipFill>
+        <p:spPr>
+          <a:xfrm>
+            <a:off x="457199" y="1143000"/>
+            <a:ext cx="11125201" cy="4679004"/>
+          </a:xfrm>
+          <a:prstGeom prst="rect">
+            <a:avLst/>
+          </a:prstGeom>
+        </p:spPr>
+      </p:pic>
+      <p:sp>
+        <p:nvSpPr>
+          <p:cNvPr id="5" name="Rectangle 1"/>
+          <p:cNvSpPr>
+            <a:spLocks noChangeArrowheads="1"/>
+          </p:cNvSpPr>
+          <p:nvPr/>
+        </p:nvSpPr>
+        <p:spPr bwMode="auto">
+          <a:xfrm>
+            <a:off x="914400" y="6000997"/>
+            <a:ext cx="9601200" cy="646331"/>
+          </a:xfrm>
+          <a:prstGeom prst="rect">
+            <a:avLst/>
+          </a:prstGeom>
+          <a:noFill/>
+          <a:ln>
+            <a:noFill/>
+          </a:ln>
+          <a:effectLst/>
+          <a:extLst>
+            <a:ext uri="{909E8E84-426E-40DD-AFC4-6F175D3DCCD1}">
+              <a14:hiddenFill xmlns:a14="http://schemas.microsoft.com/office/drawing/2010/main">
+                <a:solidFill>
+                  <a:schemeClr val="accent1"/>
+                </a:solidFill>
+              </a14:hiddenFill>
+            </a:ext>
+            <a:ext uri="{91240B29-F687-4F45-9708-019B960494DF}">
+              <a14:hiddenLine xmlns:a14="http://schemas.microsoft.com/office/drawing/2010/main" w="9525">
+                <a:solidFill>
+                  <a:schemeClr val="tx1"/>
+                </a:solidFill>
+                <a:miter lim="800000"/>
+                <a:headEnd/>
+                <a:tailEnd/>
+              </a14:hiddenLine>
+            </a:ext>
+            <a:ext uri="{AF507438-7753-43E0-B8FC-AC1667EBCBE1}">
+              <a14:hiddenEffects xmlns:a14="http://schemas.microsoft.com/office/drawing/2010/main">
+                <a:effectLst>
+                  <a:outerShdw dist="35921" dir="2700000" algn="ctr" rotWithShape="0">
+                    <a:schemeClr val="bg2"/>
+                  </a:outerShdw>
+                </a:effectLst>
+              </a14:hiddenEffects>
+            </a:ext>
+          </a:extLst>
+        </p:spPr>
+        <p:txBody>
+          <a:bodyPr vert="horz" wrap="square" lIns="91440" tIns="45720" rIns="91440" bIns="45720" numCol="1" anchor="ctr" anchorCtr="0" compatLnSpc="1">
+            <a:prstTxWarp prst="textNoShape">
+              <a:avLst/>
+            </a:prstTxWarp>
+            <a:spAutoFit/>
+          </a:bodyPr>
+          <a:lstStyle/>
+          <a:p>
+            <a:pPr lvl="0" defTabSz="914400" eaLnBrk="0" fontAlgn="base" hangingPunct="0">
+              <a:spcBef>
+                <a:spcPct val="0"/>
+              </a:spcBef>
+              <a:spcAft>
+                <a:spcPct val="0"/>
+              </a:spcAft>
+            </a:pPr>
+            <a:r>
+              <a:rPr kumimoji="0" lang="tr-TR" altLang="tr-TR" sz="1800" b="0" i="0" u="none" strike="noStrike" cap="none" normalizeH="0" baseline="0" dirty="0" smtClean="0">
+                <a:ln>
+                  <a:noFill/>
+                </a:ln>
+                <a:solidFill>
+                  <a:schemeClr val="tx1"/>
+                </a:solidFill>
+                <a:effectLst/>
+                <a:latin typeface="Arial" panose="020B0604020202020204" pitchFamily="34" charset="0"/>
+              </a:rPr>
+              <a:t>Belge başına değil, küme başına kelime sıklığını sayarak </a:t>
+            </a:r>
+            <a:r>
+              <a:rPr lang="tr-TR" altLang="tr-TR" dirty="0">
+                <a:latin typeface="Arial" panose="020B0604020202020204" pitchFamily="34" charset="0"/>
+              </a:rPr>
+              <a:t>(</a:t>
+            </a:r>
+            <a:r>
+              <a:rPr lang="tr-TR" altLang="tr-TR" dirty="0" err="1">
+                <a:latin typeface="Arial" panose="020B0604020202020204" pitchFamily="34" charset="0"/>
+              </a:rPr>
+              <a:t>class-based</a:t>
+            </a:r>
+            <a:r>
+              <a:rPr lang="tr-TR" altLang="tr-TR" dirty="0">
+                <a:latin typeface="Arial" panose="020B0604020202020204" pitchFamily="34" charset="0"/>
+              </a:rPr>
+              <a:t> </a:t>
+            </a:r>
+            <a:r>
+              <a:rPr lang="tr-TR" altLang="tr-TR" dirty="0" err="1">
+                <a:latin typeface="Arial" panose="020B0604020202020204" pitchFamily="34" charset="0"/>
+              </a:rPr>
+              <a:t>term</a:t>
+            </a:r>
+            <a:r>
+              <a:rPr lang="tr-TR" altLang="tr-TR" dirty="0">
+                <a:latin typeface="Arial" panose="020B0604020202020204" pitchFamily="34" charset="0"/>
+              </a:rPr>
+              <a:t> </a:t>
+            </a:r>
+            <a:r>
+              <a:rPr lang="tr-TR" altLang="tr-TR" dirty="0" err="1" smtClean="0">
+                <a:latin typeface="Arial" panose="020B0604020202020204" pitchFamily="34" charset="0"/>
+              </a:rPr>
+              <a:t>frequency</a:t>
+            </a:r>
+            <a:r>
+              <a:rPr lang="tr-TR" altLang="tr-TR" dirty="0" smtClean="0">
+                <a:latin typeface="Arial" panose="020B0604020202020204" pitchFamily="34" charset="0"/>
+              </a:rPr>
+              <a:t>) c-TF </a:t>
+            </a:r>
+            <a:r>
+              <a:rPr kumimoji="0" lang="tr-TR" altLang="tr-TR" sz="1800" b="0" i="0" u="none" strike="noStrike" cap="none" normalizeH="0" baseline="0" dirty="0" smtClean="0">
+                <a:ln>
+                  <a:noFill/>
+                </a:ln>
+                <a:solidFill>
+                  <a:schemeClr val="tx1"/>
+                </a:solidFill>
+                <a:effectLst/>
+                <a:latin typeface="Arial" panose="020B0604020202020204" pitchFamily="34" charset="0"/>
+              </a:rPr>
+              <a:t>oluşturma.</a:t>
+            </a:r>
+          </a:p>
+        </p:txBody>
+      </p:sp>
+    </p:spTree>
+    <p:extLst>
+      <p:ext uri="{BB962C8B-B14F-4D97-AF65-F5344CB8AC3E}">
+        <p14:creationId xmlns:p14="http://schemas.microsoft.com/office/powerpoint/2010/main" val="4223736398"/>
+      </p:ext>
+    </p:extLst>
+  </p:cSld>
+  <p:clrMapOvr>
+    <a:masterClrMapping/>
+  </p:clrMapOvr>
+</p:sld>
+</file>
+
+<file path=ppt/slides/slide18.xml><?xml version="1.0" encoding="utf-8"?>
+<p:sld xmlns:a="http://schemas.openxmlformats.org/drawingml/2006/main" xmlns:r="http://schemas.openxmlformats.org/officeDocument/2006/relationships" xmlns:p="http://schemas.openxmlformats.org/presentationml/2006/main">
+  <p:cSld>
+    <p:spTree>
+      <p:nvGrpSpPr>
+        <p:cNvPr id="1" name="">
+          <a:extLst>
+            <a:ext uri="{FF2B5EF4-FFF2-40B4-BE49-F238E27FC236}">
+              <a16:creationId xmlns:a16="http://schemas.microsoft.com/office/drawing/2014/main" id="{AB38F33D-2DE5-9F44-2A41-05AD0E046359}"/>
+            </a:ext>
+          </a:extLst>
+        </p:cNvPr>
+        <p:cNvGrpSpPr/>
+        <p:nvPr/>
+      </p:nvGrpSpPr>
+      <p:grpSpPr>
+        <a:xfrm>
+          <a:off x="0" y="0"/>
+          <a:ext cx="0" cy="0"/>
+          <a:chOff x="0" y="0"/>
+          <a:chExt cx="0" cy="0"/>
+        </a:xfrm>
+      </p:grpSpPr>
+      <p:sp>
+        <p:nvSpPr>
+          <p:cNvPr id="3" name="object 3">
+            <a:extLst>
+              <a:ext uri="{FF2B5EF4-FFF2-40B4-BE49-F238E27FC236}">
+                <a16:creationId xmlns:a16="http://schemas.microsoft.com/office/drawing/2014/main" id="{BF5A55FE-7AC1-3F2A-5ED6-2B0C39ECCE83}"/>
+              </a:ext>
+            </a:extLst>
+          </p:cNvPr>
+          <p:cNvSpPr txBox="1">
+            <a:spLocks noGrp="1"/>
+          </p:cNvSpPr>
+          <p:nvPr>
+            <p:ph type="title"/>
+          </p:nvPr>
+        </p:nvSpPr>
+        <p:spPr>
+          <a:xfrm>
+            <a:off x="245465" y="123512"/>
+            <a:ext cx="11696700" cy="566181"/>
+          </a:xfrm>
+          <a:prstGeom prst="rect">
+            <a:avLst/>
+          </a:prstGeom>
+        </p:spPr>
+        <p:txBody>
+          <a:bodyPr vert="horz" wrap="square" lIns="0" tIns="12065" rIns="0" bIns="0" rtlCol="0">
+            <a:spAutoFit/>
+          </a:bodyPr>
+          <a:lstStyle/>
+          <a:p>
+            <a:pPr marL="12700">
+              <a:lnSpc>
+                <a:spcPct val="100000"/>
+              </a:lnSpc>
+              <a:spcBef>
+                <a:spcPts val="95"/>
+              </a:spcBef>
+            </a:pPr>
+            <a:r>
+              <a:rPr lang="tr-TR" dirty="0" smtClean="0"/>
+              <a:t> </a:t>
+            </a:r>
+            <a:r>
+              <a:rPr lang="tr-TR" dirty="0" err="1"/>
+              <a:t>BERTopic</a:t>
+            </a:r>
+            <a:r>
+              <a:rPr lang="tr-TR" dirty="0"/>
+              <a:t>: Modüler Konu Modelleme Çerçevesi</a:t>
+            </a:r>
+            <a:endParaRPr dirty="0"/>
+          </a:p>
+        </p:txBody>
+      </p:sp>
+      <p:sp>
+        <p:nvSpPr>
+          <p:cNvPr id="6" name="object 6">
+            <a:extLst>
+              <a:ext uri="{FF2B5EF4-FFF2-40B4-BE49-F238E27FC236}">
+                <a16:creationId xmlns:a16="http://schemas.microsoft.com/office/drawing/2014/main" id="{6B3EEE69-44D1-0AC7-897F-6AA98EA6C688}"/>
+              </a:ext>
+            </a:extLst>
+          </p:cNvPr>
+          <p:cNvSpPr/>
+          <p:nvPr/>
+        </p:nvSpPr>
+        <p:spPr>
+          <a:xfrm>
+            <a:off x="761" y="869441"/>
+            <a:ext cx="12192000" cy="0"/>
+          </a:xfrm>
+          <a:custGeom>
+            <a:avLst/>
+            <a:gdLst/>
+            <a:ahLst/>
+            <a:cxnLst/>
+            <a:rect l="l" t="t" r="r" b="b"/>
+            <a:pathLst>
+              <a:path w="12192000">
+                <a:moveTo>
+                  <a:pt x="0" y="0"/>
+                </a:moveTo>
+                <a:lnTo>
+                  <a:pt x="12192000" y="0"/>
+                </a:lnTo>
+              </a:path>
+            </a:pathLst>
+          </a:custGeom>
+          <a:ln w="25400">
+            <a:solidFill>
+              <a:srgbClr val="FFFFFF"/>
+            </a:solidFill>
+          </a:ln>
+        </p:spPr>
+        <p:txBody>
+          <a:bodyPr wrap="square" lIns="0" tIns="0" rIns="0" bIns="0" rtlCol="0"/>
+          <a:lstStyle/>
+          <a:p>
+            <a:endParaRPr/>
+          </a:p>
+        </p:txBody>
+      </p:sp>
+      <p:pic>
+        <p:nvPicPr>
+          <p:cNvPr id="2" name="Resim 1"/>
+          <p:cNvPicPr>
+            <a:picLocks noChangeAspect="1"/>
+          </p:cNvPicPr>
+          <p:nvPr/>
+        </p:nvPicPr>
+        <p:blipFill>
+          <a:blip r:embed="rId2"/>
+          <a:stretch>
+            <a:fillRect/>
+          </a:stretch>
+        </p:blipFill>
+        <p:spPr>
+          <a:xfrm>
+            <a:off x="838200" y="1049190"/>
+            <a:ext cx="9448800" cy="3973948"/>
+          </a:xfrm>
+          <a:prstGeom prst="rect">
+            <a:avLst/>
+          </a:prstGeom>
+        </p:spPr>
+      </p:pic>
+    </p:spTree>
+    <p:extLst>
+      <p:ext uri="{BB962C8B-B14F-4D97-AF65-F5344CB8AC3E}">
+        <p14:creationId xmlns:p14="http://schemas.microsoft.com/office/powerpoint/2010/main" val="615491829"/>
+      </p:ext>
+    </p:extLst>
+  </p:cSld>
+  <p:clrMapOvr>
+    <a:masterClrMapping/>
+  </p:clrMapOvr>
+</p:sld>
+</file>
+
+<file path=ppt/slides/slide19.xml><?xml version="1.0" encoding="utf-8"?>
+<p:sld xmlns:a="http://schemas.openxmlformats.org/drawingml/2006/main" xmlns:r="http://schemas.openxmlformats.org/officeDocument/2006/relationships" xmlns:p="http://schemas.openxmlformats.org/presentationml/2006/main">
+  <p:cSld>
+    <p:spTree>
+      <p:nvGrpSpPr>
+        <p:cNvPr id="1" name="">
+          <a:extLst>
+            <a:ext uri="{FF2B5EF4-FFF2-40B4-BE49-F238E27FC236}">
+              <a16:creationId xmlns:a16="http://schemas.microsoft.com/office/drawing/2014/main" id="{AB38F33D-2DE5-9F44-2A41-05AD0E046359}"/>
+            </a:ext>
+          </a:extLst>
+        </p:cNvPr>
+        <p:cNvGrpSpPr/>
+        <p:nvPr/>
+      </p:nvGrpSpPr>
+      <p:grpSpPr>
+        <a:xfrm>
+          <a:off x="0" y="0"/>
+          <a:ext cx="0" cy="0"/>
+          <a:chOff x="0" y="0"/>
+          <a:chExt cx="0" cy="0"/>
+        </a:xfrm>
+      </p:grpSpPr>
+      <p:sp>
+        <p:nvSpPr>
+          <p:cNvPr id="3" name="object 3">
+            <a:extLst>
+              <a:ext uri="{FF2B5EF4-FFF2-40B4-BE49-F238E27FC236}">
+                <a16:creationId xmlns:a16="http://schemas.microsoft.com/office/drawing/2014/main" id="{BF5A55FE-7AC1-3F2A-5ED6-2B0C39ECCE83}"/>
+              </a:ext>
+            </a:extLst>
+          </p:cNvPr>
+          <p:cNvSpPr txBox="1">
+            <a:spLocks noGrp="1"/>
+          </p:cNvSpPr>
+          <p:nvPr>
+            <p:ph type="title"/>
+          </p:nvPr>
+        </p:nvSpPr>
+        <p:spPr>
+          <a:xfrm>
+            <a:off x="245465" y="123512"/>
+            <a:ext cx="11696700" cy="566181"/>
+          </a:xfrm>
+          <a:prstGeom prst="rect">
+            <a:avLst/>
+          </a:prstGeom>
+        </p:spPr>
+        <p:txBody>
+          <a:bodyPr vert="horz" wrap="square" lIns="0" tIns="12065" rIns="0" bIns="0" rtlCol="0">
+            <a:spAutoFit/>
+          </a:bodyPr>
+          <a:lstStyle/>
+          <a:p>
+            <a:pPr marL="12700">
+              <a:lnSpc>
+                <a:spcPct val="100000"/>
+              </a:lnSpc>
+              <a:spcBef>
+                <a:spcPts val="95"/>
+              </a:spcBef>
+            </a:pPr>
+            <a:r>
+              <a:rPr lang="tr-TR" dirty="0" smtClean="0"/>
+              <a:t> </a:t>
+            </a:r>
+            <a:r>
+              <a:rPr lang="tr-TR" dirty="0" err="1"/>
+              <a:t>BERTopic</a:t>
+            </a:r>
+            <a:r>
+              <a:rPr lang="tr-TR" dirty="0"/>
+              <a:t>: Modüler Konu Modelleme Çerçevesi</a:t>
+            </a:r>
+            <a:endParaRPr dirty="0"/>
+          </a:p>
+        </p:txBody>
+      </p:sp>
+      <p:sp>
+        <p:nvSpPr>
+          <p:cNvPr id="6" name="object 6">
+            <a:extLst>
+              <a:ext uri="{FF2B5EF4-FFF2-40B4-BE49-F238E27FC236}">
+                <a16:creationId xmlns:a16="http://schemas.microsoft.com/office/drawing/2014/main" id="{6B3EEE69-44D1-0AC7-897F-6AA98EA6C688}"/>
+              </a:ext>
+            </a:extLst>
+          </p:cNvPr>
+          <p:cNvSpPr/>
+          <p:nvPr/>
+        </p:nvSpPr>
+        <p:spPr>
+          <a:xfrm>
+            <a:off x="761" y="869441"/>
+            <a:ext cx="12192000" cy="0"/>
+          </a:xfrm>
+          <a:custGeom>
+            <a:avLst/>
+            <a:gdLst/>
+            <a:ahLst/>
+            <a:cxnLst/>
+            <a:rect l="l" t="t" r="r" b="b"/>
+            <a:pathLst>
+              <a:path w="12192000">
+                <a:moveTo>
+                  <a:pt x="0" y="0"/>
+                </a:moveTo>
+                <a:lnTo>
+                  <a:pt x="12192000" y="0"/>
+                </a:lnTo>
+              </a:path>
+            </a:pathLst>
+          </a:custGeom>
+          <a:ln w="25400">
+            <a:solidFill>
+              <a:srgbClr val="FFFFFF"/>
+            </a:solidFill>
+          </a:ln>
+        </p:spPr>
+        <p:txBody>
+          <a:bodyPr wrap="square" lIns="0" tIns="0" rIns="0" bIns="0" rtlCol="0"/>
+          <a:lstStyle/>
+          <a:p>
+            <a:endParaRPr/>
+          </a:p>
+        </p:txBody>
+      </p:sp>
+      <p:pic>
+        <p:nvPicPr>
+          <p:cNvPr id="4" name="Resim 3"/>
+          <p:cNvPicPr>
+            <a:picLocks noChangeAspect="1"/>
+          </p:cNvPicPr>
+          <p:nvPr/>
+        </p:nvPicPr>
+        <p:blipFill>
+          <a:blip r:embed="rId2"/>
+          <a:stretch>
+            <a:fillRect/>
+          </a:stretch>
+        </p:blipFill>
+        <p:spPr>
+          <a:xfrm>
+            <a:off x="380999" y="1049190"/>
+            <a:ext cx="11093831" cy="4665810"/>
+          </a:xfrm>
+          <a:prstGeom prst="rect">
+            <a:avLst/>
+          </a:prstGeom>
+        </p:spPr>
+      </p:pic>
+      <p:sp>
+        <p:nvSpPr>
+          <p:cNvPr id="5" name="Rectangle 1"/>
+          <p:cNvSpPr>
+            <a:spLocks noChangeArrowheads="1"/>
+          </p:cNvSpPr>
+          <p:nvPr/>
+        </p:nvSpPr>
+        <p:spPr bwMode="auto">
+          <a:xfrm>
+            <a:off x="914400" y="6248400"/>
+            <a:ext cx="12192000" cy="457200"/>
+          </a:xfrm>
+          <a:prstGeom prst="rect">
+            <a:avLst/>
+          </a:prstGeom>
+          <a:noFill/>
+          <a:ln>
+            <a:noFill/>
+          </a:ln>
+          <a:effectLst/>
+          <a:extLst>
+            <a:ext uri="{909E8E84-426E-40DD-AFC4-6F175D3DCCD1}">
+              <a14:hiddenFill xmlns:a14="http://schemas.microsoft.com/office/drawing/2010/main">
+                <a:solidFill>
+                  <a:schemeClr val="accent1"/>
+                </a:solidFill>
+              </a14:hiddenFill>
+            </a:ext>
+            <a:ext uri="{91240B29-F687-4F45-9708-019B960494DF}">
+              <a14:hiddenLine xmlns:a14="http://schemas.microsoft.com/office/drawing/2010/main" w="9525">
+                <a:solidFill>
+                  <a:schemeClr val="tx1"/>
+                </a:solidFill>
+                <a:miter lim="800000"/>
+                <a:headEnd/>
+                <a:tailEnd/>
+              </a14:hiddenLine>
+            </a:ext>
+            <a:ext uri="{AF507438-7753-43E0-B8FC-AC1667EBCBE1}">
+              <a14:hiddenEffects xmlns:a14="http://schemas.microsoft.com/office/drawing/2010/main">
+                <a:effectLst>
+                  <a:outerShdw dist="35921" dir="2700000" algn="ctr" rotWithShape="0">
+                    <a:schemeClr val="bg2"/>
+                  </a:outerShdw>
+                </a:effectLst>
+              </a14:hiddenEffects>
+            </a:ext>
+          </a:extLst>
+        </p:spPr>
+        <p:txBody>
+          <a:bodyPr vert="horz" wrap="none" lIns="91440" tIns="45720" rIns="91440" bIns="45720" numCol="1" anchor="ctr" anchorCtr="0" compatLnSpc="1">
+            <a:prstTxWarp prst="textNoShape">
+              <a:avLst/>
+            </a:prstTxWarp>
+            <a:spAutoFit/>
+          </a:bodyPr>
+          <a:lstStyle/>
+          <a:p>
+            <a:pPr marL="0" marR="0" lvl="0" indent="0" algn="l" defTabSz="914400" rtl="0" eaLnBrk="0" fontAlgn="base" latinLnBrk="0" hangingPunct="0">
+              <a:lnSpc>
+                <a:spcPct val="100000"/>
+              </a:lnSpc>
+              <a:spcBef>
+                <a:spcPct val="0"/>
+              </a:spcBef>
+              <a:spcAft>
+                <a:spcPct val="0"/>
+              </a:spcAft>
+              <a:buClrTx/>
+              <a:buSzTx/>
+              <a:buFontTx/>
+              <a:buNone/>
+              <a:tabLst/>
+            </a:pPr>
+            <a:r>
+              <a:rPr kumimoji="0" lang="tr-TR" altLang="tr-TR" sz="1800" b="0" i="0" u="none" strike="noStrike" cap="none" normalizeH="0" baseline="0" smtClean="0">
+                <a:ln>
+                  <a:noFill/>
+                </a:ln>
+                <a:solidFill>
+                  <a:schemeClr val="tx1"/>
+                </a:solidFill>
+                <a:effectLst/>
+                <a:latin typeface="Arial" panose="020B0604020202020204" pitchFamily="34" charset="0"/>
+              </a:rPr>
+              <a:t>Belge başına değil, küme başına kelime sıklığını sayarak c-TF oluşturma</a:t>
+            </a:r>
+          </a:p>
+          <a:p>
+            <a:pPr marL="0" marR="0" lvl="0" indent="0" algn="l" defTabSz="914400" rtl="0" eaLnBrk="0" fontAlgn="base" latinLnBrk="0" hangingPunct="0">
+              <a:lnSpc>
+                <a:spcPct val="100000"/>
+              </a:lnSpc>
+              <a:spcBef>
+                <a:spcPct val="0"/>
+              </a:spcBef>
+              <a:spcAft>
+                <a:spcPct val="0"/>
+              </a:spcAft>
+              <a:buClrTx/>
+              <a:buSzTx/>
+              <a:buFontTx/>
+              <a:buNone/>
+              <a:tabLst/>
+            </a:pPr>
+            <a:r>
+              <a:rPr kumimoji="0" lang="tr-TR" altLang="tr-TR" sz="1800" b="0" i="0" u="none" strike="noStrike" cap="none" normalizeH="0" baseline="0" smtClean="0">
+                <a:ln>
+                  <a:noFill/>
+                </a:ln>
+                <a:solidFill>
+                  <a:schemeClr val="tx1"/>
+                </a:solidFill>
+                <a:effectLst/>
+                <a:latin typeface="Arial" panose="020B0604020202020204" pitchFamily="34" charset="0"/>
+              </a:rPr>
+              <a:t>.</a:t>
+            </a:r>
+          </a:p>
+        </p:txBody>
+      </p:sp>
+    </p:spTree>
+    <p:extLst>
+      <p:ext uri="{BB962C8B-B14F-4D97-AF65-F5344CB8AC3E}">
+        <p14:creationId xmlns:p14="http://schemas.microsoft.com/office/powerpoint/2010/main" val="2929200342"/>
+      </p:ext>
+    </p:extLst>
+  </p:cSld>
+  <p:clrMapOvr>
+    <a:masterClrMapping/>
+  </p:clrMapOvr>
+</p:sld>
+</file>
+
+<file path=ppt/slides/slide2.xml><?xml version="1.0" encoding="utf-8"?>
+<p:sld xmlns:a="http://schemas.openxmlformats.org/drawingml/2006/main" xmlns:r="http://schemas.openxmlformats.org/officeDocument/2006/relationships" xmlns:p="http://schemas.openxmlformats.org/presentationml/2006/main">
+  <p:cSld>
+    <p:spTree>
+      <p:nvGrpSpPr>
+        <p:cNvPr id="1" name=""/>
+        <p:cNvGrpSpPr/>
+        <p:nvPr/>
+      </p:nvGrpSpPr>
+      <p:grpSpPr>
+        <a:xfrm>
+          <a:off x="0" y="0"/>
+          <a:ext cx="0" cy="0"/>
+          <a:chOff x="0" y="0"/>
+          <a:chExt cx="0" cy="0"/>
+        </a:xfrm>
+      </p:grpSpPr>
+      <p:sp>
+        <p:nvSpPr>
+          <p:cNvPr id="3" name="object 3"/>
+          <p:cNvSpPr txBox="1">
+            <a:spLocks noGrp="1"/>
+          </p:cNvSpPr>
+          <p:nvPr>
+            <p:ph type="title"/>
+          </p:nvPr>
+        </p:nvSpPr>
+        <p:spPr>
+          <a:xfrm>
+            <a:off x="245465" y="123512"/>
+            <a:ext cx="11696700" cy="566181"/>
+          </a:xfrm>
+          <a:prstGeom prst="rect">
+            <a:avLst/>
+          </a:prstGeom>
+        </p:spPr>
+        <p:txBody>
+          <a:bodyPr vert="horz" wrap="square" lIns="0" tIns="12065" rIns="0" bIns="0" rtlCol="0">
+            <a:spAutoFit/>
+          </a:bodyPr>
+          <a:lstStyle/>
+          <a:p>
+            <a:pPr marL="12700">
+              <a:lnSpc>
+                <a:spcPct val="100000"/>
+              </a:lnSpc>
+              <a:spcBef>
+                <a:spcPts val="95"/>
+              </a:spcBef>
+            </a:pPr>
+            <a:r>
+              <a:rPr lang="tr-TR" spc="-5" dirty="0"/>
+              <a:t>Büyük dil modelleri</a:t>
+            </a:r>
+            <a:endParaRPr dirty="0"/>
+          </a:p>
+        </p:txBody>
+      </p:sp>
+      <p:sp>
+        <p:nvSpPr>
+          <p:cNvPr id="4" name="object 4"/>
+          <p:cNvSpPr txBox="1"/>
+          <p:nvPr/>
+        </p:nvSpPr>
+        <p:spPr>
+          <a:xfrm>
+            <a:off x="12010135" y="6495389"/>
+            <a:ext cx="102870" cy="208279"/>
+          </a:xfrm>
+          <a:prstGeom prst="rect">
+            <a:avLst/>
+          </a:prstGeom>
+        </p:spPr>
+        <p:txBody>
+          <a:bodyPr vert="horz" wrap="square" lIns="0" tIns="12700" rIns="0" bIns="0" rtlCol="0">
+            <a:spAutoFit/>
+          </a:bodyPr>
+          <a:lstStyle/>
+          <a:p>
+            <a:pPr marL="12700">
+              <a:lnSpc>
+                <a:spcPct val="100000"/>
+              </a:lnSpc>
+              <a:spcBef>
+                <a:spcPts val="100"/>
+              </a:spcBef>
+            </a:pPr>
+            <a:r>
+              <a:rPr sz="1200" dirty="0">
+                <a:solidFill>
+                  <a:srgbClr val="FFFFFF"/>
+                </a:solidFill>
+                <a:latin typeface="Calibri"/>
+                <a:cs typeface="Calibri"/>
+              </a:rPr>
+              <a:t>3</a:t>
+            </a:r>
+            <a:endParaRPr sz="1200">
+              <a:latin typeface="Calibri"/>
+              <a:cs typeface="Calibri"/>
+            </a:endParaRPr>
+          </a:p>
+        </p:txBody>
+      </p:sp>
+      <p:sp>
+        <p:nvSpPr>
+          <p:cNvPr id="6" name="object 6"/>
+          <p:cNvSpPr/>
+          <p:nvPr/>
+        </p:nvSpPr>
+        <p:spPr>
+          <a:xfrm>
+            <a:off x="761" y="869441"/>
+            <a:ext cx="12192000" cy="0"/>
+          </a:xfrm>
+          <a:custGeom>
+            <a:avLst/>
+            <a:gdLst/>
+            <a:ahLst/>
+            <a:cxnLst/>
+            <a:rect l="l" t="t" r="r" b="b"/>
+            <a:pathLst>
+              <a:path w="12192000">
+                <a:moveTo>
+                  <a:pt x="0" y="0"/>
+                </a:moveTo>
+                <a:lnTo>
+                  <a:pt x="12192000" y="0"/>
+                </a:lnTo>
+              </a:path>
+            </a:pathLst>
+          </a:custGeom>
+          <a:ln w="25400">
+            <a:solidFill>
+              <a:srgbClr val="FFFFFF"/>
+            </a:solidFill>
+          </a:ln>
+        </p:spPr>
+        <p:txBody>
+          <a:bodyPr wrap="square" lIns="0" tIns="0" rIns="0" bIns="0" rtlCol="0"/>
+          <a:lstStyle/>
+          <a:p>
+            <a:endParaRPr/>
+          </a:p>
+        </p:txBody>
+      </p:sp>
+      <p:pic>
+        <p:nvPicPr>
           <p:cNvPr id="5" name="Picture 4">
             <a:extLst>
               <a:ext uri="{FF2B5EF4-FFF2-40B4-BE49-F238E27FC236}">
@@ -6319,6 +9664,1539 @@
         </p:spPr>
       </p:pic>
     </p:spTree>
+  </p:cSld>
+  <p:clrMapOvr>
+    <a:masterClrMapping/>
+  </p:clrMapOvr>
+</p:sld>
+</file>
+
+<file path=ppt/slides/slide20.xml><?xml version="1.0" encoding="utf-8"?>
+<p:sld xmlns:a="http://schemas.openxmlformats.org/drawingml/2006/main" xmlns:r="http://schemas.openxmlformats.org/officeDocument/2006/relationships" xmlns:p="http://schemas.openxmlformats.org/presentationml/2006/main">
+  <p:cSld>
+    <p:spTree>
+      <p:nvGrpSpPr>
+        <p:cNvPr id="1" name="">
+          <a:extLst>
+            <a:ext uri="{FF2B5EF4-FFF2-40B4-BE49-F238E27FC236}">
+              <a16:creationId xmlns:a16="http://schemas.microsoft.com/office/drawing/2014/main" id="{AB38F33D-2DE5-9F44-2A41-05AD0E046359}"/>
+            </a:ext>
+          </a:extLst>
+        </p:cNvPr>
+        <p:cNvGrpSpPr/>
+        <p:nvPr/>
+      </p:nvGrpSpPr>
+      <p:grpSpPr>
+        <a:xfrm>
+          <a:off x="0" y="0"/>
+          <a:ext cx="0" cy="0"/>
+          <a:chOff x="0" y="0"/>
+          <a:chExt cx="0" cy="0"/>
+        </a:xfrm>
+      </p:grpSpPr>
+      <p:sp>
+        <p:nvSpPr>
+          <p:cNvPr id="3" name="object 3">
+            <a:extLst>
+              <a:ext uri="{FF2B5EF4-FFF2-40B4-BE49-F238E27FC236}">
+                <a16:creationId xmlns:a16="http://schemas.microsoft.com/office/drawing/2014/main" id="{BF5A55FE-7AC1-3F2A-5ED6-2B0C39ECCE83}"/>
+              </a:ext>
+            </a:extLst>
+          </p:cNvPr>
+          <p:cNvSpPr txBox="1">
+            <a:spLocks noGrp="1"/>
+          </p:cNvSpPr>
+          <p:nvPr>
+            <p:ph type="title"/>
+          </p:nvPr>
+        </p:nvSpPr>
+        <p:spPr>
+          <a:xfrm>
+            <a:off x="245465" y="123512"/>
+            <a:ext cx="11696700" cy="566181"/>
+          </a:xfrm>
+          <a:prstGeom prst="rect">
+            <a:avLst/>
+          </a:prstGeom>
+        </p:spPr>
+        <p:txBody>
+          <a:bodyPr vert="horz" wrap="square" lIns="0" tIns="12065" rIns="0" bIns="0" rtlCol="0">
+            <a:spAutoFit/>
+          </a:bodyPr>
+          <a:lstStyle/>
+          <a:p>
+            <a:pPr marL="12700">
+              <a:lnSpc>
+                <a:spcPct val="100000"/>
+              </a:lnSpc>
+              <a:spcBef>
+                <a:spcPts val="95"/>
+              </a:spcBef>
+            </a:pPr>
+            <a:r>
+              <a:rPr lang="tr-TR" dirty="0" smtClean="0"/>
+              <a:t> </a:t>
+            </a:r>
+            <a:r>
+              <a:rPr lang="tr-TR" dirty="0" err="1"/>
+              <a:t>BERTopic</a:t>
+            </a:r>
+            <a:r>
+              <a:rPr lang="tr-TR" dirty="0"/>
+              <a:t>: Modüler Konu Modelleme Çerçevesi</a:t>
+            </a:r>
+            <a:endParaRPr dirty="0"/>
+          </a:p>
+        </p:txBody>
+      </p:sp>
+      <p:sp>
+        <p:nvSpPr>
+          <p:cNvPr id="6" name="object 6">
+            <a:extLst>
+              <a:ext uri="{FF2B5EF4-FFF2-40B4-BE49-F238E27FC236}">
+                <a16:creationId xmlns:a16="http://schemas.microsoft.com/office/drawing/2014/main" id="{6B3EEE69-44D1-0AC7-897F-6AA98EA6C688}"/>
+              </a:ext>
+            </a:extLst>
+          </p:cNvPr>
+          <p:cNvSpPr/>
+          <p:nvPr/>
+        </p:nvSpPr>
+        <p:spPr>
+          <a:xfrm>
+            <a:off x="761" y="869441"/>
+            <a:ext cx="12192000" cy="0"/>
+          </a:xfrm>
+          <a:custGeom>
+            <a:avLst/>
+            <a:gdLst/>
+            <a:ahLst/>
+            <a:cxnLst/>
+            <a:rect l="l" t="t" r="r" b="b"/>
+            <a:pathLst>
+              <a:path w="12192000">
+                <a:moveTo>
+                  <a:pt x="0" y="0"/>
+                </a:moveTo>
+                <a:lnTo>
+                  <a:pt x="12192000" y="0"/>
+                </a:lnTo>
+              </a:path>
+            </a:pathLst>
+          </a:custGeom>
+          <a:ln w="25400">
+            <a:solidFill>
+              <a:srgbClr val="FFFFFF"/>
+            </a:solidFill>
+          </a:ln>
+        </p:spPr>
+        <p:txBody>
+          <a:bodyPr wrap="square" lIns="0" tIns="0" rIns="0" bIns="0" rtlCol="0"/>
+          <a:lstStyle/>
+          <a:p>
+            <a:endParaRPr/>
+          </a:p>
+        </p:txBody>
+      </p:sp>
+      <p:pic>
+        <p:nvPicPr>
+          <p:cNvPr id="2" name="Resim 1"/>
+          <p:cNvPicPr>
+            <a:picLocks noChangeAspect="1"/>
+          </p:cNvPicPr>
+          <p:nvPr/>
+        </p:nvPicPr>
+        <p:blipFill>
+          <a:blip r:embed="rId3"/>
+          <a:stretch>
+            <a:fillRect/>
+          </a:stretch>
+        </p:blipFill>
+        <p:spPr>
+          <a:xfrm>
+            <a:off x="2514600" y="869441"/>
+            <a:ext cx="6172200" cy="3293595"/>
+          </a:xfrm>
+          <a:prstGeom prst="rect">
+            <a:avLst/>
+          </a:prstGeom>
+        </p:spPr>
+      </p:pic>
+      <p:sp>
+        <p:nvSpPr>
+          <p:cNvPr id="7" name="Rectangle 1"/>
+          <p:cNvSpPr>
+            <a:spLocks noChangeArrowheads="1"/>
+          </p:cNvSpPr>
+          <p:nvPr/>
+        </p:nvSpPr>
+        <p:spPr bwMode="auto">
+          <a:xfrm>
+            <a:off x="457200" y="4724400"/>
+            <a:ext cx="10972039" cy="1477328"/>
+          </a:xfrm>
+          <a:prstGeom prst="rect">
+            <a:avLst/>
+          </a:prstGeom>
+          <a:noFill/>
+          <a:ln>
+            <a:noFill/>
+          </a:ln>
+          <a:effectLst/>
+          <a:extLst>
+            <a:ext uri="{909E8E84-426E-40DD-AFC4-6F175D3DCCD1}">
+              <a14:hiddenFill xmlns:a14="http://schemas.microsoft.com/office/drawing/2010/main">
+                <a:solidFill>
+                  <a:schemeClr val="accent1"/>
+                </a:solidFill>
+              </a14:hiddenFill>
+            </a:ext>
+            <a:ext uri="{91240B29-F687-4F45-9708-019B960494DF}">
+              <a14:hiddenLine xmlns:a14="http://schemas.microsoft.com/office/drawing/2010/main" w="9525">
+                <a:solidFill>
+                  <a:schemeClr val="tx1"/>
+                </a:solidFill>
+                <a:miter lim="800000"/>
+                <a:headEnd/>
+                <a:tailEnd/>
+              </a14:hiddenLine>
+            </a:ext>
+            <a:ext uri="{AF507438-7753-43E0-B8FC-AC1667EBCBE1}">
+              <a14:hiddenEffects xmlns:a14="http://schemas.microsoft.com/office/drawing/2010/main">
+                <a:effectLst>
+                  <a:outerShdw dist="35921" dir="2700000" algn="ctr" rotWithShape="0">
+                    <a:schemeClr val="bg2"/>
+                  </a:outerShdw>
+                </a:effectLst>
+              </a14:hiddenEffects>
+            </a:ext>
+          </a:extLst>
+        </p:spPr>
+        <p:txBody>
+          <a:bodyPr vert="horz" wrap="square" lIns="91440" tIns="45720" rIns="91440" bIns="45720" numCol="1" anchor="ctr" anchorCtr="0" compatLnSpc="1">
+            <a:prstTxWarp prst="textNoShape">
+              <a:avLst/>
+            </a:prstTxWarp>
+            <a:spAutoFit/>
+          </a:bodyPr>
+          <a:lstStyle/>
+          <a:p>
+            <a:pPr lvl="0" defTabSz="914400" eaLnBrk="0" fontAlgn="base" hangingPunct="0">
+              <a:spcBef>
+                <a:spcPct val="0"/>
+              </a:spcBef>
+              <a:spcAft>
+                <a:spcPct val="0"/>
+              </a:spcAft>
+            </a:pPr>
+            <a:r>
+              <a:rPr lang="tr-TR" b="1" dirty="0"/>
+              <a:t>A</a:t>
+            </a:r>
+            <a:r>
+              <a:rPr lang="tr-TR" dirty="0"/>
+              <a:t>, c-TF-</a:t>
+            </a:r>
+            <a:r>
+              <a:rPr lang="tr-TR" dirty="0" err="1"/>
+              <a:t>IDF’de</a:t>
+            </a:r>
+            <a:r>
+              <a:rPr lang="tr-TR" dirty="0"/>
+              <a:t> “</a:t>
+            </a:r>
+            <a:r>
+              <a:rPr lang="tr-TR" b="1" dirty="0"/>
+              <a:t>sınıf-belgesi</a:t>
+            </a:r>
+            <a:r>
+              <a:rPr lang="tr-TR" dirty="0"/>
+              <a:t>” (her kümenin tüm metinlerinin birleştirilmiş hali) başına </a:t>
+            </a:r>
+            <a:r>
+              <a:rPr lang="tr-TR" b="1" dirty="0"/>
+              <a:t>ortalama kelime sayısıdır</a:t>
+            </a:r>
+            <a:r>
+              <a:rPr kumimoji="0" lang="tr-TR" altLang="tr-TR" sz="1800" b="0" i="0" u="none" strike="noStrike" cap="none" normalizeH="0" baseline="0" dirty="0" smtClean="0">
+                <a:ln>
+                  <a:noFill/>
+                </a:ln>
+                <a:solidFill>
+                  <a:schemeClr val="tx1"/>
+                </a:solidFill>
+                <a:effectLst/>
+                <a:latin typeface="Arial" panose="020B0604020202020204" pitchFamily="34" charset="0"/>
+              </a:rPr>
+              <a:t/>
+            </a:r>
+            <a:br>
+              <a:rPr kumimoji="0" lang="tr-TR" altLang="tr-TR" sz="1800" b="0" i="0" u="none" strike="noStrike" cap="none" normalizeH="0" baseline="0" dirty="0" smtClean="0">
+                <a:ln>
+                  <a:noFill/>
+                </a:ln>
+                <a:solidFill>
+                  <a:schemeClr val="tx1"/>
+                </a:solidFill>
+                <a:effectLst/>
+                <a:latin typeface="Arial" panose="020B0604020202020204" pitchFamily="34" charset="0"/>
+              </a:rPr>
+            </a:br>
+            <a:r>
+              <a:rPr kumimoji="0" lang="tr-TR" altLang="tr-TR" sz="1800" b="0" i="0" u="none" strike="noStrike" cap="none" normalizeH="0" baseline="0" dirty="0" smtClean="0">
+                <a:ln>
+                  <a:noFill/>
+                </a:ln>
+                <a:solidFill>
+                  <a:schemeClr val="tx1"/>
+                </a:solidFill>
+                <a:effectLst/>
+                <a:latin typeface="Arial" panose="020B0604020202020204" pitchFamily="34" charset="0"/>
+              </a:rPr>
+              <a:t>Kelime torbasındaki her kelime, c-TF-</a:t>
+            </a:r>
+            <a:r>
+              <a:rPr kumimoji="0" lang="tr-TR" altLang="tr-TR" sz="1800" b="0" i="0" u="none" strike="noStrike" cap="none" normalizeH="0" baseline="0" dirty="0" err="1" smtClean="0">
+                <a:ln>
+                  <a:noFill/>
+                </a:ln>
+                <a:solidFill>
+                  <a:schemeClr val="tx1"/>
+                </a:solidFill>
+                <a:effectLst/>
+                <a:latin typeface="Arial" panose="020B0604020202020204" pitchFamily="34" charset="0"/>
+              </a:rPr>
+              <a:t>IDF'deki</a:t>
+            </a:r>
+            <a:r>
+              <a:rPr kumimoji="0" lang="tr-TR" altLang="tr-TR" sz="1800" b="0" i="0" u="none" strike="noStrike" cap="none" normalizeH="0" baseline="0" dirty="0" smtClean="0">
+                <a:ln>
+                  <a:noFill/>
+                </a:ln>
+                <a:solidFill>
+                  <a:schemeClr val="tx1"/>
+                </a:solidFill>
+                <a:effectLst/>
+                <a:latin typeface="Arial" panose="020B0604020202020204" pitchFamily="34" charset="0"/>
+              </a:rPr>
+              <a:t> c-TF, her kelimenin IDF değeri ile çarpılır. IDF değeri,</a:t>
+            </a:r>
+          </a:p>
+          <a:p>
+            <a:pPr marL="0" marR="0" lvl="0" indent="0" algn="l" defTabSz="914400" rtl="0" eaLnBrk="0" fontAlgn="base" latinLnBrk="0" hangingPunct="0">
+              <a:lnSpc>
+                <a:spcPct val="100000"/>
+              </a:lnSpc>
+              <a:spcBef>
+                <a:spcPct val="0"/>
+              </a:spcBef>
+              <a:spcAft>
+                <a:spcPct val="0"/>
+              </a:spcAft>
+              <a:buClrTx/>
+              <a:buSzTx/>
+              <a:buFontTx/>
+              <a:buNone/>
+              <a:tabLst/>
+            </a:pPr>
+            <a:r>
+              <a:rPr kumimoji="0" lang="tr-TR" altLang="tr-TR" sz="1800" b="0" i="0" u="none" strike="noStrike" cap="none" normalizeH="0" baseline="0" dirty="0" smtClean="0">
+                <a:ln>
+                  <a:noFill/>
+                </a:ln>
+                <a:solidFill>
+                  <a:schemeClr val="tx1"/>
+                </a:solidFill>
+                <a:effectLst/>
+                <a:latin typeface="Arial" panose="020B0604020202020204" pitchFamily="34" charset="0"/>
+              </a:rPr>
+              <a:t>tüm kümelerdeki tüm kelimelerin ortalama sıklığının logaritması, her kelimenin toplam sıklığına bölünerek hesaplanır.</a:t>
+            </a:r>
+          </a:p>
+        </p:txBody>
+      </p:sp>
+    </p:spTree>
+    <p:extLst>
+      <p:ext uri="{BB962C8B-B14F-4D97-AF65-F5344CB8AC3E}">
+        <p14:creationId xmlns:p14="http://schemas.microsoft.com/office/powerpoint/2010/main" val="880399259"/>
+      </p:ext>
+    </p:extLst>
+  </p:cSld>
+  <p:clrMapOvr>
+    <a:masterClrMapping/>
+  </p:clrMapOvr>
+</p:sld>
+</file>
+
+<file path=ppt/slides/slide21.xml><?xml version="1.0" encoding="utf-8"?>
+<p:sld xmlns:a="http://schemas.openxmlformats.org/drawingml/2006/main" xmlns:r="http://schemas.openxmlformats.org/officeDocument/2006/relationships" xmlns:p="http://schemas.openxmlformats.org/presentationml/2006/main">
+  <p:cSld>
+    <p:spTree>
+      <p:nvGrpSpPr>
+        <p:cNvPr id="1" name="">
+          <a:extLst>
+            <a:ext uri="{FF2B5EF4-FFF2-40B4-BE49-F238E27FC236}">
+              <a16:creationId xmlns:a16="http://schemas.microsoft.com/office/drawing/2014/main" id="{AB38F33D-2DE5-9F44-2A41-05AD0E046359}"/>
+            </a:ext>
+          </a:extLst>
+        </p:cNvPr>
+        <p:cNvGrpSpPr/>
+        <p:nvPr/>
+      </p:nvGrpSpPr>
+      <p:grpSpPr>
+        <a:xfrm>
+          <a:off x="0" y="0"/>
+          <a:ext cx="0" cy="0"/>
+          <a:chOff x="0" y="0"/>
+          <a:chExt cx="0" cy="0"/>
+        </a:xfrm>
+      </p:grpSpPr>
+      <p:sp>
+        <p:nvSpPr>
+          <p:cNvPr id="3" name="object 3">
+            <a:extLst>
+              <a:ext uri="{FF2B5EF4-FFF2-40B4-BE49-F238E27FC236}">
+                <a16:creationId xmlns:a16="http://schemas.microsoft.com/office/drawing/2014/main" id="{BF5A55FE-7AC1-3F2A-5ED6-2B0C39ECCE83}"/>
+              </a:ext>
+            </a:extLst>
+          </p:cNvPr>
+          <p:cNvSpPr txBox="1">
+            <a:spLocks noGrp="1"/>
+          </p:cNvSpPr>
+          <p:nvPr>
+            <p:ph type="title"/>
+          </p:nvPr>
+        </p:nvSpPr>
+        <p:spPr>
+          <a:xfrm>
+            <a:off x="245465" y="123512"/>
+            <a:ext cx="11696700" cy="566181"/>
+          </a:xfrm>
+          <a:prstGeom prst="rect">
+            <a:avLst/>
+          </a:prstGeom>
+        </p:spPr>
+        <p:txBody>
+          <a:bodyPr vert="horz" wrap="square" lIns="0" tIns="12065" rIns="0" bIns="0" rtlCol="0">
+            <a:spAutoFit/>
+          </a:bodyPr>
+          <a:lstStyle/>
+          <a:p>
+            <a:pPr marL="12700">
+              <a:lnSpc>
+                <a:spcPct val="100000"/>
+              </a:lnSpc>
+              <a:spcBef>
+                <a:spcPts val="95"/>
+              </a:spcBef>
+            </a:pPr>
+            <a:r>
+              <a:rPr lang="tr-TR" dirty="0" smtClean="0"/>
+              <a:t> </a:t>
+            </a:r>
+            <a:r>
+              <a:rPr lang="tr-TR" dirty="0" err="1"/>
+              <a:t>BERTopic</a:t>
+            </a:r>
+            <a:r>
+              <a:rPr lang="tr-TR" dirty="0"/>
+              <a:t>: Modüler Konu Modelleme Çerçevesi</a:t>
+            </a:r>
+            <a:endParaRPr dirty="0"/>
+          </a:p>
+        </p:txBody>
+      </p:sp>
+      <p:sp>
+        <p:nvSpPr>
+          <p:cNvPr id="6" name="object 6">
+            <a:extLst>
+              <a:ext uri="{FF2B5EF4-FFF2-40B4-BE49-F238E27FC236}">
+                <a16:creationId xmlns:a16="http://schemas.microsoft.com/office/drawing/2014/main" id="{6B3EEE69-44D1-0AC7-897F-6AA98EA6C688}"/>
+              </a:ext>
+            </a:extLst>
+          </p:cNvPr>
+          <p:cNvSpPr/>
+          <p:nvPr/>
+        </p:nvSpPr>
+        <p:spPr>
+          <a:xfrm>
+            <a:off x="761" y="869441"/>
+            <a:ext cx="12192000" cy="0"/>
+          </a:xfrm>
+          <a:custGeom>
+            <a:avLst/>
+            <a:gdLst/>
+            <a:ahLst/>
+            <a:cxnLst/>
+            <a:rect l="l" t="t" r="r" b="b"/>
+            <a:pathLst>
+              <a:path w="12192000">
+                <a:moveTo>
+                  <a:pt x="0" y="0"/>
+                </a:moveTo>
+                <a:lnTo>
+                  <a:pt x="12192000" y="0"/>
+                </a:lnTo>
+              </a:path>
+            </a:pathLst>
+          </a:custGeom>
+          <a:ln w="25400">
+            <a:solidFill>
+              <a:srgbClr val="FFFFFF"/>
+            </a:solidFill>
+          </a:ln>
+        </p:spPr>
+        <p:txBody>
+          <a:bodyPr wrap="square" lIns="0" tIns="0" rIns="0" bIns="0" rtlCol="0"/>
+          <a:lstStyle/>
+          <a:p>
+            <a:endParaRPr/>
+          </a:p>
+        </p:txBody>
+      </p:sp>
+      <p:pic>
+        <p:nvPicPr>
+          <p:cNvPr id="4" name="Resim 3"/>
+          <p:cNvPicPr>
+            <a:picLocks noChangeAspect="1"/>
+          </p:cNvPicPr>
+          <p:nvPr/>
+        </p:nvPicPr>
+        <p:blipFill>
+          <a:blip r:embed="rId3"/>
+          <a:stretch>
+            <a:fillRect/>
+          </a:stretch>
+        </p:blipFill>
+        <p:spPr>
+          <a:xfrm>
+            <a:off x="2245715" y="1049190"/>
+            <a:ext cx="7696200" cy="4580202"/>
+          </a:xfrm>
+          <a:prstGeom prst="rect">
+            <a:avLst/>
+          </a:prstGeom>
+        </p:spPr>
+      </p:pic>
+      <p:sp>
+        <p:nvSpPr>
+          <p:cNvPr id="5" name="Rectangle 1"/>
+          <p:cNvSpPr>
+            <a:spLocks noChangeArrowheads="1"/>
+          </p:cNvSpPr>
+          <p:nvPr/>
+        </p:nvSpPr>
+        <p:spPr bwMode="auto">
+          <a:xfrm>
+            <a:off x="761" y="5724436"/>
+            <a:ext cx="11810239" cy="1200329"/>
+          </a:xfrm>
+          <a:prstGeom prst="rect">
+            <a:avLst/>
+          </a:prstGeom>
+          <a:noFill/>
+          <a:ln>
+            <a:noFill/>
+          </a:ln>
+          <a:effectLst/>
+          <a:extLst>
+            <a:ext uri="{909E8E84-426E-40DD-AFC4-6F175D3DCCD1}">
+              <a14:hiddenFill xmlns:a14="http://schemas.microsoft.com/office/drawing/2010/main">
+                <a:solidFill>
+                  <a:schemeClr val="accent1"/>
+                </a:solidFill>
+              </a14:hiddenFill>
+            </a:ext>
+            <a:ext uri="{91240B29-F687-4F45-9708-019B960494DF}">
+              <a14:hiddenLine xmlns:a14="http://schemas.microsoft.com/office/drawing/2010/main" w="9525">
+                <a:solidFill>
+                  <a:schemeClr val="tx1"/>
+                </a:solidFill>
+                <a:miter lim="800000"/>
+                <a:headEnd/>
+                <a:tailEnd/>
+              </a14:hiddenLine>
+            </a:ext>
+            <a:ext uri="{AF507438-7753-43E0-B8FC-AC1667EBCBE1}">
+              <a14:hiddenEffects xmlns:a14="http://schemas.microsoft.com/office/drawing/2010/main">
+                <a:effectLst>
+                  <a:outerShdw dist="35921" dir="2700000" algn="ctr" rotWithShape="0">
+                    <a:schemeClr val="bg2"/>
+                  </a:outerShdw>
+                </a:effectLst>
+              </a14:hiddenEffects>
+            </a:ext>
+          </a:extLst>
+        </p:spPr>
+        <p:txBody>
+          <a:bodyPr vert="horz" wrap="square" lIns="91440" tIns="45720" rIns="91440" bIns="45720" numCol="1" anchor="ctr" anchorCtr="0" compatLnSpc="1">
+            <a:prstTxWarp prst="textNoShape">
+              <a:avLst/>
+            </a:prstTxWarp>
+            <a:spAutoFit/>
+          </a:bodyPr>
+          <a:lstStyle/>
+          <a:p>
+            <a:pPr marL="0" marR="0" lvl="0" indent="0" algn="l" defTabSz="914400" rtl="0" eaLnBrk="0" fontAlgn="base" latinLnBrk="0" hangingPunct="0">
+              <a:lnSpc>
+                <a:spcPct val="100000"/>
+              </a:lnSpc>
+              <a:spcBef>
+                <a:spcPct val="0"/>
+              </a:spcBef>
+              <a:spcAft>
+                <a:spcPct val="0"/>
+              </a:spcAft>
+              <a:buClrTx/>
+              <a:buSzTx/>
+              <a:buFontTx/>
+              <a:buNone/>
+              <a:tabLst/>
+            </a:pPr>
+            <a:r>
+              <a:rPr kumimoji="0" lang="tr-TR" altLang="tr-TR" sz="1800" b="0" i="0" u="none" strike="noStrike" cap="none" normalizeH="0" baseline="0" dirty="0" err="1" smtClean="0">
+                <a:ln>
+                  <a:noFill/>
+                </a:ln>
+                <a:solidFill>
+                  <a:schemeClr val="tx1"/>
+                </a:solidFill>
+                <a:effectLst/>
+                <a:latin typeface="Arial" panose="020B0604020202020204" pitchFamily="34" charset="0"/>
+              </a:rPr>
+              <a:t>BERTopic'in</a:t>
+            </a:r>
+            <a:r>
+              <a:rPr kumimoji="0" lang="tr-TR" altLang="tr-TR" sz="1800" b="0" i="0" u="none" strike="noStrike" cap="none" normalizeH="0" baseline="0" dirty="0" smtClean="0">
+                <a:ln>
+                  <a:noFill/>
+                </a:ln>
+                <a:solidFill>
+                  <a:schemeClr val="tx1"/>
+                </a:solidFill>
+                <a:effectLst/>
+                <a:latin typeface="Arial" panose="020B0604020202020204" pitchFamily="34" charset="0"/>
+              </a:rPr>
+              <a:t> iş akışının ikinci kısmı konuları temsil etmektedir: bir sınıf *c* içindeki *x* teriminin ağırlığının hesaplanması.</a:t>
+            </a:r>
+          </a:p>
+          <a:p>
+            <a:pPr marL="0" marR="0" lvl="0" indent="0" algn="l" defTabSz="914400" rtl="0" eaLnBrk="0" fontAlgn="base" latinLnBrk="0" hangingPunct="0">
+              <a:lnSpc>
+                <a:spcPct val="100000"/>
+              </a:lnSpc>
+              <a:spcBef>
+                <a:spcPct val="0"/>
+              </a:spcBef>
+              <a:spcAft>
+                <a:spcPct val="0"/>
+              </a:spcAft>
+              <a:buClrTx/>
+              <a:buSzTx/>
+              <a:buFontTx/>
+              <a:buNone/>
+              <a:tabLst/>
+            </a:pPr>
+            <a:r>
+              <a:rPr kumimoji="0" lang="tr-TR" altLang="tr-TR" sz="1800" b="0" i="0" u="none" strike="noStrike" cap="none" normalizeH="0" baseline="0" dirty="0" smtClean="0">
+                <a:ln>
+                  <a:noFill/>
+                </a:ln>
+                <a:solidFill>
+                  <a:schemeClr val="tx1"/>
+                </a:solidFill>
+                <a:effectLst/>
+                <a:latin typeface="Arial" panose="020B0604020202020204" pitchFamily="34" charset="0"/>
+              </a:rPr>
+              <a:t>*x* teriminin ağırlığı, *x* teriminin sınıf *c* içindeki ağırlıklarının toplamının, sınıf *c* içindeki tüm terimlerin ağırlıklarının</a:t>
+            </a:r>
+          </a:p>
+        </p:txBody>
+      </p:sp>
+    </p:spTree>
+    <p:extLst>
+      <p:ext uri="{BB962C8B-B14F-4D97-AF65-F5344CB8AC3E}">
+        <p14:creationId xmlns:p14="http://schemas.microsoft.com/office/powerpoint/2010/main" val="1889016245"/>
+      </p:ext>
+    </p:extLst>
+  </p:cSld>
+  <p:clrMapOvr>
+    <a:masterClrMapping/>
+  </p:clrMapOvr>
+</p:sld>
+</file>
+
+<file path=ppt/slides/slide22.xml><?xml version="1.0" encoding="utf-8"?>
+<p:sld xmlns:a="http://schemas.openxmlformats.org/drawingml/2006/main" xmlns:r="http://schemas.openxmlformats.org/officeDocument/2006/relationships" xmlns:p="http://schemas.openxmlformats.org/presentationml/2006/main">
+  <p:cSld>
+    <p:spTree>
+      <p:nvGrpSpPr>
+        <p:cNvPr id="1" name="">
+          <a:extLst>
+            <a:ext uri="{FF2B5EF4-FFF2-40B4-BE49-F238E27FC236}">
+              <a16:creationId xmlns:a16="http://schemas.microsoft.com/office/drawing/2014/main" id="{AB38F33D-2DE5-9F44-2A41-05AD0E046359}"/>
+            </a:ext>
+          </a:extLst>
+        </p:cNvPr>
+        <p:cNvGrpSpPr/>
+        <p:nvPr/>
+      </p:nvGrpSpPr>
+      <p:grpSpPr>
+        <a:xfrm>
+          <a:off x="0" y="0"/>
+          <a:ext cx="0" cy="0"/>
+          <a:chOff x="0" y="0"/>
+          <a:chExt cx="0" cy="0"/>
+        </a:xfrm>
+      </p:grpSpPr>
+      <p:sp>
+        <p:nvSpPr>
+          <p:cNvPr id="3" name="object 3">
+            <a:extLst>
+              <a:ext uri="{FF2B5EF4-FFF2-40B4-BE49-F238E27FC236}">
+                <a16:creationId xmlns:a16="http://schemas.microsoft.com/office/drawing/2014/main" id="{BF5A55FE-7AC1-3F2A-5ED6-2B0C39ECCE83}"/>
+              </a:ext>
+            </a:extLst>
+          </p:cNvPr>
+          <p:cNvSpPr txBox="1">
+            <a:spLocks noGrp="1"/>
+          </p:cNvSpPr>
+          <p:nvPr>
+            <p:ph type="title"/>
+          </p:nvPr>
+        </p:nvSpPr>
+        <p:spPr>
+          <a:xfrm>
+            <a:off x="245465" y="123512"/>
+            <a:ext cx="11696700" cy="566181"/>
+          </a:xfrm>
+          <a:prstGeom prst="rect">
+            <a:avLst/>
+          </a:prstGeom>
+        </p:spPr>
+        <p:txBody>
+          <a:bodyPr vert="horz" wrap="square" lIns="0" tIns="12065" rIns="0" bIns="0" rtlCol="0">
+            <a:spAutoFit/>
+          </a:bodyPr>
+          <a:lstStyle/>
+          <a:p>
+            <a:pPr marL="12700">
+              <a:lnSpc>
+                <a:spcPct val="100000"/>
+              </a:lnSpc>
+              <a:spcBef>
+                <a:spcPts val="95"/>
+              </a:spcBef>
+            </a:pPr>
+            <a:r>
+              <a:rPr lang="tr-TR" dirty="0" smtClean="0"/>
+              <a:t> </a:t>
+            </a:r>
+            <a:r>
+              <a:rPr lang="tr-TR" dirty="0" err="1"/>
+              <a:t>BERTopic</a:t>
+            </a:r>
+            <a:r>
+              <a:rPr lang="tr-TR" dirty="0"/>
+              <a:t>: Modüler Konu Modelleme Çerçevesi</a:t>
+            </a:r>
+            <a:endParaRPr dirty="0"/>
+          </a:p>
+        </p:txBody>
+      </p:sp>
+      <p:sp>
+        <p:nvSpPr>
+          <p:cNvPr id="6" name="object 6">
+            <a:extLst>
+              <a:ext uri="{FF2B5EF4-FFF2-40B4-BE49-F238E27FC236}">
+                <a16:creationId xmlns:a16="http://schemas.microsoft.com/office/drawing/2014/main" id="{6B3EEE69-44D1-0AC7-897F-6AA98EA6C688}"/>
+              </a:ext>
+            </a:extLst>
+          </p:cNvPr>
+          <p:cNvSpPr/>
+          <p:nvPr/>
+        </p:nvSpPr>
+        <p:spPr>
+          <a:xfrm>
+            <a:off x="761" y="869441"/>
+            <a:ext cx="12192000" cy="0"/>
+          </a:xfrm>
+          <a:custGeom>
+            <a:avLst/>
+            <a:gdLst/>
+            <a:ahLst/>
+            <a:cxnLst/>
+            <a:rect l="l" t="t" r="r" b="b"/>
+            <a:pathLst>
+              <a:path w="12192000">
+                <a:moveTo>
+                  <a:pt x="0" y="0"/>
+                </a:moveTo>
+                <a:lnTo>
+                  <a:pt x="12192000" y="0"/>
+                </a:lnTo>
+              </a:path>
+            </a:pathLst>
+          </a:custGeom>
+          <a:ln w="25400">
+            <a:solidFill>
+              <a:srgbClr val="FFFFFF"/>
+            </a:solidFill>
+          </a:ln>
+        </p:spPr>
+        <p:txBody>
+          <a:bodyPr wrap="square" lIns="0" tIns="0" rIns="0" bIns="0" rtlCol="0"/>
+          <a:lstStyle/>
+          <a:p>
+            <a:endParaRPr/>
+          </a:p>
+        </p:txBody>
+      </p:sp>
+      <p:pic>
+        <p:nvPicPr>
+          <p:cNvPr id="2" name="Resim 1"/>
+          <p:cNvPicPr>
+            <a:picLocks noChangeAspect="1"/>
+          </p:cNvPicPr>
+          <p:nvPr/>
+        </p:nvPicPr>
+        <p:blipFill>
+          <a:blip r:embed="rId3"/>
+          <a:stretch>
+            <a:fillRect/>
+          </a:stretch>
+        </p:blipFill>
+        <p:spPr>
+          <a:xfrm>
+            <a:off x="230851" y="1049190"/>
+            <a:ext cx="11658600" cy="1763651"/>
+          </a:xfrm>
+          <a:prstGeom prst="rect">
+            <a:avLst/>
+          </a:prstGeom>
+        </p:spPr>
+      </p:pic>
+      <p:sp>
+        <p:nvSpPr>
+          <p:cNvPr id="7" name="Dikdörtgen 6"/>
+          <p:cNvSpPr/>
+          <p:nvPr/>
+        </p:nvSpPr>
+        <p:spPr>
+          <a:xfrm>
+            <a:off x="152400" y="2992589"/>
+            <a:ext cx="5943600" cy="2369880"/>
+          </a:xfrm>
+          <a:prstGeom prst="rect">
+            <a:avLst/>
+          </a:prstGeom>
+        </p:spPr>
+        <p:txBody>
+          <a:bodyPr wrap="square">
+            <a:spAutoFit/>
+          </a:bodyPr>
+          <a:lstStyle/>
+          <a:p>
+            <a:r>
+              <a:rPr lang="tr-TR" sz="1600" b="1" dirty="0"/>
+              <a:t>Clustering (Kümeleme) Bölümü:</a:t>
+            </a:r>
+          </a:p>
+          <a:p>
+            <a:r>
+              <a:rPr lang="tr-TR" sz="1600" b="1" dirty="0"/>
+              <a:t>1. SBERT (</a:t>
+            </a:r>
+            <a:r>
+              <a:rPr lang="tr-TR" sz="1600" b="1" dirty="0" err="1"/>
+              <a:t>Sentence</a:t>
+            </a:r>
+            <a:r>
+              <a:rPr lang="tr-TR" sz="1600" b="1" dirty="0"/>
+              <a:t>-BERT)</a:t>
+            </a:r>
+            <a:endParaRPr lang="tr-TR" sz="1600" dirty="0"/>
+          </a:p>
+          <a:p>
+            <a:pPr>
+              <a:buFont typeface="Arial" panose="020B0604020202020204" pitchFamily="34" charset="0"/>
+              <a:buChar char="•"/>
+            </a:pPr>
+            <a:r>
+              <a:rPr lang="tr-TR" sz="1600" dirty="0"/>
+              <a:t>Cümleleri anlamsal vektörlere dönüştüren bir modeldir</a:t>
+            </a:r>
+          </a:p>
+          <a:p>
+            <a:pPr>
+              <a:buFont typeface="Arial" panose="020B0604020202020204" pitchFamily="34" charset="0"/>
+              <a:buChar char="•"/>
+            </a:pPr>
+            <a:r>
+              <a:rPr lang="tr-TR" sz="1600" dirty="0" err="1"/>
+              <a:t>BERT'in</a:t>
+            </a:r>
+            <a:r>
+              <a:rPr lang="tr-TR" sz="1600" dirty="0"/>
+              <a:t> geliştirilmiş versiyonudur ve cümle benzerliklerini hesaplamak için optimize edilmiştir</a:t>
+            </a:r>
+          </a:p>
+          <a:p>
+            <a:pPr>
+              <a:buFont typeface="Arial" panose="020B0604020202020204" pitchFamily="34" charset="0"/>
+              <a:buChar char="•"/>
+            </a:pPr>
+            <a:r>
+              <a:rPr lang="tr-TR" sz="1600" dirty="0"/>
+              <a:t>Her belge/cümle için yoğun vektör temsilleri (</a:t>
+            </a:r>
+            <a:r>
+              <a:rPr lang="tr-TR" sz="1600" dirty="0" err="1"/>
+              <a:t>embeddings</a:t>
+            </a:r>
+            <a:r>
+              <a:rPr lang="tr-TR" sz="1600" dirty="0"/>
+              <a:t>) oluşturur</a:t>
+            </a:r>
+          </a:p>
+          <a:p>
+            <a:pPr>
+              <a:buFont typeface="Arial" panose="020B0604020202020204" pitchFamily="34" charset="0"/>
+              <a:buChar char="•"/>
+            </a:pPr>
+            <a:r>
+              <a:rPr lang="tr-TR" sz="1600" dirty="0"/>
+              <a:t>Örnek: "Kedi miyavladı" ve "Kedi ses çıkardı" cümleleri benzer vektörler alır</a:t>
+            </a:r>
+          </a:p>
+        </p:txBody>
+      </p:sp>
+      <p:sp>
+        <p:nvSpPr>
+          <p:cNvPr id="8" name="Dikdörtgen 7"/>
+          <p:cNvSpPr/>
+          <p:nvPr/>
+        </p:nvSpPr>
+        <p:spPr>
+          <a:xfrm>
+            <a:off x="5867042" y="2968581"/>
+            <a:ext cx="6096000" cy="2062103"/>
+          </a:xfrm>
+          <a:prstGeom prst="rect">
+            <a:avLst/>
+          </a:prstGeom>
+        </p:spPr>
+        <p:txBody>
+          <a:bodyPr>
+            <a:spAutoFit/>
+          </a:bodyPr>
+          <a:lstStyle/>
+          <a:p>
+            <a:r>
+              <a:rPr lang="tr-TR" sz="1600" b="1" dirty="0"/>
+              <a:t>2. UMAP (</a:t>
+            </a:r>
+            <a:r>
+              <a:rPr lang="tr-TR" sz="1600" b="1" dirty="0" err="1"/>
+              <a:t>Uniform</a:t>
+            </a:r>
+            <a:r>
+              <a:rPr lang="tr-TR" sz="1600" b="1" dirty="0"/>
+              <a:t> </a:t>
+            </a:r>
+            <a:r>
+              <a:rPr lang="tr-TR" sz="1600" b="1" dirty="0" err="1"/>
+              <a:t>Manifold</a:t>
+            </a:r>
+            <a:r>
+              <a:rPr lang="tr-TR" sz="1600" b="1" dirty="0"/>
+              <a:t> </a:t>
+            </a:r>
+            <a:r>
+              <a:rPr lang="tr-TR" sz="1600" b="1" dirty="0" err="1"/>
+              <a:t>Approximation</a:t>
+            </a:r>
+            <a:r>
+              <a:rPr lang="tr-TR" sz="1600" b="1" dirty="0"/>
+              <a:t> </a:t>
+            </a:r>
+            <a:r>
+              <a:rPr lang="tr-TR" sz="1600" b="1" dirty="0" err="1"/>
+              <a:t>and</a:t>
+            </a:r>
+            <a:r>
+              <a:rPr lang="tr-TR" sz="1600" b="1" dirty="0"/>
+              <a:t> </a:t>
+            </a:r>
+            <a:r>
+              <a:rPr lang="tr-TR" sz="1600" b="1" dirty="0" err="1"/>
+              <a:t>Projection</a:t>
+            </a:r>
+            <a:r>
+              <a:rPr lang="tr-TR" sz="1600" b="1" dirty="0"/>
+              <a:t>)</a:t>
+            </a:r>
+            <a:endParaRPr lang="tr-TR" sz="1600" dirty="0"/>
+          </a:p>
+          <a:p>
+            <a:pPr>
+              <a:buFont typeface="Arial" panose="020B0604020202020204" pitchFamily="34" charset="0"/>
+              <a:buChar char="•"/>
+            </a:pPr>
+            <a:r>
+              <a:rPr lang="tr-TR" sz="1600" dirty="0"/>
+              <a:t>Yüksek boyutlu verileri düşük boyuta indirgeyen bir boyut indirgeme tekniğidir</a:t>
+            </a:r>
+          </a:p>
+          <a:p>
+            <a:pPr>
+              <a:buFont typeface="Arial" panose="020B0604020202020204" pitchFamily="34" charset="0"/>
+              <a:buChar char="•"/>
+            </a:pPr>
+            <a:r>
+              <a:rPr lang="tr-TR" sz="1600" dirty="0" err="1"/>
+              <a:t>SBERT'ten</a:t>
+            </a:r>
+            <a:r>
+              <a:rPr lang="tr-TR" sz="1600" dirty="0"/>
+              <a:t> gelen 768 boyutlu vektörleri örneğin 5-10 boyuta indirger</a:t>
+            </a:r>
+          </a:p>
+          <a:p>
+            <a:pPr>
+              <a:buFont typeface="Arial" panose="020B0604020202020204" pitchFamily="34" charset="0"/>
+              <a:buChar char="•"/>
+            </a:pPr>
+            <a:r>
+              <a:rPr lang="tr-TR" sz="1600" dirty="0"/>
+              <a:t>t-</a:t>
+            </a:r>
+            <a:r>
+              <a:rPr lang="tr-TR" sz="1600" dirty="0" err="1"/>
+              <a:t>SNE'ye</a:t>
+            </a:r>
+            <a:r>
+              <a:rPr lang="tr-TR" sz="1600" dirty="0"/>
+              <a:t> göre daha hızlı ve daha iyi yapı koruma özelliği vardır</a:t>
+            </a:r>
+          </a:p>
+          <a:p>
+            <a:pPr>
+              <a:buFont typeface="Arial" panose="020B0604020202020204" pitchFamily="34" charset="0"/>
+              <a:buChar char="•"/>
+            </a:pPr>
+            <a:r>
+              <a:rPr lang="tr-TR" sz="1600" dirty="0"/>
+              <a:t>Benzer belgelerin birbirine yakın kalmasını sağlar</a:t>
+            </a:r>
+          </a:p>
+        </p:txBody>
+      </p:sp>
+      <p:sp>
+        <p:nvSpPr>
+          <p:cNvPr id="9" name="Dikdörtgen 8"/>
+          <p:cNvSpPr/>
+          <p:nvPr/>
+        </p:nvSpPr>
+        <p:spPr>
+          <a:xfrm>
+            <a:off x="2590800" y="5353074"/>
+            <a:ext cx="5867400" cy="1169551"/>
+          </a:xfrm>
+          <a:prstGeom prst="rect">
+            <a:avLst/>
+          </a:prstGeom>
+        </p:spPr>
+        <p:txBody>
+          <a:bodyPr wrap="square">
+            <a:spAutoFit/>
+          </a:bodyPr>
+          <a:lstStyle/>
+          <a:p>
+            <a:r>
+              <a:rPr lang="tr-TR" sz="1400" b="1" dirty="0"/>
+              <a:t>3. HDBSCAN (</a:t>
+            </a:r>
+            <a:r>
+              <a:rPr lang="tr-TR" sz="1400" b="1" dirty="0" err="1"/>
+              <a:t>Hierarchical</a:t>
+            </a:r>
+            <a:r>
+              <a:rPr lang="tr-TR" sz="1400" b="1" dirty="0"/>
+              <a:t> </a:t>
+            </a:r>
+            <a:r>
+              <a:rPr lang="tr-TR" sz="1400" b="1" dirty="0" err="1"/>
+              <a:t>Density-Based</a:t>
+            </a:r>
+            <a:r>
+              <a:rPr lang="tr-TR" sz="1400" b="1" dirty="0"/>
+              <a:t> </a:t>
+            </a:r>
+            <a:r>
+              <a:rPr lang="tr-TR" sz="1400" b="1" dirty="0" err="1"/>
+              <a:t>Spatial</a:t>
+            </a:r>
+            <a:r>
+              <a:rPr lang="tr-TR" sz="1400" b="1" dirty="0"/>
+              <a:t> Clustering)</a:t>
+            </a:r>
+            <a:endParaRPr lang="tr-TR" sz="1400" dirty="0"/>
+          </a:p>
+          <a:p>
+            <a:pPr>
+              <a:buFont typeface="Arial" panose="020B0604020202020204" pitchFamily="34" charset="0"/>
+              <a:buChar char="•"/>
+            </a:pPr>
+            <a:r>
+              <a:rPr lang="tr-TR" sz="1400" dirty="0"/>
+              <a:t>Yoğunluk tabanlı bir kümeleme algoritmasıdır</a:t>
+            </a:r>
+          </a:p>
+          <a:p>
+            <a:pPr>
+              <a:buFont typeface="Arial" panose="020B0604020202020204" pitchFamily="34" charset="0"/>
+              <a:buChar char="•"/>
+            </a:pPr>
+            <a:r>
+              <a:rPr lang="tr-TR" sz="1400" dirty="0"/>
+              <a:t>Benzer belgeleri otomatik olarak gruplara ayırır</a:t>
+            </a:r>
+          </a:p>
+          <a:p>
+            <a:pPr>
+              <a:buFont typeface="Arial" panose="020B0604020202020204" pitchFamily="34" charset="0"/>
+              <a:buChar char="•"/>
+            </a:pPr>
+            <a:r>
+              <a:rPr lang="tr-TR" sz="1400" dirty="0"/>
+              <a:t>Gürültülü verileri (</a:t>
+            </a:r>
+            <a:r>
+              <a:rPr lang="tr-TR" sz="1400" dirty="0" err="1"/>
+              <a:t>outlier</a:t>
+            </a:r>
+            <a:r>
+              <a:rPr lang="tr-TR" sz="1400" dirty="0"/>
+              <a:t>) tespit edebilir</a:t>
+            </a:r>
+          </a:p>
+          <a:p>
+            <a:pPr>
+              <a:buFont typeface="Arial" panose="020B0604020202020204" pitchFamily="34" charset="0"/>
+              <a:buChar char="•"/>
+            </a:pPr>
+            <a:r>
+              <a:rPr lang="tr-TR" sz="1400" dirty="0"/>
+              <a:t>Küme sayısını otomatik olarak belirler</a:t>
+            </a:r>
+          </a:p>
+        </p:txBody>
+      </p:sp>
+    </p:spTree>
+    <p:extLst>
+      <p:ext uri="{BB962C8B-B14F-4D97-AF65-F5344CB8AC3E}">
+        <p14:creationId xmlns:p14="http://schemas.microsoft.com/office/powerpoint/2010/main" val="618102775"/>
+      </p:ext>
+    </p:extLst>
+  </p:cSld>
+  <p:clrMapOvr>
+    <a:masterClrMapping/>
+  </p:clrMapOvr>
+</p:sld>
+</file>
+
+<file path=ppt/slides/slide23.xml><?xml version="1.0" encoding="utf-8"?>
+<p:sld xmlns:a="http://schemas.openxmlformats.org/drawingml/2006/main" xmlns:r="http://schemas.openxmlformats.org/officeDocument/2006/relationships" xmlns:p="http://schemas.openxmlformats.org/presentationml/2006/main">
+  <p:cSld>
+    <p:spTree>
+      <p:nvGrpSpPr>
+        <p:cNvPr id="1" name="">
+          <a:extLst>
+            <a:ext uri="{FF2B5EF4-FFF2-40B4-BE49-F238E27FC236}">
+              <a16:creationId xmlns:a16="http://schemas.microsoft.com/office/drawing/2014/main" id="{AB38F33D-2DE5-9F44-2A41-05AD0E046359}"/>
+            </a:ext>
+          </a:extLst>
+        </p:cNvPr>
+        <p:cNvGrpSpPr/>
+        <p:nvPr/>
+      </p:nvGrpSpPr>
+      <p:grpSpPr>
+        <a:xfrm>
+          <a:off x="0" y="0"/>
+          <a:ext cx="0" cy="0"/>
+          <a:chOff x="0" y="0"/>
+          <a:chExt cx="0" cy="0"/>
+        </a:xfrm>
+      </p:grpSpPr>
+      <p:sp>
+        <p:nvSpPr>
+          <p:cNvPr id="3" name="object 3">
+            <a:extLst>
+              <a:ext uri="{FF2B5EF4-FFF2-40B4-BE49-F238E27FC236}">
+                <a16:creationId xmlns:a16="http://schemas.microsoft.com/office/drawing/2014/main" id="{BF5A55FE-7AC1-3F2A-5ED6-2B0C39ECCE83}"/>
+              </a:ext>
+            </a:extLst>
+          </p:cNvPr>
+          <p:cNvSpPr txBox="1">
+            <a:spLocks noGrp="1"/>
+          </p:cNvSpPr>
+          <p:nvPr>
+            <p:ph type="title"/>
+          </p:nvPr>
+        </p:nvSpPr>
+        <p:spPr>
+          <a:xfrm>
+            <a:off x="245465" y="123512"/>
+            <a:ext cx="11696700" cy="566181"/>
+          </a:xfrm>
+          <a:prstGeom prst="rect">
+            <a:avLst/>
+          </a:prstGeom>
+        </p:spPr>
+        <p:txBody>
+          <a:bodyPr vert="horz" wrap="square" lIns="0" tIns="12065" rIns="0" bIns="0" rtlCol="0">
+            <a:spAutoFit/>
+          </a:bodyPr>
+          <a:lstStyle/>
+          <a:p>
+            <a:pPr marL="12700">
+              <a:lnSpc>
+                <a:spcPct val="100000"/>
+              </a:lnSpc>
+              <a:spcBef>
+                <a:spcPts val="95"/>
+              </a:spcBef>
+            </a:pPr>
+            <a:r>
+              <a:rPr lang="tr-TR" dirty="0" smtClean="0"/>
+              <a:t> </a:t>
+            </a:r>
+            <a:r>
+              <a:rPr lang="tr-TR" dirty="0" err="1"/>
+              <a:t>BERTopic</a:t>
+            </a:r>
+            <a:r>
+              <a:rPr lang="tr-TR" dirty="0"/>
+              <a:t>: Modüler Konu Modelleme Çerçevesi</a:t>
+            </a:r>
+            <a:endParaRPr dirty="0"/>
+          </a:p>
+        </p:txBody>
+      </p:sp>
+      <p:sp>
+        <p:nvSpPr>
+          <p:cNvPr id="6" name="object 6">
+            <a:extLst>
+              <a:ext uri="{FF2B5EF4-FFF2-40B4-BE49-F238E27FC236}">
+                <a16:creationId xmlns:a16="http://schemas.microsoft.com/office/drawing/2014/main" id="{6B3EEE69-44D1-0AC7-897F-6AA98EA6C688}"/>
+              </a:ext>
+            </a:extLst>
+          </p:cNvPr>
+          <p:cNvSpPr/>
+          <p:nvPr/>
+        </p:nvSpPr>
+        <p:spPr>
+          <a:xfrm>
+            <a:off x="761" y="869441"/>
+            <a:ext cx="12192000" cy="0"/>
+          </a:xfrm>
+          <a:custGeom>
+            <a:avLst/>
+            <a:gdLst/>
+            <a:ahLst/>
+            <a:cxnLst/>
+            <a:rect l="l" t="t" r="r" b="b"/>
+            <a:pathLst>
+              <a:path w="12192000">
+                <a:moveTo>
+                  <a:pt x="0" y="0"/>
+                </a:moveTo>
+                <a:lnTo>
+                  <a:pt x="12192000" y="0"/>
+                </a:lnTo>
+              </a:path>
+            </a:pathLst>
+          </a:custGeom>
+          <a:ln w="25400">
+            <a:solidFill>
+              <a:srgbClr val="FFFFFF"/>
+            </a:solidFill>
+          </a:ln>
+        </p:spPr>
+        <p:txBody>
+          <a:bodyPr wrap="square" lIns="0" tIns="0" rIns="0" bIns="0" rtlCol="0"/>
+          <a:lstStyle/>
+          <a:p>
+            <a:endParaRPr/>
+          </a:p>
+        </p:txBody>
+      </p:sp>
+      <p:pic>
+        <p:nvPicPr>
+          <p:cNvPr id="2" name="Resim 1"/>
+          <p:cNvPicPr>
+            <a:picLocks noChangeAspect="1"/>
+          </p:cNvPicPr>
+          <p:nvPr/>
+        </p:nvPicPr>
+        <p:blipFill>
+          <a:blip r:embed="rId3"/>
+          <a:stretch>
+            <a:fillRect/>
+          </a:stretch>
+        </p:blipFill>
+        <p:spPr>
+          <a:xfrm>
+            <a:off x="235027" y="1828800"/>
+            <a:ext cx="11658600" cy="1763651"/>
+          </a:xfrm>
+          <a:prstGeom prst="rect">
+            <a:avLst/>
+          </a:prstGeom>
+        </p:spPr>
+      </p:pic>
+      <p:sp>
+        <p:nvSpPr>
+          <p:cNvPr id="4" name="Dikdörtgen 3"/>
+          <p:cNvSpPr/>
+          <p:nvPr/>
+        </p:nvSpPr>
+        <p:spPr>
+          <a:xfrm>
+            <a:off x="203712" y="4114800"/>
+            <a:ext cx="6096000" cy="2031325"/>
+          </a:xfrm>
+          <a:prstGeom prst="rect">
+            <a:avLst/>
+          </a:prstGeom>
+        </p:spPr>
+        <p:txBody>
+          <a:bodyPr>
+            <a:spAutoFit/>
+          </a:bodyPr>
+          <a:lstStyle/>
+          <a:p>
+            <a:r>
+              <a:rPr lang="tr-TR" b="1" dirty="0" err="1"/>
+              <a:t>Topic</a:t>
+            </a:r>
+            <a:r>
+              <a:rPr lang="tr-TR" b="1" dirty="0"/>
+              <a:t> </a:t>
+            </a:r>
+            <a:r>
+              <a:rPr lang="tr-TR" b="1" dirty="0" err="1"/>
+              <a:t>Representation</a:t>
+            </a:r>
+            <a:r>
+              <a:rPr lang="tr-TR" b="1" dirty="0"/>
+              <a:t> (Konu Temsili) Bölümü:</a:t>
+            </a:r>
+          </a:p>
+          <a:p>
+            <a:r>
+              <a:rPr lang="tr-TR" b="1" dirty="0"/>
+              <a:t>4. </a:t>
+            </a:r>
+            <a:r>
+              <a:rPr lang="tr-TR" b="1" dirty="0" err="1"/>
+              <a:t>CountVectorizer</a:t>
+            </a:r>
+            <a:endParaRPr lang="tr-TR" dirty="0"/>
+          </a:p>
+          <a:p>
+            <a:pPr>
+              <a:buFont typeface="Arial" panose="020B0604020202020204" pitchFamily="34" charset="0"/>
+              <a:buChar char="•"/>
+            </a:pPr>
+            <a:r>
+              <a:rPr lang="tr-TR" dirty="0"/>
+              <a:t>Metinleri kelime frekanslarına dönüştürür</a:t>
+            </a:r>
+          </a:p>
+          <a:p>
+            <a:pPr>
+              <a:buFont typeface="Arial" panose="020B0604020202020204" pitchFamily="34" charset="0"/>
+              <a:buChar char="•"/>
+            </a:pPr>
+            <a:r>
+              <a:rPr lang="tr-TR" dirty="0"/>
+              <a:t>Her kümedeki belgelerdeki kelimelerin sayısını çıkarır</a:t>
+            </a:r>
+          </a:p>
+          <a:p>
+            <a:pPr>
+              <a:buFont typeface="Arial" panose="020B0604020202020204" pitchFamily="34" charset="0"/>
+              <a:buChar char="•"/>
+            </a:pPr>
+            <a:r>
+              <a:rPr lang="tr-TR" dirty="0"/>
+              <a:t>Örnek: "</a:t>
+            </a:r>
+            <a:r>
+              <a:rPr lang="tr-TR" dirty="0" err="1"/>
+              <a:t>machine</a:t>
+            </a:r>
+            <a:r>
+              <a:rPr lang="tr-TR" dirty="0"/>
+              <a:t> </a:t>
+            </a:r>
+            <a:r>
+              <a:rPr lang="tr-TR" dirty="0" err="1"/>
+              <a:t>learning</a:t>
+            </a:r>
+            <a:r>
+              <a:rPr lang="tr-TR" dirty="0"/>
+              <a:t>" kelimesi bir kümede 50 kez geçiyorsa bunu sayar</a:t>
+            </a:r>
+          </a:p>
+          <a:p>
+            <a:pPr>
+              <a:buFont typeface="Arial" panose="020B0604020202020204" pitchFamily="34" charset="0"/>
+              <a:buChar char="•"/>
+            </a:pPr>
+            <a:r>
+              <a:rPr lang="tr-TR" dirty="0" err="1"/>
+              <a:t>Bag</a:t>
+            </a:r>
+            <a:r>
+              <a:rPr lang="tr-TR" dirty="0"/>
+              <a:t>-of-</a:t>
+            </a:r>
+            <a:r>
+              <a:rPr lang="tr-TR" dirty="0" err="1"/>
+              <a:t>words</a:t>
+            </a:r>
+            <a:r>
+              <a:rPr lang="tr-TR" dirty="0"/>
+              <a:t> yaklaşımını kullanır</a:t>
+            </a:r>
+          </a:p>
+        </p:txBody>
+      </p:sp>
+      <p:sp>
+        <p:nvSpPr>
+          <p:cNvPr id="5" name="Dikdörtgen 4"/>
+          <p:cNvSpPr/>
+          <p:nvPr/>
+        </p:nvSpPr>
+        <p:spPr>
+          <a:xfrm>
+            <a:off x="6299712" y="3837800"/>
+            <a:ext cx="6096000" cy="2585323"/>
+          </a:xfrm>
+          <a:prstGeom prst="rect">
+            <a:avLst/>
+          </a:prstGeom>
+        </p:spPr>
+        <p:txBody>
+          <a:bodyPr>
+            <a:spAutoFit/>
+          </a:bodyPr>
+          <a:lstStyle/>
+          <a:p>
+            <a:r>
+              <a:rPr lang="tr-TR" b="1" dirty="0"/>
+              <a:t>5. c-TF-IDF (Class-</a:t>
+            </a:r>
+            <a:r>
+              <a:rPr lang="tr-TR" b="1" dirty="0" err="1"/>
+              <a:t>based</a:t>
+            </a:r>
+            <a:r>
+              <a:rPr lang="tr-TR" b="1" dirty="0"/>
+              <a:t> </a:t>
+            </a:r>
+            <a:r>
+              <a:rPr lang="tr-TR" b="1" dirty="0" err="1"/>
+              <a:t>Term</a:t>
+            </a:r>
+            <a:r>
+              <a:rPr lang="tr-TR" b="1" dirty="0"/>
+              <a:t> </a:t>
+            </a:r>
+            <a:r>
+              <a:rPr lang="tr-TR" b="1" dirty="0" err="1"/>
+              <a:t>Frequency-Inverse</a:t>
+            </a:r>
+            <a:r>
+              <a:rPr lang="tr-TR" b="1" dirty="0"/>
+              <a:t> </a:t>
+            </a:r>
+            <a:r>
+              <a:rPr lang="tr-TR" b="1" dirty="0" err="1"/>
+              <a:t>Document</a:t>
+            </a:r>
+            <a:r>
+              <a:rPr lang="tr-TR" b="1" dirty="0"/>
+              <a:t> </a:t>
+            </a:r>
+            <a:r>
+              <a:rPr lang="tr-TR" b="1" dirty="0" err="1"/>
+              <a:t>Frequency</a:t>
+            </a:r>
+            <a:r>
+              <a:rPr lang="tr-TR" b="1" dirty="0"/>
+              <a:t>)</a:t>
+            </a:r>
+            <a:endParaRPr lang="tr-TR" dirty="0"/>
+          </a:p>
+          <a:p>
+            <a:pPr>
+              <a:buFont typeface="Arial" panose="020B0604020202020204" pitchFamily="34" charset="0"/>
+              <a:buChar char="•"/>
+            </a:pPr>
+            <a:r>
+              <a:rPr lang="tr-TR" dirty="0"/>
+              <a:t>Her küme için en önemli kelimeleri belirler</a:t>
+            </a:r>
+          </a:p>
+          <a:p>
+            <a:pPr>
+              <a:buFont typeface="Arial" panose="020B0604020202020204" pitchFamily="34" charset="0"/>
+              <a:buChar char="•"/>
+            </a:pPr>
+            <a:r>
+              <a:rPr lang="tr-TR" dirty="0"/>
+              <a:t>Klasik TF-</a:t>
+            </a:r>
+            <a:r>
+              <a:rPr lang="tr-TR" dirty="0" err="1"/>
+              <a:t>IDF'nin</a:t>
+            </a:r>
+            <a:r>
+              <a:rPr lang="tr-TR" dirty="0"/>
+              <a:t> kümeleme için uyarlanmış versiyonudur</a:t>
+            </a:r>
+          </a:p>
+          <a:p>
+            <a:pPr>
+              <a:buFont typeface="Arial" panose="020B0604020202020204" pitchFamily="34" charset="0"/>
+              <a:buChar char="•"/>
+            </a:pPr>
+            <a:r>
+              <a:rPr lang="tr-TR" dirty="0"/>
+              <a:t>Bir kelimenin bir kümede sık, diğer kümelerde nadir geçmesini ödüllendirir</a:t>
+            </a:r>
+          </a:p>
+          <a:p>
+            <a:pPr>
+              <a:buFont typeface="Arial" panose="020B0604020202020204" pitchFamily="34" charset="0"/>
+              <a:buChar char="•"/>
+            </a:pPr>
+            <a:r>
+              <a:rPr lang="tr-TR" dirty="0"/>
+              <a:t>Bu sayede her kümeyi en iyi temsil eden kelimeler bulunur</a:t>
+            </a:r>
+          </a:p>
+        </p:txBody>
+      </p:sp>
+    </p:spTree>
+    <p:extLst>
+      <p:ext uri="{BB962C8B-B14F-4D97-AF65-F5344CB8AC3E}">
+        <p14:creationId xmlns:p14="http://schemas.microsoft.com/office/powerpoint/2010/main" val="67001566"/>
+      </p:ext>
+    </p:extLst>
   </p:cSld>
   <p:clrMapOvr>
     <a:masterClrMapping/>
@@ -7115,6 +11993,213 @@
       </p:sp>
       <p:pic>
         <p:nvPicPr>
+          <p:cNvPr id="2" name="Resim 1"/>
+          <p:cNvPicPr>
+            <a:picLocks noChangeAspect="1"/>
+          </p:cNvPicPr>
+          <p:nvPr/>
+        </p:nvPicPr>
+        <p:blipFill>
+          <a:blip r:embed="rId2"/>
+          <a:stretch>
+            <a:fillRect/>
+          </a:stretch>
+        </p:blipFill>
+        <p:spPr>
+          <a:xfrm>
+            <a:off x="1371600" y="1031444"/>
+            <a:ext cx="7924800" cy="5636577"/>
+          </a:xfrm>
+          <a:prstGeom prst="rect">
+            <a:avLst/>
+          </a:prstGeom>
+        </p:spPr>
+      </p:pic>
+    </p:spTree>
+    <p:extLst>
+      <p:ext uri="{BB962C8B-B14F-4D97-AF65-F5344CB8AC3E}">
+        <p14:creationId xmlns:p14="http://schemas.microsoft.com/office/powerpoint/2010/main" val="4039619084"/>
+      </p:ext>
+    </p:extLst>
+  </p:cSld>
+  <p:clrMapOvr>
+    <a:masterClrMapping/>
+  </p:clrMapOvr>
+</p:sld>
+</file>
+
+<file path=ppt/slides/slide6.xml><?xml version="1.0" encoding="utf-8"?>
+<p:sld xmlns:a="http://schemas.openxmlformats.org/drawingml/2006/main" xmlns:r="http://schemas.openxmlformats.org/officeDocument/2006/relationships" xmlns:p="http://schemas.openxmlformats.org/presentationml/2006/main">
+  <p:cSld>
+    <p:spTree>
+      <p:nvGrpSpPr>
+        <p:cNvPr id="1" name="">
+          <a:extLst>
+            <a:ext uri="{FF2B5EF4-FFF2-40B4-BE49-F238E27FC236}">
+              <a16:creationId xmlns:a16="http://schemas.microsoft.com/office/drawing/2014/main" id="{39A52AC1-563D-49EC-65A9-044393F4B075}"/>
+            </a:ext>
+          </a:extLst>
+        </p:cNvPr>
+        <p:cNvGrpSpPr/>
+        <p:nvPr/>
+      </p:nvGrpSpPr>
+      <p:grpSpPr>
+        <a:xfrm>
+          <a:off x="0" y="0"/>
+          <a:ext cx="0" cy="0"/>
+          <a:chOff x="0" y="0"/>
+          <a:chExt cx="0" cy="0"/>
+        </a:xfrm>
+      </p:grpSpPr>
+      <p:sp>
+        <p:nvSpPr>
+          <p:cNvPr id="3" name="object 3">
+            <a:extLst>
+              <a:ext uri="{FF2B5EF4-FFF2-40B4-BE49-F238E27FC236}">
+                <a16:creationId xmlns:a16="http://schemas.microsoft.com/office/drawing/2014/main" id="{DB5C6AB7-7C4D-8401-DE89-72966051F0CC}"/>
+              </a:ext>
+            </a:extLst>
+          </p:cNvPr>
+          <p:cNvSpPr txBox="1">
+            <a:spLocks noGrp="1"/>
+          </p:cNvSpPr>
+          <p:nvPr>
+            <p:ph type="title"/>
+          </p:nvPr>
+        </p:nvSpPr>
+        <p:spPr>
+          <a:xfrm>
+            <a:off x="245465" y="123512"/>
+            <a:ext cx="11696700" cy="566181"/>
+          </a:xfrm>
+          <a:prstGeom prst="rect">
+            <a:avLst/>
+          </a:prstGeom>
+        </p:spPr>
+        <p:txBody>
+          <a:bodyPr vert="horz" wrap="square" lIns="0" tIns="12065" rIns="0" bIns="0" rtlCol="0">
+            <a:spAutoFit/>
+          </a:bodyPr>
+          <a:lstStyle/>
+          <a:p>
+            <a:pPr marL="12700">
+              <a:lnSpc>
+                <a:spcPct val="100000"/>
+              </a:lnSpc>
+              <a:spcBef>
+                <a:spcPts val="95"/>
+              </a:spcBef>
+            </a:pPr>
+            <a:r>
+              <a:rPr lang="tr-TR" spc="-10" dirty="0"/>
+              <a:t>Metin Kümeleme  ve  Konu Modelleme</a:t>
+            </a:r>
+            <a:endParaRPr dirty="0"/>
+          </a:p>
+        </p:txBody>
+      </p:sp>
+      <p:sp>
+        <p:nvSpPr>
+          <p:cNvPr id="4" name="object 4">
+            <a:extLst>
+              <a:ext uri="{FF2B5EF4-FFF2-40B4-BE49-F238E27FC236}">
+                <a16:creationId xmlns:a16="http://schemas.microsoft.com/office/drawing/2014/main" id="{03E650C8-DE4F-C00D-F10A-395F854AB0A2}"/>
+              </a:ext>
+            </a:extLst>
+          </p:cNvPr>
+          <p:cNvSpPr txBox="1"/>
+          <p:nvPr/>
+        </p:nvSpPr>
+        <p:spPr>
+          <a:xfrm>
+            <a:off x="12010135" y="6495389"/>
+            <a:ext cx="102870" cy="208279"/>
+          </a:xfrm>
+          <a:prstGeom prst="rect">
+            <a:avLst/>
+          </a:prstGeom>
+        </p:spPr>
+        <p:txBody>
+          <a:bodyPr vert="horz" wrap="square" lIns="0" tIns="12700" rIns="0" bIns="0" rtlCol="0">
+            <a:spAutoFit/>
+          </a:bodyPr>
+          <a:lstStyle/>
+          <a:p>
+            <a:pPr marL="12700">
+              <a:lnSpc>
+                <a:spcPct val="100000"/>
+              </a:lnSpc>
+              <a:spcBef>
+                <a:spcPts val="100"/>
+              </a:spcBef>
+            </a:pPr>
+            <a:r>
+              <a:rPr sz="1200" dirty="0">
+                <a:solidFill>
+                  <a:srgbClr val="FFFFFF"/>
+                </a:solidFill>
+                <a:latin typeface="Calibri"/>
+                <a:cs typeface="Calibri"/>
+              </a:rPr>
+              <a:t>3</a:t>
+            </a:r>
+            <a:endParaRPr sz="1200">
+              <a:latin typeface="Calibri"/>
+              <a:cs typeface="Calibri"/>
+            </a:endParaRPr>
+          </a:p>
+        </p:txBody>
+      </p:sp>
+      <p:sp>
+        <p:nvSpPr>
+          <p:cNvPr id="6" name="object 6">
+            <a:extLst>
+              <a:ext uri="{FF2B5EF4-FFF2-40B4-BE49-F238E27FC236}">
+                <a16:creationId xmlns:a16="http://schemas.microsoft.com/office/drawing/2014/main" id="{076399CF-0435-C49B-BE44-7F3CBAC52BA9}"/>
+              </a:ext>
+            </a:extLst>
+          </p:cNvPr>
+          <p:cNvSpPr/>
+          <p:nvPr/>
+        </p:nvSpPr>
+        <p:spPr>
+          <a:xfrm>
+            <a:off x="761" y="869441"/>
+            <a:ext cx="12192000" cy="0"/>
+          </a:xfrm>
+          <a:custGeom>
+            <a:avLst/>
+            <a:gdLst/>
+            <a:ahLst/>
+            <a:cxnLst/>
+            <a:rect l="l" t="t" r="r" b="b"/>
+            <a:pathLst>
+              <a:path w="12192000">
+                <a:moveTo>
+                  <a:pt x="0" y="0"/>
+                </a:moveTo>
+                <a:lnTo>
+                  <a:pt x="12192000" y="0"/>
+                </a:lnTo>
+              </a:path>
+            </a:pathLst>
+          </a:custGeom>
+          <a:ln w="25400">
+            <a:solidFill>
+              <a:srgbClr val="FFFFFF"/>
+            </a:solidFill>
+          </a:ln>
+        </p:spPr>
+        <p:txBody>
+          <a:bodyPr wrap="square" lIns="0" tIns="0" rIns="0" bIns="0" rtlCol="0"/>
+          <a:lstStyle/>
+          <a:p>
+            <a:endParaRPr/>
+          </a:p>
+        </p:txBody>
+      </p:sp>
+      <p:pic>
+        <p:nvPicPr>
           <p:cNvPr id="8" name="Picture 7">
             <a:extLst>
               <a:ext uri="{FF2B5EF4-FFF2-40B4-BE49-F238E27FC236}">
@@ -7181,7 +12266,7 @@
     </p:spTree>
     <p:extLst>
       <p:ext uri="{BB962C8B-B14F-4D97-AF65-F5344CB8AC3E}">
-        <p14:creationId xmlns:p14="http://schemas.microsoft.com/office/powerpoint/2010/main" val="4039619084"/>
+        <p14:creationId xmlns:p14="http://schemas.microsoft.com/office/powerpoint/2010/main" val="3030777992"/>
       </p:ext>
     </p:extLst>
   </p:cSld>
@@ -7191,7 +12276,7 @@
 </p:sld>
 </file>
 
-<file path=ppt/slides/slide6.xml><?xml version="1.0" encoding="utf-8"?>
+<file path=ppt/slides/slide7.xml><?xml version="1.0" encoding="utf-8"?>
 <p:sld xmlns:a="http://schemas.openxmlformats.org/drawingml/2006/main" xmlns:r="http://schemas.openxmlformats.org/officeDocument/2006/relationships" xmlns:p="http://schemas.openxmlformats.org/presentationml/2006/main">
   <p:cSld>
     <p:spTree>
@@ -7514,7 +12599,7 @@
 </p:sld>
 </file>
 
-<file path=ppt/slides/slide7.xml><?xml version="1.0" encoding="utf-8"?>
+<file path=ppt/slides/slide8.xml><?xml version="1.0" encoding="utf-8"?>
 <p:sld xmlns:a="http://schemas.openxmlformats.org/drawingml/2006/main" xmlns:r="http://schemas.openxmlformats.org/officeDocument/2006/relationships" xmlns:p="http://schemas.openxmlformats.org/presentationml/2006/main">
   <p:cSld>
     <p:spTree>
@@ -7707,7 +12792,7 @@
         <p:spPr>
           <a:xfrm>
             <a:off x="533400" y="1054977"/>
-            <a:ext cx="6773333" cy="2630311"/>
+            <a:ext cx="9449158" cy="3669423"/>
           </a:xfrm>
           <a:prstGeom prst="rect">
             <a:avLst/>
@@ -7730,7 +12815,7 @@
         </p:nvSpPr>
         <p:spPr bwMode="auto">
           <a:xfrm>
-            <a:off x="526393" y="4100899"/>
+            <a:off x="381000" y="5181600"/>
             <a:ext cx="9532007" cy="369332"/>
           </a:xfrm>
           <a:prstGeom prst="rect">
@@ -7824,7 +12909,7 @@
 </p:sld>
 </file>
 
-<file path=ppt/slides/slide8.xml><?xml version="1.0" encoding="utf-8"?>
+<file path=ppt/slides/slide9.xml><?xml version="1.0" encoding="utf-8"?>
 <p:sld xmlns:a="http://schemas.openxmlformats.org/drawingml/2006/main" xmlns:r="http://schemas.openxmlformats.org/officeDocument/2006/relationships" xmlns:p="http://schemas.openxmlformats.org/presentationml/2006/main">
   <p:cSld>
     <p:spTree>
@@ -8125,347 +13210,6 @@
     <p:extLst>
       <p:ext uri="{BB962C8B-B14F-4D97-AF65-F5344CB8AC3E}">
         <p14:creationId xmlns:p14="http://schemas.microsoft.com/office/powerpoint/2010/main" val="499926805"/>
-      </p:ext>
-    </p:extLst>
-  </p:cSld>
-  <p:clrMapOvr>
-    <a:masterClrMapping/>
-  </p:clrMapOvr>
-</p:sld>
-</file>
-
-<file path=ppt/slides/slide9.xml><?xml version="1.0" encoding="utf-8"?>
-<p:sld xmlns:a="http://schemas.openxmlformats.org/drawingml/2006/main" xmlns:r="http://schemas.openxmlformats.org/officeDocument/2006/relationships" xmlns:p="http://schemas.openxmlformats.org/presentationml/2006/main">
-  <p:cSld>
-    <p:spTree>
-      <p:nvGrpSpPr>
-        <p:cNvPr id="1" name="">
-          <a:extLst>
-            <a:ext uri="{FF2B5EF4-FFF2-40B4-BE49-F238E27FC236}">
-              <a16:creationId xmlns:a16="http://schemas.microsoft.com/office/drawing/2014/main" id="{AB38F33D-2DE5-9F44-2A41-05AD0E046359}"/>
-            </a:ext>
-          </a:extLst>
-        </p:cNvPr>
-        <p:cNvGrpSpPr/>
-        <p:nvPr/>
-      </p:nvGrpSpPr>
-      <p:grpSpPr>
-        <a:xfrm>
-          <a:off x="0" y="0"/>
-          <a:ext cx="0" cy="0"/>
-          <a:chOff x="0" y="0"/>
-          <a:chExt cx="0" cy="0"/>
-        </a:xfrm>
-      </p:grpSpPr>
-      <p:sp>
-        <p:nvSpPr>
-          <p:cNvPr id="3" name="object 3">
-            <a:extLst>
-              <a:ext uri="{FF2B5EF4-FFF2-40B4-BE49-F238E27FC236}">
-                <a16:creationId xmlns:a16="http://schemas.microsoft.com/office/drawing/2014/main" id="{BF5A55FE-7AC1-3F2A-5ED6-2B0C39ECCE83}"/>
-              </a:ext>
-            </a:extLst>
-          </p:cNvPr>
-          <p:cNvSpPr txBox="1">
-            <a:spLocks noGrp="1"/>
-          </p:cNvSpPr>
-          <p:nvPr>
-            <p:ph type="title"/>
-          </p:nvPr>
-        </p:nvSpPr>
-        <p:spPr>
-          <a:xfrm>
-            <a:off x="245465" y="123512"/>
-            <a:ext cx="11696700" cy="566181"/>
-          </a:xfrm>
-          <a:prstGeom prst="rect">
-            <a:avLst/>
-          </a:prstGeom>
-        </p:spPr>
-        <p:txBody>
-          <a:bodyPr vert="horz" wrap="square" lIns="0" tIns="12065" rIns="0" bIns="0" rtlCol="0">
-            <a:spAutoFit/>
-          </a:bodyPr>
-          <a:lstStyle/>
-          <a:p>
-            <a:pPr marL="12700">
-              <a:lnSpc>
-                <a:spcPct val="100000"/>
-              </a:lnSpc>
-              <a:spcBef>
-                <a:spcPts val="95"/>
-              </a:spcBef>
-            </a:pPr>
-            <a:r>
-              <a:rPr lang="tr-TR" spc="-10" dirty="0"/>
-              <a:t>Metin Kümeleme  ve  Konu Modelleme</a:t>
-            </a:r>
-            <a:endParaRPr dirty="0"/>
-          </a:p>
-        </p:txBody>
-      </p:sp>
-      <p:sp>
-        <p:nvSpPr>
-          <p:cNvPr id="4" name="object 4">
-            <a:extLst>
-              <a:ext uri="{FF2B5EF4-FFF2-40B4-BE49-F238E27FC236}">
-                <a16:creationId xmlns:a16="http://schemas.microsoft.com/office/drawing/2014/main" id="{68B54CF0-A6EF-A9F0-19CD-AF8AF23D69BF}"/>
-              </a:ext>
-            </a:extLst>
-          </p:cNvPr>
-          <p:cNvSpPr txBox="1"/>
-          <p:nvPr/>
-        </p:nvSpPr>
-        <p:spPr>
-          <a:xfrm>
-            <a:off x="12010135" y="6495389"/>
-            <a:ext cx="102870" cy="208279"/>
-          </a:xfrm>
-          <a:prstGeom prst="rect">
-            <a:avLst/>
-          </a:prstGeom>
-        </p:spPr>
-        <p:txBody>
-          <a:bodyPr vert="horz" wrap="square" lIns="0" tIns="12700" rIns="0" bIns="0" rtlCol="0">
-            <a:spAutoFit/>
-          </a:bodyPr>
-          <a:lstStyle/>
-          <a:p>
-            <a:pPr marL="12700">
-              <a:lnSpc>
-                <a:spcPct val="100000"/>
-              </a:lnSpc>
-              <a:spcBef>
-                <a:spcPts val="100"/>
-              </a:spcBef>
-            </a:pPr>
-            <a:r>
-              <a:rPr sz="1200" dirty="0">
-                <a:solidFill>
-                  <a:srgbClr val="FFFFFF"/>
-                </a:solidFill>
-                <a:latin typeface="Calibri"/>
-                <a:cs typeface="Calibri"/>
-              </a:rPr>
-              <a:t>3</a:t>
-            </a:r>
-            <a:endParaRPr sz="1200">
-              <a:latin typeface="Calibri"/>
-              <a:cs typeface="Calibri"/>
-            </a:endParaRPr>
-          </a:p>
-        </p:txBody>
-      </p:sp>
-      <p:sp>
-        <p:nvSpPr>
-          <p:cNvPr id="6" name="object 6">
-            <a:extLst>
-              <a:ext uri="{FF2B5EF4-FFF2-40B4-BE49-F238E27FC236}">
-                <a16:creationId xmlns:a16="http://schemas.microsoft.com/office/drawing/2014/main" id="{6B3EEE69-44D1-0AC7-897F-6AA98EA6C688}"/>
-              </a:ext>
-            </a:extLst>
-          </p:cNvPr>
-          <p:cNvSpPr/>
-          <p:nvPr/>
-        </p:nvSpPr>
-        <p:spPr>
-          <a:xfrm>
-            <a:off x="761" y="869441"/>
-            <a:ext cx="12192000" cy="0"/>
-          </a:xfrm>
-          <a:custGeom>
-            <a:avLst/>
-            <a:gdLst/>
-            <a:ahLst/>
-            <a:cxnLst/>
-            <a:rect l="l" t="t" r="r" b="b"/>
-            <a:pathLst>
-              <a:path w="12192000">
-                <a:moveTo>
-                  <a:pt x="0" y="0"/>
-                </a:moveTo>
-                <a:lnTo>
-                  <a:pt x="12192000" y="0"/>
-                </a:lnTo>
-              </a:path>
-            </a:pathLst>
-          </a:custGeom>
-          <a:ln w="25400">
-            <a:solidFill>
-              <a:srgbClr val="FFFFFF"/>
-            </a:solidFill>
-          </a:ln>
-        </p:spPr>
-        <p:txBody>
-          <a:bodyPr wrap="square" lIns="0" tIns="0" rIns="0" bIns="0" rtlCol="0"/>
-          <a:lstStyle/>
-          <a:p>
-            <a:endParaRPr/>
-          </a:p>
-        </p:txBody>
-      </p:sp>
-      <p:pic>
-        <p:nvPicPr>
-          <p:cNvPr id="7" name="Picture 6">
-            <a:extLst>
-              <a:ext uri="{FF2B5EF4-FFF2-40B4-BE49-F238E27FC236}">
-                <a16:creationId xmlns:a16="http://schemas.microsoft.com/office/drawing/2014/main" id="{78332795-8AED-229D-643C-1F7B756D976A}"/>
-              </a:ext>
-            </a:extLst>
-          </p:cNvPr>
-          <p:cNvPicPr>
-            <a:picLocks noChangeAspect="1"/>
-          </p:cNvPicPr>
-          <p:nvPr/>
-        </p:nvPicPr>
-        <p:blipFill>
-          <a:blip r:embed="rId2"/>
-          <a:stretch>
-            <a:fillRect/>
-          </a:stretch>
-        </p:blipFill>
-        <p:spPr>
-          <a:xfrm>
-            <a:off x="1447800" y="1690031"/>
-            <a:ext cx="6773333" cy="3917244"/>
-          </a:xfrm>
-          <a:prstGeom prst="rect">
-            <a:avLst/>
-          </a:prstGeom>
-        </p:spPr>
-      </p:pic>
-      <p:sp>
-        <p:nvSpPr>
-          <p:cNvPr id="8" name="Rectangle 1">
-            <a:extLst>
-              <a:ext uri="{FF2B5EF4-FFF2-40B4-BE49-F238E27FC236}">
-                <a16:creationId xmlns:a16="http://schemas.microsoft.com/office/drawing/2014/main" id="{364F4818-574A-F466-81B9-AEC02DCA5A7F}"/>
-              </a:ext>
-            </a:extLst>
-          </p:cNvPr>
-          <p:cNvSpPr>
-            <a:spLocks noChangeArrowheads="1"/>
-          </p:cNvSpPr>
-          <p:nvPr/>
-        </p:nvSpPr>
-        <p:spPr bwMode="auto">
-          <a:xfrm>
-            <a:off x="762000" y="5923100"/>
-            <a:ext cx="12192000" cy="457200"/>
-          </a:xfrm>
-          <a:prstGeom prst="rect">
-            <a:avLst/>
-          </a:prstGeom>
-          <a:noFill/>
-          <a:ln>
-            <a:noFill/>
-          </a:ln>
-          <a:effectLst/>
-          <a:extLst>
-            <a:ext uri="{909E8E84-426E-40DD-AFC4-6F175D3DCCD1}">
-              <a14:hiddenFill xmlns:a14="http://schemas.microsoft.com/office/drawing/2010/main">
-                <a:solidFill>
-                  <a:schemeClr val="accent1"/>
-                </a:solidFill>
-              </a14:hiddenFill>
-            </a:ext>
-            <a:ext uri="{91240B29-F687-4F45-9708-019B960494DF}">
-              <a14:hiddenLine xmlns:a14="http://schemas.microsoft.com/office/drawing/2010/main" w="9525">
-                <a:solidFill>
-                  <a:schemeClr val="tx1"/>
-                </a:solidFill>
-                <a:miter lim="800000"/>
-                <a:headEnd/>
-                <a:tailEnd/>
-              </a14:hiddenLine>
-            </a:ext>
-            <a:ext uri="{AF507438-7753-43E0-B8FC-AC1667EBCBE1}">
-              <a14:hiddenEffects xmlns:a14="http://schemas.microsoft.com/office/drawing/2010/main">
-                <a:effectLst>
-                  <a:outerShdw dist="35921" dir="2700000" algn="ctr" rotWithShape="0">
-                    <a:schemeClr val="bg2"/>
-                  </a:outerShdw>
-                </a:effectLst>
-              </a14:hiddenEffects>
-            </a:ext>
-          </a:extLst>
-        </p:spPr>
-        <p:txBody>
-          <a:bodyPr vert="horz" wrap="none" lIns="91440" tIns="45720" rIns="91440" bIns="45720" numCol="1" anchor="ctr" anchorCtr="0" compatLnSpc="1">
-            <a:prstTxWarp prst="textNoShape">
-              <a:avLst/>
-            </a:prstTxWarp>
-            <a:spAutoFit/>
-          </a:bodyPr>
-          <a:lstStyle/>
-          <a:p>
-            <a:pPr marL="0" marR="0" lvl="0" indent="0" algn="l" defTabSz="914400" rtl="0" eaLnBrk="0" fontAlgn="base" latinLnBrk="0" hangingPunct="0">
-              <a:lnSpc>
-                <a:spcPct val="100000"/>
-              </a:lnSpc>
-              <a:spcBef>
-                <a:spcPct val="0"/>
-              </a:spcBef>
-              <a:spcAft>
-                <a:spcPct val="0"/>
-              </a:spcAft>
-              <a:buClrTx/>
-              <a:buSzTx/>
-              <a:buFontTx/>
-              <a:buNone/>
-              <a:tabLst/>
-            </a:pPr>
-            <a:r>
-              <a:rPr kumimoji="0" lang="tr-TR" altLang="tr-TR" sz="1800" b="0" i="0" u="none" strike="noStrike" cap="none" normalizeH="0" baseline="0" dirty="0">
-                <a:ln>
-                  <a:noFill/>
-                </a:ln>
-                <a:solidFill>
-                  <a:schemeClr val="tx1"/>
-                </a:solidFill>
-                <a:effectLst/>
-                <a:latin typeface="Arial" panose="020B0604020202020204" pitchFamily="34" charset="0"/>
-              </a:rPr>
-              <a:t>Kümeleme algoritması, kümelerin nasıl oluşturulduğunu değil, aynı zamanda nasıl</a:t>
-            </a:r>
-          </a:p>
-          <a:p>
-            <a:pPr marL="0" marR="0" lvl="0" indent="0" algn="l" defTabSz="914400" rtl="0" eaLnBrk="0" fontAlgn="base" latinLnBrk="0" hangingPunct="0">
-              <a:lnSpc>
-                <a:spcPct val="100000"/>
-              </a:lnSpc>
-              <a:spcBef>
-                <a:spcPct val="0"/>
-              </a:spcBef>
-              <a:spcAft>
-                <a:spcPct val="0"/>
-              </a:spcAft>
-              <a:buClrTx/>
-              <a:buSzTx/>
-              <a:buFontTx/>
-              <a:buNone/>
-              <a:tabLst/>
-            </a:pPr>
-            <a:r>
-              <a:rPr kumimoji="0" lang="tr-TR" altLang="tr-TR" sz="1800" b="0" i="0" u="none" strike="noStrike" cap="none" normalizeH="0" baseline="0" dirty="0">
-                <a:ln>
-                  <a:noFill/>
-                </a:ln>
-                <a:solidFill>
-                  <a:schemeClr val="tx1"/>
-                </a:solidFill>
-                <a:effectLst/>
-                <a:latin typeface="Arial" panose="020B0604020202020204" pitchFamily="34" charset="0"/>
-              </a:rPr>
-              <a:t>görüntülendiğini de etkiler.</a:t>
-            </a:r>
-          </a:p>
-        </p:txBody>
-      </p:sp>
-    </p:spTree>
-    <p:extLst>
-      <p:ext uri="{BB962C8B-B14F-4D97-AF65-F5344CB8AC3E}">
-        <p14:creationId xmlns:p14="http://schemas.microsoft.com/office/powerpoint/2010/main" val="1211267873"/>
       </p:ext>
     </p:extLst>
   </p:cSld>
